--- a/Capstone 1 Slidedeck.pptx
+++ b/Capstone 1 Slidedeck.pptx
@@ -12,15 +12,16 @@
     <p:sldId id="261" r:id="rId6"/>
     <p:sldId id="263" r:id="rId7"/>
     <p:sldId id="262" r:id="rId8"/>
-    <p:sldId id="267" r:id="rId9"/>
-    <p:sldId id="268" r:id="rId10"/>
-    <p:sldId id="264" r:id="rId11"/>
-    <p:sldId id="265" r:id="rId12"/>
+    <p:sldId id="272" r:id="rId9"/>
+    <p:sldId id="265" r:id="rId10"/>
+    <p:sldId id="273" r:id="rId11"/>
+    <p:sldId id="274" r:id="rId12"/>
     <p:sldId id="266" r:id="rId13"/>
-    <p:sldId id="269" r:id="rId14"/>
-    <p:sldId id="270" r:id="rId15"/>
-    <p:sldId id="271" r:id="rId16"/>
-    <p:sldId id="260" r:id="rId17"/>
+    <p:sldId id="276" r:id="rId14"/>
+    <p:sldId id="269" r:id="rId15"/>
+    <p:sldId id="275" r:id="rId16"/>
+    <p:sldId id="270" r:id="rId17"/>
+    <p:sldId id="260" r:id="rId18"/>
   </p:sldIdLst>
   <p:sldSz cx="12192000" cy="6858000"/>
   <p:notesSz cx="6858000" cy="9144000"/>
@@ -849,7 +850,7 @@
           <a:p>
             <a:fld id="{526D663D-E391-49F0-85BA-9C82B5F26253}" type="datetimeFigureOut">
               <a:rPr lang="en-US" smtClean="0"/>
-              <a:t>2/20/2018</a:t>
+              <a:t>3/5/2018</a:t>
             </a:fld>
             <a:endParaRPr lang="en-US"/>
           </a:p>
@@ -1100,7 +1101,7 @@
           <a:p>
             <a:fld id="{526D663D-E391-49F0-85BA-9C82B5F26253}" type="datetimeFigureOut">
               <a:rPr lang="en-US" smtClean="0"/>
-              <a:t>2/20/2018</a:t>
+              <a:t>3/5/2018</a:t>
             </a:fld>
             <a:endParaRPr lang="en-US"/>
           </a:p>
@@ -1414,7 +1415,7 @@
           <a:p>
             <a:fld id="{526D663D-E391-49F0-85BA-9C82B5F26253}" type="datetimeFigureOut">
               <a:rPr lang="en-US" smtClean="0"/>
-              <a:t>2/20/2018</a:t>
+              <a:t>3/5/2018</a:t>
             </a:fld>
             <a:endParaRPr lang="en-US"/>
           </a:p>
@@ -1755,7 +1756,7 @@
           <a:p>
             <a:fld id="{526D663D-E391-49F0-85BA-9C82B5F26253}" type="datetimeFigureOut">
               <a:rPr lang="en-US" smtClean="0"/>
-              <a:t>2/20/2018</a:t>
+              <a:t>3/5/2018</a:t>
             </a:fld>
             <a:endParaRPr lang="en-US"/>
           </a:p>
@@ -2069,7 +2070,7 @@
           <a:p>
             <a:fld id="{526D663D-E391-49F0-85BA-9C82B5F26253}" type="datetimeFigureOut">
               <a:rPr lang="en-US" smtClean="0"/>
-              <a:t>2/20/2018</a:t>
+              <a:t>3/5/2018</a:t>
             </a:fld>
             <a:endParaRPr lang="en-US"/>
           </a:p>
@@ -2462,7 +2463,7 @@
           <a:p>
             <a:fld id="{526D663D-E391-49F0-85BA-9C82B5F26253}" type="datetimeFigureOut">
               <a:rPr lang="en-US" smtClean="0"/>
-              <a:t>2/20/2018</a:t>
+              <a:t>3/5/2018</a:t>
             </a:fld>
             <a:endParaRPr lang="en-US"/>
           </a:p>
@@ -2632,7 +2633,7 @@
           <a:p>
             <a:fld id="{526D663D-E391-49F0-85BA-9C82B5F26253}" type="datetimeFigureOut">
               <a:rPr lang="en-US" smtClean="0"/>
-              <a:t>2/20/2018</a:t>
+              <a:t>3/5/2018</a:t>
             </a:fld>
             <a:endParaRPr lang="en-US"/>
           </a:p>
@@ -2812,7 +2813,7 @@
           <a:p>
             <a:fld id="{526D663D-E391-49F0-85BA-9C82B5F26253}" type="datetimeFigureOut">
               <a:rPr lang="en-US" smtClean="0"/>
-              <a:t>2/20/2018</a:t>
+              <a:t>3/5/2018</a:t>
             </a:fld>
             <a:endParaRPr lang="en-US"/>
           </a:p>
@@ -2988,7 +2989,7 @@
           <a:p>
             <a:fld id="{526D663D-E391-49F0-85BA-9C82B5F26253}" type="datetimeFigureOut">
               <a:rPr lang="en-US" smtClean="0"/>
-              <a:t>2/20/2018</a:t>
+              <a:t>3/5/2018</a:t>
             </a:fld>
             <a:endParaRPr lang="en-US"/>
           </a:p>
@@ -3235,7 +3236,7 @@
           <a:p>
             <a:fld id="{526D663D-E391-49F0-85BA-9C82B5F26253}" type="datetimeFigureOut">
               <a:rPr lang="en-US" smtClean="0"/>
-              <a:t>2/20/2018</a:t>
+              <a:t>3/5/2018</a:t>
             </a:fld>
             <a:endParaRPr lang="en-US"/>
           </a:p>
@@ -3467,7 +3468,7 @@
           <a:p>
             <a:fld id="{526D663D-E391-49F0-85BA-9C82B5F26253}" type="datetimeFigureOut">
               <a:rPr lang="en-US" smtClean="0"/>
-              <a:t>2/20/2018</a:t>
+              <a:t>3/5/2018</a:t>
             </a:fld>
             <a:endParaRPr lang="en-US"/>
           </a:p>
@@ -3841,7 +3842,7 @@
           <a:p>
             <a:fld id="{526D663D-E391-49F0-85BA-9C82B5F26253}" type="datetimeFigureOut">
               <a:rPr lang="en-US" smtClean="0"/>
-              <a:t>2/20/2018</a:t>
+              <a:t>3/5/2018</a:t>
             </a:fld>
             <a:endParaRPr lang="en-US"/>
           </a:p>
@@ -3964,7 +3965,7 @@
           <a:p>
             <a:fld id="{526D663D-E391-49F0-85BA-9C82B5F26253}" type="datetimeFigureOut">
               <a:rPr lang="en-US" smtClean="0"/>
-              <a:t>2/20/2018</a:t>
+              <a:t>3/5/2018</a:t>
             </a:fld>
             <a:endParaRPr lang="en-US"/>
           </a:p>
@@ -4059,7 +4060,7 @@
           <a:p>
             <a:fld id="{526D663D-E391-49F0-85BA-9C82B5F26253}" type="datetimeFigureOut">
               <a:rPr lang="en-US" smtClean="0"/>
-              <a:t>2/20/2018</a:t>
+              <a:t>3/5/2018</a:t>
             </a:fld>
             <a:endParaRPr lang="en-US"/>
           </a:p>
@@ -4314,7 +4315,7 @@
           <a:p>
             <a:fld id="{526D663D-E391-49F0-85BA-9C82B5F26253}" type="datetimeFigureOut">
               <a:rPr lang="en-US" smtClean="0"/>
-              <a:t>2/20/2018</a:t>
+              <a:t>3/5/2018</a:t>
             </a:fld>
             <a:endParaRPr lang="en-US"/>
           </a:p>
@@ -4577,7 +4578,7 @@
           <a:p>
             <a:fld id="{526D663D-E391-49F0-85BA-9C82B5F26253}" type="datetimeFigureOut">
               <a:rPr lang="en-US" smtClean="0"/>
-              <a:t>2/20/2018</a:t>
+              <a:t>3/5/2018</a:t>
             </a:fld>
             <a:endParaRPr lang="en-US"/>
           </a:p>
@@ -5320,7 +5321,7 @@
           <a:p>
             <a:fld id="{526D663D-E391-49F0-85BA-9C82B5F26253}" type="datetimeFigureOut">
               <a:rPr lang="en-US" smtClean="0"/>
-              <a:t>2/20/2018</a:t>
+              <a:t>3/5/2018</a:t>
             </a:fld>
             <a:endParaRPr lang="en-US"/>
           </a:p>
@@ -5861,9 +5862,10 @@
           </a:bodyPr>
           <a:lstStyle/>
           <a:p>
+            <a:pPr algn="ctr"/>
             <a:r>
               <a:rPr lang="en-US" dirty="0" smtClean="0"/>
-              <a:t>Predicting Cardiovascular Disease with “Just” Poverty Rates</a:t>
+              <a:t>Predicting Cardiovascular Disease Using the Factors of Poverty</a:t>
             </a:r>
             <a:endParaRPr lang="en-US" dirty="0"/>
           </a:p>
@@ -5939,45 +5941,1015 @@
           <a:p>
             <a:r>
               <a:rPr lang="en-US" dirty="0" smtClean="0"/>
-              <a:t>EDA: Overall Pearson Correlations</a:t>
+              <a:t>What are the statistically significant variables?</a:t>
             </a:r>
             <a:endParaRPr lang="en-US" dirty="0"/>
           </a:p>
         </p:txBody>
       </p:sp>
-      <p:pic>
-        <p:nvPicPr>
-          <p:cNvPr id="6" name="Content Placeholder 5"/>
-          <p:cNvPicPr>
-            <a:picLocks noGrp="1" noChangeAspect="1"/>
-          </p:cNvPicPr>
+      <p:graphicFrame>
+        <p:nvGraphicFramePr>
+          <p:cNvPr id="11" name="Content Placeholder 10"/>
+          <p:cNvGraphicFramePr>
+            <a:graphicFrameLocks noGrp="1"/>
+          </p:cNvGraphicFramePr>
           <p:nvPr>
             <p:ph idx="1"/>
-          </p:nvPr>
-        </p:nvPicPr>
-        <p:blipFill>
-          <a:blip r:embed="rId2">
-            <a:extLst>
-              <a:ext uri="{28A0092B-C50C-407E-A947-70E740481C1C}">
-                <a14:useLocalDpi xmlns:a14="http://schemas.microsoft.com/office/drawing/2010/main" val="0"/>
-              </a:ext>
-            </a:extLst>
-          </a:blip>
-          <a:stretch>
-            <a:fillRect/>
-          </a:stretch>
-        </p:blipFill>
-        <p:spPr>
-          <a:xfrm>
-            <a:off x="677334" y="1298744"/>
-            <a:ext cx="8596668" cy="5559256"/>
-          </a:xfrm>
-        </p:spPr>
-      </p:pic>
+            <p:extLst>
+              <p:ext uri="{D42A27DB-BD31-4B8C-83A1-F6EECF244321}">
+                <p14:modId xmlns:p14="http://schemas.microsoft.com/office/powerpoint/2010/main" val="2176260681"/>
+              </p:ext>
+            </p:extLst>
+          </p:nvPr>
+        </p:nvGraphicFramePr>
+        <p:xfrm>
+          <a:off x="677334" y="1930400"/>
+          <a:ext cx="8596668" cy="4902200"/>
+        </p:xfrm>
+        <a:graphic>
+          <a:graphicData uri="http://schemas.openxmlformats.org/drawingml/2006/table">
+            <a:tbl>
+              <a:tblPr firstRow="1" bandRow="1">
+                <a:tableStyleId>{5C22544A-7EE6-4342-B048-85BDC9FD1C3A}</a:tableStyleId>
+              </a:tblPr>
+              <a:tblGrid>
+                <a:gridCol w="4298334">
+                  <a:extLst>
+                    <a:ext uri="{9D8B030D-6E8A-4147-A177-3AD203B41FA5}">
+                      <a16:colId xmlns:a16="http://schemas.microsoft.com/office/drawing/2014/main" val="1369497187"/>
+                    </a:ext>
+                  </a:extLst>
+                </a:gridCol>
+                <a:gridCol w="4298334">
+                  <a:extLst>
+                    <a:ext uri="{9D8B030D-6E8A-4147-A177-3AD203B41FA5}">
+                      <a16:colId xmlns:a16="http://schemas.microsoft.com/office/drawing/2014/main" val="2624877358"/>
+                    </a:ext>
+                  </a:extLst>
+                </a:gridCol>
+              </a:tblGrid>
+              <a:tr h="370840">
+                <a:tc>
+                  <a:txBody>
+                    <a:bodyPr/>
+                    <a:lstStyle/>
+                    <a:p>
+                      <a:pPr algn="ctr"/>
+                      <a:r>
+                        <a:rPr lang="en-US" sz="2400" dirty="0" smtClean="0"/>
+                        <a:t>Variable</a:t>
+                      </a:r>
+                      <a:endParaRPr lang="en-US" sz="2400" dirty="0"/>
+                    </a:p>
+                  </a:txBody>
+                  <a:tcPr anchor="ctr"/>
+                </a:tc>
+                <a:tc>
+                  <a:txBody>
+                    <a:bodyPr/>
+                    <a:lstStyle/>
+                    <a:p>
+                      <a:pPr algn="ctr"/>
+                      <a:r>
+                        <a:rPr lang="en-US" sz="2400" dirty="0" smtClean="0"/>
+                        <a:t>Explained</a:t>
+                      </a:r>
+                      <a:r>
+                        <a:rPr lang="en-US" sz="2400" baseline="0" dirty="0" smtClean="0"/>
+                        <a:t> Variance Ratio – Without Outliers</a:t>
+                      </a:r>
+                      <a:endParaRPr lang="en-US" sz="2400" dirty="0"/>
+                    </a:p>
+                  </a:txBody>
+                  <a:tcPr anchor="ctr"/>
+                </a:tc>
+                <a:extLst>
+                  <a:ext uri="{0D108BD9-81ED-4DB2-BD59-A6C34878D82A}">
+                    <a16:rowId xmlns:a16="http://schemas.microsoft.com/office/drawing/2014/main" val="1775856193"/>
+                  </a:ext>
+                </a:extLst>
+              </a:tr>
+              <a:tr h="370840">
+                <a:tc>
+                  <a:txBody>
+                    <a:bodyPr/>
+                    <a:lstStyle/>
+                    <a:p>
+                      <a:pPr marL="0" marR="0" algn="ctr">
+                        <a:lnSpc>
+                          <a:spcPct val="107000"/>
+                        </a:lnSpc>
+                        <a:spcBef>
+                          <a:spcPts val="0"/>
+                        </a:spcBef>
+                        <a:spcAft>
+                          <a:spcPts val="0"/>
+                        </a:spcAft>
+                      </a:pPr>
+                      <a:r>
+                        <a:rPr lang="en-US" sz="2000" dirty="0">
+                          <a:solidFill>
+                            <a:srgbClr val="000000"/>
+                          </a:solidFill>
+                          <a:effectLst/>
+                          <a:latin typeface="Calibri" panose="020F0502020204030204" pitchFamily="34" charset="0"/>
+                          <a:ea typeface="Times New Roman" panose="02020603050405020304" pitchFamily="18" charset="0"/>
+                          <a:cs typeface="Calibri" panose="020F0502020204030204" pitchFamily="34" charset="0"/>
+                        </a:rPr>
+                        <a:t>STATE</a:t>
+                      </a:r>
+                      <a:endParaRPr lang="en-US" sz="2000" dirty="0">
+                        <a:effectLst/>
+                        <a:latin typeface="Calibri" panose="020F0502020204030204" pitchFamily="34" charset="0"/>
+                        <a:ea typeface="Calibri" panose="020F0502020204030204" pitchFamily="34" charset="0"/>
+                        <a:cs typeface="Times New Roman" panose="02020603050405020304" pitchFamily="18" charset="0"/>
+                      </a:endParaRPr>
+                    </a:p>
+                  </a:txBody>
+                  <a:tcPr marL="68580" marR="68580" marT="0" marB="0" anchor="ctr"/>
+                </a:tc>
+                <a:tc>
+                  <a:txBody>
+                    <a:bodyPr/>
+                    <a:lstStyle/>
+                    <a:p>
+                      <a:pPr marL="0" marR="0" algn="ctr">
+                        <a:lnSpc>
+                          <a:spcPct val="107000"/>
+                        </a:lnSpc>
+                        <a:spcBef>
+                          <a:spcPts val="0"/>
+                        </a:spcBef>
+                        <a:spcAft>
+                          <a:spcPts val="0"/>
+                        </a:spcAft>
+                      </a:pPr>
+                      <a:r>
+                        <a:rPr lang="en-US" sz="2000">
+                          <a:solidFill>
+                            <a:srgbClr val="000000"/>
+                          </a:solidFill>
+                          <a:effectLst/>
+                          <a:latin typeface="Calibri" panose="020F0502020204030204" pitchFamily="34" charset="0"/>
+                          <a:ea typeface="Times New Roman" panose="02020603050405020304" pitchFamily="18" charset="0"/>
+                          <a:cs typeface="Calibri" panose="020F0502020204030204" pitchFamily="34" charset="0"/>
+                        </a:rPr>
+                        <a:t>65.74%</a:t>
+                      </a:r>
+                      <a:endParaRPr lang="en-US" sz="2000">
+                        <a:effectLst/>
+                        <a:latin typeface="Calibri" panose="020F0502020204030204" pitchFamily="34" charset="0"/>
+                        <a:ea typeface="Calibri" panose="020F0502020204030204" pitchFamily="34" charset="0"/>
+                        <a:cs typeface="Times New Roman" panose="02020603050405020304" pitchFamily="18" charset="0"/>
+                      </a:endParaRPr>
+                    </a:p>
+                  </a:txBody>
+                  <a:tcPr marL="68580" marR="68580" marT="0" marB="0" anchor="ctr"/>
+                </a:tc>
+                <a:extLst>
+                  <a:ext uri="{0D108BD9-81ED-4DB2-BD59-A6C34878D82A}">
+                    <a16:rowId xmlns:a16="http://schemas.microsoft.com/office/drawing/2014/main" val="1441096774"/>
+                  </a:ext>
+                </a:extLst>
+              </a:tr>
+              <a:tr h="370840">
+                <a:tc>
+                  <a:txBody>
+                    <a:bodyPr/>
+                    <a:lstStyle/>
+                    <a:p>
+                      <a:pPr marL="0" marR="0" algn="ctr">
+                        <a:lnSpc>
+                          <a:spcPct val="107000"/>
+                        </a:lnSpc>
+                        <a:spcBef>
+                          <a:spcPts val="0"/>
+                        </a:spcBef>
+                        <a:spcAft>
+                          <a:spcPts val="0"/>
+                        </a:spcAft>
+                      </a:pPr>
+                      <a:r>
+                        <a:rPr lang="en-US" sz="2000" dirty="0">
+                          <a:solidFill>
+                            <a:srgbClr val="000000"/>
+                          </a:solidFill>
+                          <a:effectLst/>
+                          <a:latin typeface="Calibri" panose="020F0502020204030204" pitchFamily="34" charset="0"/>
+                          <a:ea typeface="Times New Roman" panose="02020603050405020304" pitchFamily="18" charset="0"/>
+                          <a:cs typeface="Calibri" panose="020F0502020204030204" pitchFamily="34" charset="0"/>
+                        </a:rPr>
+                        <a:t>Year</a:t>
+                      </a:r>
+                      <a:endParaRPr lang="en-US" sz="2000" dirty="0">
+                        <a:effectLst/>
+                        <a:latin typeface="Calibri" panose="020F0502020204030204" pitchFamily="34" charset="0"/>
+                        <a:ea typeface="Calibri" panose="020F0502020204030204" pitchFamily="34" charset="0"/>
+                        <a:cs typeface="Times New Roman" panose="02020603050405020304" pitchFamily="18" charset="0"/>
+                      </a:endParaRPr>
+                    </a:p>
+                  </a:txBody>
+                  <a:tcPr marL="68580" marR="68580" marT="0" marB="0" anchor="ctr"/>
+                </a:tc>
+                <a:tc>
+                  <a:txBody>
+                    <a:bodyPr/>
+                    <a:lstStyle/>
+                    <a:p>
+                      <a:pPr marL="0" marR="0" algn="ctr">
+                        <a:lnSpc>
+                          <a:spcPct val="107000"/>
+                        </a:lnSpc>
+                        <a:spcBef>
+                          <a:spcPts val="0"/>
+                        </a:spcBef>
+                        <a:spcAft>
+                          <a:spcPts val="0"/>
+                        </a:spcAft>
+                      </a:pPr>
+                      <a:r>
+                        <a:rPr lang="en-US" sz="2000">
+                          <a:solidFill>
+                            <a:srgbClr val="000000"/>
+                          </a:solidFill>
+                          <a:effectLst/>
+                          <a:latin typeface="Calibri" panose="020F0502020204030204" pitchFamily="34" charset="0"/>
+                          <a:ea typeface="Times New Roman" panose="02020603050405020304" pitchFamily="18" charset="0"/>
+                          <a:cs typeface="Calibri" panose="020F0502020204030204" pitchFamily="34" charset="0"/>
+                        </a:rPr>
+                        <a:t>33.26%</a:t>
+                      </a:r>
+                      <a:endParaRPr lang="en-US" sz="2000">
+                        <a:effectLst/>
+                        <a:latin typeface="Calibri" panose="020F0502020204030204" pitchFamily="34" charset="0"/>
+                        <a:ea typeface="Calibri" panose="020F0502020204030204" pitchFamily="34" charset="0"/>
+                        <a:cs typeface="Times New Roman" panose="02020603050405020304" pitchFamily="18" charset="0"/>
+                      </a:endParaRPr>
+                    </a:p>
+                  </a:txBody>
+                  <a:tcPr marL="68580" marR="68580" marT="0" marB="0" anchor="ctr"/>
+                </a:tc>
+                <a:extLst>
+                  <a:ext uri="{0D108BD9-81ED-4DB2-BD59-A6C34878D82A}">
+                    <a16:rowId xmlns:a16="http://schemas.microsoft.com/office/drawing/2014/main" val="3158443161"/>
+                  </a:ext>
+                </a:extLst>
+              </a:tr>
+              <a:tr h="370840">
+                <a:tc>
+                  <a:txBody>
+                    <a:bodyPr/>
+                    <a:lstStyle/>
+                    <a:p>
+                      <a:pPr marL="0" marR="0" algn="ctr">
+                        <a:lnSpc>
+                          <a:spcPct val="107000"/>
+                        </a:lnSpc>
+                        <a:spcBef>
+                          <a:spcPts val="0"/>
+                        </a:spcBef>
+                        <a:spcAft>
+                          <a:spcPts val="0"/>
+                        </a:spcAft>
+                      </a:pPr>
+                      <a:r>
+                        <a:rPr lang="en-US" sz="2000" dirty="0">
+                          <a:solidFill>
+                            <a:srgbClr val="000000"/>
+                          </a:solidFill>
+                          <a:effectLst/>
+                          <a:latin typeface="Calibri" panose="020F0502020204030204" pitchFamily="34" charset="0"/>
+                          <a:ea typeface="Times New Roman" panose="02020603050405020304" pitchFamily="18" charset="0"/>
+                          <a:cs typeface="Calibri" panose="020F0502020204030204" pitchFamily="34" charset="0"/>
+                        </a:rPr>
+                        <a:t>Unemployment Rate</a:t>
+                      </a:r>
+                      <a:endParaRPr lang="en-US" sz="2000" dirty="0">
+                        <a:effectLst/>
+                        <a:latin typeface="Calibri" panose="020F0502020204030204" pitchFamily="34" charset="0"/>
+                        <a:ea typeface="Calibri" panose="020F0502020204030204" pitchFamily="34" charset="0"/>
+                        <a:cs typeface="Times New Roman" panose="02020603050405020304" pitchFamily="18" charset="0"/>
+                      </a:endParaRPr>
+                    </a:p>
+                  </a:txBody>
+                  <a:tcPr marL="68580" marR="68580" marT="0" marB="0" anchor="ctr"/>
+                </a:tc>
+                <a:tc>
+                  <a:txBody>
+                    <a:bodyPr/>
+                    <a:lstStyle/>
+                    <a:p>
+                      <a:pPr marL="0" marR="0" algn="ctr">
+                        <a:lnSpc>
+                          <a:spcPct val="107000"/>
+                        </a:lnSpc>
+                        <a:spcBef>
+                          <a:spcPts val="0"/>
+                        </a:spcBef>
+                        <a:spcAft>
+                          <a:spcPts val="0"/>
+                        </a:spcAft>
+                      </a:pPr>
+                      <a:r>
+                        <a:rPr lang="en-US" sz="2000">
+                          <a:solidFill>
+                            <a:srgbClr val="000000"/>
+                          </a:solidFill>
+                          <a:effectLst/>
+                          <a:latin typeface="Calibri" panose="020F0502020204030204" pitchFamily="34" charset="0"/>
+                          <a:ea typeface="Times New Roman" panose="02020603050405020304" pitchFamily="18" charset="0"/>
+                          <a:cs typeface="Calibri" panose="020F0502020204030204" pitchFamily="34" charset="0"/>
+                        </a:rPr>
+                        <a:t>0.48%</a:t>
+                      </a:r>
+                      <a:endParaRPr lang="en-US" sz="2000">
+                        <a:effectLst/>
+                        <a:latin typeface="Calibri" panose="020F0502020204030204" pitchFamily="34" charset="0"/>
+                        <a:ea typeface="Calibri" panose="020F0502020204030204" pitchFamily="34" charset="0"/>
+                        <a:cs typeface="Times New Roman" panose="02020603050405020304" pitchFamily="18" charset="0"/>
+                      </a:endParaRPr>
+                    </a:p>
+                  </a:txBody>
+                  <a:tcPr marL="68580" marR="68580" marT="0" marB="0" anchor="ctr"/>
+                </a:tc>
+                <a:extLst>
+                  <a:ext uri="{0D108BD9-81ED-4DB2-BD59-A6C34878D82A}">
+                    <a16:rowId xmlns:a16="http://schemas.microsoft.com/office/drawing/2014/main" val="3606591399"/>
+                  </a:ext>
+                </a:extLst>
+              </a:tr>
+              <a:tr h="370840">
+                <a:tc>
+                  <a:txBody>
+                    <a:bodyPr/>
+                    <a:lstStyle/>
+                    <a:p>
+                      <a:pPr marL="0" marR="0" algn="ctr">
+                        <a:lnSpc>
+                          <a:spcPct val="107000"/>
+                        </a:lnSpc>
+                        <a:spcBef>
+                          <a:spcPts val="0"/>
+                        </a:spcBef>
+                        <a:spcAft>
+                          <a:spcPts val="0"/>
+                        </a:spcAft>
+                      </a:pPr>
+                      <a:r>
+                        <a:rPr lang="en-US" sz="2000" dirty="0">
+                          <a:solidFill>
+                            <a:srgbClr val="000000"/>
+                          </a:solidFill>
+                          <a:effectLst/>
+                          <a:latin typeface="Calibri" panose="020F0502020204030204" pitchFamily="34" charset="0"/>
+                          <a:ea typeface="Times New Roman" panose="02020603050405020304" pitchFamily="18" charset="0"/>
+                          <a:cs typeface="Calibri" panose="020F0502020204030204" pitchFamily="34" charset="0"/>
+                        </a:rPr>
+                        <a:t>Total (1000s)</a:t>
+                      </a:r>
+                      <a:endParaRPr lang="en-US" sz="2000" dirty="0">
+                        <a:effectLst/>
+                        <a:latin typeface="Calibri" panose="020F0502020204030204" pitchFamily="34" charset="0"/>
+                        <a:ea typeface="Calibri" panose="020F0502020204030204" pitchFamily="34" charset="0"/>
+                        <a:cs typeface="Times New Roman" panose="02020603050405020304" pitchFamily="18" charset="0"/>
+                      </a:endParaRPr>
+                    </a:p>
+                  </a:txBody>
+                  <a:tcPr marL="68580" marR="68580" marT="0" marB="0" anchor="ctr"/>
+                </a:tc>
+                <a:tc>
+                  <a:txBody>
+                    <a:bodyPr/>
+                    <a:lstStyle/>
+                    <a:p>
+                      <a:pPr marL="0" marR="0" algn="ctr">
+                        <a:lnSpc>
+                          <a:spcPct val="107000"/>
+                        </a:lnSpc>
+                        <a:spcBef>
+                          <a:spcPts val="0"/>
+                        </a:spcBef>
+                        <a:spcAft>
+                          <a:spcPts val="0"/>
+                        </a:spcAft>
+                      </a:pPr>
+                      <a:r>
+                        <a:rPr lang="en-US" sz="2000">
+                          <a:solidFill>
+                            <a:srgbClr val="000000"/>
+                          </a:solidFill>
+                          <a:effectLst/>
+                          <a:latin typeface="Calibri" panose="020F0502020204030204" pitchFamily="34" charset="0"/>
+                          <a:ea typeface="Times New Roman" panose="02020603050405020304" pitchFamily="18" charset="0"/>
+                          <a:cs typeface="Calibri" panose="020F0502020204030204" pitchFamily="34" charset="0"/>
+                        </a:rPr>
+                        <a:t>0.28%</a:t>
+                      </a:r>
+                      <a:endParaRPr lang="en-US" sz="2000">
+                        <a:effectLst/>
+                        <a:latin typeface="Calibri" panose="020F0502020204030204" pitchFamily="34" charset="0"/>
+                        <a:ea typeface="Calibri" panose="020F0502020204030204" pitchFamily="34" charset="0"/>
+                        <a:cs typeface="Times New Roman" panose="02020603050405020304" pitchFamily="18" charset="0"/>
+                      </a:endParaRPr>
+                    </a:p>
+                  </a:txBody>
+                  <a:tcPr marL="68580" marR="68580" marT="0" marB="0" anchor="ctr"/>
+                </a:tc>
+                <a:extLst>
+                  <a:ext uri="{0D108BD9-81ED-4DB2-BD59-A6C34878D82A}">
+                    <a16:rowId xmlns:a16="http://schemas.microsoft.com/office/drawing/2014/main" val="802629815"/>
+                  </a:ext>
+                </a:extLst>
+              </a:tr>
+              <a:tr h="370840">
+                <a:tc>
+                  <a:txBody>
+                    <a:bodyPr/>
+                    <a:lstStyle/>
+                    <a:p>
+                      <a:pPr marL="0" marR="0" algn="ctr">
+                        <a:lnSpc>
+                          <a:spcPct val="107000"/>
+                        </a:lnSpc>
+                        <a:spcBef>
+                          <a:spcPts val="0"/>
+                        </a:spcBef>
+                        <a:spcAft>
+                          <a:spcPts val="0"/>
+                        </a:spcAft>
+                      </a:pPr>
+                      <a:r>
+                        <a:rPr lang="en-US" sz="2000" dirty="0">
+                          <a:solidFill>
+                            <a:srgbClr val="000000"/>
+                          </a:solidFill>
+                          <a:effectLst/>
+                          <a:latin typeface="Calibri" panose="020F0502020204030204" pitchFamily="34" charset="0"/>
+                          <a:ea typeface="Times New Roman" panose="02020603050405020304" pitchFamily="18" charset="0"/>
+                          <a:cs typeface="Calibri" panose="020F0502020204030204" pitchFamily="34" charset="0"/>
+                        </a:rPr>
+                        <a:t>Number (1000s)</a:t>
+                      </a:r>
+                      <a:endParaRPr lang="en-US" sz="2000" dirty="0">
+                        <a:effectLst/>
+                        <a:latin typeface="Calibri" panose="020F0502020204030204" pitchFamily="34" charset="0"/>
+                        <a:ea typeface="Calibri" panose="020F0502020204030204" pitchFamily="34" charset="0"/>
+                        <a:cs typeface="Times New Roman" panose="02020603050405020304" pitchFamily="18" charset="0"/>
+                      </a:endParaRPr>
+                    </a:p>
+                  </a:txBody>
+                  <a:tcPr marL="68580" marR="68580" marT="0" marB="0" anchor="ctr"/>
+                </a:tc>
+                <a:tc>
+                  <a:txBody>
+                    <a:bodyPr/>
+                    <a:lstStyle/>
+                    <a:p>
+                      <a:pPr marL="0" marR="0" algn="ctr">
+                        <a:lnSpc>
+                          <a:spcPct val="107000"/>
+                        </a:lnSpc>
+                        <a:spcBef>
+                          <a:spcPts val="0"/>
+                        </a:spcBef>
+                        <a:spcAft>
+                          <a:spcPts val="0"/>
+                        </a:spcAft>
+                      </a:pPr>
+                      <a:r>
+                        <a:rPr lang="en-US" sz="2000">
+                          <a:solidFill>
+                            <a:srgbClr val="000000"/>
+                          </a:solidFill>
+                          <a:effectLst/>
+                          <a:latin typeface="Calibri" panose="020F0502020204030204" pitchFamily="34" charset="0"/>
+                          <a:ea typeface="Times New Roman" panose="02020603050405020304" pitchFamily="18" charset="0"/>
+                          <a:cs typeface="Calibri" panose="020F0502020204030204" pitchFamily="34" charset="0"/>
+                        </a:rPr>
+                        <a:t>0.13%</a:t>
+                      </a:r>
+                      <a:endParaRPr lang="en-US" sz="2000">
+                        <a:effectLst/>
+                        <a:latin typeface="Calibri" panose="020F0502020204030204" pitchFamily="34" charset="0"/>
+                        <a:ea typeface="Calibri" panose="020F0502020204030204" pitchFamily="34" charset="0"/>
+                        <a:cs typeface="Times New Roman" panose="02020603050405020304" pitchFamily="18" charset="0"/>
+                      </a:endParaRPr>
+                    </a:p>
+                  </a:txBody>
+                  <a:tcPr marL="68580" marR="68580" marT="0" marB="0" anchor="ctr"/>
+                </a:tc>
+                <a:extLst>
+                  <a:ext uri="{0D108BD9-81ED-4DB2-BD59-A6C34878D82A}">
+                    <a16:rowId xmlns:a16="http://schemas.microsoft.com/office/drawing/2014/main" val="1892340766"/>
+                  </a:ext>
+                </a:extLst>
+              </a:tr>
+              <a:tr h="370840">
+                <a:tc>
+                  <a:txBody>
+                    <a:bodyPr/>
+                    <a:lstStyle/>
+                    <a:p>
+                      <a:pPr marL="0" marR="0" algn="ctr">
+                        <a:lnSpc>
+                          <a:spcPct val="107000"/>
+                        </a:lnSpc>
+                        <a:spcBef>
+                          <a:spcPts val="0"/>
+                        </a:spcBef>
+                        <a:spcAft>
+                          <a:spcPts val="0"/>
+                        </a:spcAft>
+                      </a:pPr>
+                      <a:r>
+                        <a:rPr lang="en-US" sz="2000" dirty="0">
+                          <a:solidFill>
+                            <a:srgbClr val="000000"/>
+                          </a:solidFill>
+                          <a:effectLst/>
+                          <a:latin typeface="Calibri" panose="020F0502020204030204" pitchFamily="34" charset="0"/>
+                          <a:ea typeface="Times New Roman" panose="02020603050405020304" pitchFamily="18" charset="0"/>
+                          <a:cs typeface="Calibri" panose="020F0502020204030204" pitchFamily="34" charset="0"/>
+                        </a:rPr>
+                        <a:t>Percent</a:t>
+                      </a:r>
+                      <a:endParaRPr lang="en-US" sz="2000" dirty="0">
+                        <a:effectLst/>
+                        <a:latin typeface="Calibri" panose="020F0502020204030204" pitchFamily="34" charset="0"/>
+                        <a:ea typeface="Calibri" panose="020F0502020204030204" pitchFamily="34" charset="0"/>
+                        <a:cs typeface="Times New Roman" panose="02020603050405020304" pitchFamily="18" charset="0"/>
+                      </a:endParaRPr>
+                    </a:p>
+                  </a:txBody>
+                  <a:tcPr marL="68580" marR="68580" marT="0" marB="0" anchor="ctr"/>
+                </a:tc>
+                <a:tc>
+                  <a:txBody>
+                    <a:bodyPr/>
+                    <a:lstStyle/>
+                    <a:p>
+                      <a:pPr marL="0" marR="0" algn="ctr">
+                        <a:lnSpc>
+                          <a:spcPct val="107000"/>
+                        </a:lnSpc>
+                        <a:spcBef>
+                          <a:spcPts val="0"/>
+                        </a:spcBef>
+                        <a:spcAft>
+                          <a:spcPts val="0"/>
+                        </a:spcAft>
+                      </a:pPr>
+                      <a:r>
+                        <a:rPr lang="en-US" sz="2000" dirty="0">
+                          <a:solidFill>
+                            <a:srgbClr val="000000"/>
+                          </a:solidFill>
+                          <a:effectLst/>
+                          <a:latin typeface="Calibri" panose="020F0502020204030204" pitchFamily="34" charset="0"/>
+                          <a:ea typeface="Times New Roman" panose="02020603050405020304" pitchFamily="18" charset="0"/>
+                          <a:cs typeface="Calibri" panose="020F0502020204030204" pitchFamily="34" charset="0"/>
+                        </a:rPr>
+                        <a:t>0.10%</a:t>
+                      </a:r>
+                      <a:endParaRPr lang="en-US" sz="2000" dirty="0">
+                        <a:effectLst/>
+                        <a:latin typeface="Calibri" panose="020F0502020204030204" pitchFamily="34" charset="0"/>
+                        <a:ea typeface="Calibri" panose="020F0502020204030204" pitchFamily="34" charset="0"/>
+                        <a:cs typeface="Times New Roman" panose="02020603050405020304" pitchFamily="18" charset="0"/>
+                      </a:endParaRPr>
+                    </a:p>
+                  </a:txBody>
+                  <a:tcPr marL="68580" marR="68580" marT="0" marB="0" anchor="ctr"/>
+                </a:tc>
+                <a:extLst>
+                  <a:ext uri="{0D108BD9-81ED-4DB2-BD59-A6C34878D82A}">
+                    <a16:rowId xmlns:a16="http://schemas.microsoft.com/office/drawing/2014/main" val="3841276659"/>
+                  </a:ext>
+                </a:extLst>
+              </a:tr>
+              <a:tr h="370840">
+                <a:tc>
+                  <a:txBody>
+                    <a:bodyPr/>
+                    <a:lstStyle/>
+                    <a:p>
+                      <a:pPr marL="0" marR="0" algn="ctr">
+                        <a:lnSpc>
+                          <a:spcPct val="107000"/>
+                        </a:lnSpc>
+                        <a:spcBef>
+                          <a:spcPts val="0"/>
+                        </a:spcBef>
+                        <a:spcAft>
+                          <a:spcPts val="0"/>
+                        </a:spcAft>
+                      </a:pPr>
+                      <a:r>
+                        <a:rPr lang="en-US" sz="2000">
+                          <a:solidFill>
+                            <a:srgbClr val="000000"/>
+                          </a:solidFill>
+                          <a:effectLst/>
+                          <a:latin typeface="Calibri" panose="020F0502020204030204" pitchFamily="34" charset="0"/>
+                          <a:ea typeface="Times New Roman" panose="02020603050405020304" pitchFamily="18" charset="0"/>
+                          <a:cs typeface="Calibri" panose="020F0502020204030204" pitchFamily="34" charset="0"/>
+                        </a:rPr>
+                        <a:t>Gross Domestic Product ($)</a:t>
+                      </a:r>
+                      <a:endParaRPr lang="en-US" sz="2000">
+                        <a:effectLst/>
+                        <a:latin typeface="Calibri" panose="020F0502020204030204" pitchFamily="34" charset="0"/>
+                        <a:ea typeface="Calibri" panose="020F0502020204030204" pitchFamily="34" charset="0"/>
+                        <a:cs typeface="Times New Roman" panose="02020603050405020304" pitchFamily="18" charset="0"/>
+                      </a:endParaRPr>
+                    </a:p>
+                  </a:txBody>
+                  <a:tcPr marL="68580" marR="68580" marT="0" marB="0" anchor="ctr"/>
+                </a:tc>
+                <a:tc>
+                  <a:txBody>
+                    <a:bodyPr/>
+                    <a:lstStyle/>
+                    <a:p>
+                      <a:pPr marL="0" marR="0" algn="ctr">
+                        <a:lnSpc>
+                          <a:spcPct val="107000"/>
+                        </a:lnSpc>
+                        <a:spcBef>
+                          <a:spcPts val="0"/>
+                        </a:spcBef>
+                        <a:spcAft>
+                          <a:spcPts val="0"/>
+                        </a:spcAft>
+                      </a:pPr>
+                      <a:r>
+                        <a:rPr lang="en-US" sz="2000" dirty="0">
+                          <a:solidFill>
+                            <a:srgbClr val="000000"/>
+                          </a:solidFill>
+                          <a:effectLst/>
+                          <a:latin typeface="Calibri" panose="020F0502020204030204" pitchFamily="34" charset="0"/>
+                          <a:ea typeface="Times New Roman" panose="02020603050405020304" pitchFamily="18" charset="0"/>
+                          <a:cs typeface="Calibri" panose="020F0502020204030204" pitchFamily="34" charset="0"/>
+                        </a:rPr>
+                        <a:t>0.01%</a:t>
+                      </a:r>
+                      <a:endParaRPr lang="en-US" sz="2000" dirty="0">
+                        <a:effectLst/>
+                        <a:latin typeface="Calibri" panose="020F0502020204030204" pitchFamily="34" charset="0"/>
+                        <a:ea typeface="Calibri" panose="020F0502020204030204" pitchFamily="34" charset="0"/>
+                        <a:cs typeface="Times New Roman" panose="02020603050405020304" pitchFamily="18" charset="0"/>
+                      </a:endParaRPr>
+                    </a:p>
+                  </a:txBody>
+                  <a:tcPr marL="68580" marR="68580" marT="0" marB="0" anchor="ctr"/>
+                </a:tc>
+                <a:extLst>
+                  <a:ext uri="{0D108BD9-81ED-4DB2-BD59-A6C34878D82A}">
+                    <a16:rowId xmlns:a16="http://schemas.microsoft.com/office/drawing/2014/main" val="2078998842"/>
+                  </a:ext>
+                </a:extLst>
+              </a:tr>
+              <a:tr h="370840">
+                <a:tc>
+                  <a:txBody>
+                    <a:bodyPr/>
+                    <a:lstStyle/>
+                    <a:p>
+                      <a:pPr marL="0" marR="0" algn="ctr">
+                        <a:lnSpc>
+                          <a:spcPct val="107000"/>
+                        </a:lnSpc>
+                        <a:spcBef>
+                          <a:spcPts val="0"/>
+                        </a:spcBef>
+                        <a:spcAft>
+                          <a:spcPts val="0"/>
+                        </a:spcAft>
+                      </a:pPr>
+                      <a:r>
+                        <a:rPr lang="en-US" sz="2000" dirty="0">
+                          <a:solidFill>
+                            <a:srgbClr val="000000"/>
+                          </a:solidFill>
+                          <a:effectLst/>
+                          <a:latin typeface="Calibri" panose="020F0502020204030204" pitchFamily="34" charset="0"/>
+                          <a:ea typeface="Times New Roman" panose="02020603050405020304" pitchFamily="18" charset="0"/>
+                          <a:cs typeface="Calibri" panose="020F0502020204030204" pitchFamily="34" charset="0"/>
+                        </a:rPr>
+                        <a:t>Information Transparency Score</a:t>
+                      </a:r>
+                      <a:endParaRPr lang="en-US" sz="2000" dirty="0">
+                        <a:effectLst/>
+                        <a:latin typeface="Calibri" panose="020F0502020204030204" pitchFamily="34" charset="0"/>
+                        <a:ea typeface="Calibri" panose="020F0502020204030204" pitchFamily="34" charset="0"/>
+                        <a:cs typeface="Times New Roman" panose="02020603050405020304" pitchFamily="18" charset="0"/>
+                      </a:endParaRPr>
+                    </a:p>
+                  </a:txBody>
+                  <a:tcPr marL="68580" marR="68580" marT="0" marB="0" anchor="ctr"/>
+                </a:tc>
+                <a:tc>
+                  <a:txBody>
+                    <a:bodyPr/>
+                    <a:lstStyle/>
+                    <a:p>
+                      <a:pPr marL="0" marR="0" algn="ctr">
+                        <a:lnSpc>
+                          <a:spcPct val="107000"/>
+                        </a:lnSpc>
+                        <a:spcBef>
+                          <a:spcPts val="0"/>
+                        </a:spcBef>
+                        <a:spcAft>
+                          <a:spcPts val="0"/>
+                        </a:spcAft>
+                      </a:pPr>
+                      <a:r>
+                        <a:rPr lang="en-US" sz="2000" dirty="0">
+                          <a:solidFill>
+                            <a:srgbClr val="000000"/>
+                          </a:solidFill>
+                          <a:effectLst/>
+                          <a:latin typeface="Calibri" panose="020F0502020204030204" pitchFamily="34" charset="0"/>
+                          <a:ea typeface="Times New Roman" panose="02020603050405020304" pitchFamily="18" charset="0"/>
+                          <a:cs typeface="Calibri" panose="020F0502020204030204" pitchFamily="34" charset="0"/>
+                        </a:rPr>
+                        <a:t>0.01%</a:t>
+                      </a:r>
+                      <a:endParaRPr lang="en-US" sz="2000" dirty="0">
+                        <a:effectLst/>
+                        <a:latin typeface="Calibri" panose="020F0502020204030204" pitchFamily="34" charset="0"/>
+                        <a:ea typeface="Calibri" panose="020F0502020204030204" pitchFamily="34" charset="0"/>
+                        <a:cs typeface="Times New Roman" panose="02020603050405020304" pitchFamily="18" charset="0"/>
+                      </a:endParaRPr>
+                    </a:p>
+                  </a:txBody>
+                  <a:tcPr marL="68580" marR="68580" marT="0" marB="0" anchor="ctr"/>
+                </a:tc>
+                <a:extLst>
+                  <a:ext uri="{0D108BD9-81ED-4DB2-BD59-A6C34878D82A}">
+                    <a16:rowId xmlns:a16="http://schemas.microsoft.com/office/drawing/2014/main" val="1329041864"/>
+                  </a:ext>
+                </a:extLst>
+              </a:tr>
+              <a:tr h="370840">
+                <a:tc>
+                  <a:txBody>
+                    <a:bodyPr/>
+                    <a:lstStyle/>
+                    <a:p>
+                      <a:pPr marL="0" marR="0" algn="ctr">
+                        <a:lnSpc>
+                          <a:spcPct val="107000"/>
+                        </a:lnSpc>
+                        <a:spcBef>
+                          <a:spcPts val="0"/>
+                        </a:spcBef>
+                        <a:spcAft>
+                          <a:spcPts val="0"/>
+                        </a:spcAft>
+                      </a:pPr>
+                      <a:r>
+                        <a:rPr lang="en-US" sz="2000" dirty="0">
+                          <a:solidFill>
+                            <a:srgbClr val="000000"/>
+                          </a:solidFill>
+                          <a:effectLst/>
+                          <a:latin typeface="Calibri" panose="020F0502020204030204" pitchFamily="34" charset="0"/>
+                          <a:ea typeface="Times New Roman" panose="02020603050405020304" pitchFamily="18" charset="0"/>
+                          <a:cs typeface="Calibri" panose="020F0502020204030204" pitchFamily="34" charset="0"/>
+                        </a:rPr>
+                        <a:t>Accountability Transparency Score</a:t>
+                      </a:r>
+                      <a:endParaRPr lang="en-US" sz="2000" dirty="0">
+                        <a:effectLst/>
+                        <a:latin typeface="Calibri" panose="020F0502020204030204" pitchFamily="34" charset="0"/>
+                        <a:ea typeface="Calibri" panose="020F0502020204030204" pitchFamily="34" charset="0"/>
+                        <a:cs typeface="Times New Roman" panose="02020603050405020304" pitchFamily="18" charset="0"/>
+                      </a:endParaRPr>
+                    </a:p>
+                  </a:txBody>
+                  <a:tcPr marL="68580" marR="68580" marT="0" marB="0" anchor="ctr"/>
+                </a:tc>
+                <a:tc>
+                  <a:txBody>
+                    <a:bodyPr/>
+                    <a:lstStyle/>
+                    <a:p>
+                      <a:pPr marL="0" marR="0" algn="ctr">
+                        <a:lnSpc>
+                          <a:spcPct val="107000"/>
+                        </a:lnSpc>
+                        <a:spcBef>
+                          <a:spcPts val="0"/>
+                        </a:spcBef>
+                        <a:spcAft>
+                          <a:spcPts val="0"/>
+                        </a:spcAft>
+                      </a:pPr>
+                      <a:r>
+                        <a:rPr lang="en-US" sz="2000" dirty="0">
+                          <a:solidFill>
+                            <a:srgbClr val="000000"/>
+                          </a:solidFill>
+                          <a:effectLst/>
+                          <a:latin typeface="Calibri" panose="020F0502020204030204" pitchFamily="34" charset="0"/>
+                          <a:ea typeface="Times New Roman" panose="02020603050405020304" pitchFamily="18" charset="0"/>
+                          <a:cs typeface="Calibri" panose="020F0502020204030204" pitchFamily="34" charset="0"/>
+                        </a:rPr>
+                        <a:t>0.00%</a:t>
+                      </a:r>
+                      <a:endParaRPr lang="en-US" sz="2000" dirty="0">
+                        <a:effectLst/>
+                        <a:latin typeface="Calibri" panose="020F0502020204030204" pitchFamily="34" charset="0"/>
+                        <a:ea typeface="Calibri" panose="020F0502020204030204" pitchFamily="34" charset="0"/>
+                        <a:cs typeface="Times New Roman" panose="02020603050405020304" pitchFamily="18" charset="0"/>
+                      </a:endParaRPr>
+                    </a:p>
+                  </a:txBody>
+                  <a:tcPr marL="68580" marR="68580" marT="0" marB="0" anchor="ctr"/>
+                </a:tc>
+                <a:extLst>
+                  <a:ext uri="{0D108BD9-81ED-4DB2-BD59-A6C34878D82A}">
+                    <a16:rowId xmlns:a16="http://schemas.microsoft.com/office/drawing/2014/main" val="742733747"/>
+                  </a:ext>
+                </a:extLst>
+              </a:tr>
+              <a:tr h="370840">
+                <a:tc>
+                  <a:txBody>
+                    <a:bodyPr/>
+                    <a:lstStyle/>
+                    <a:p>
+                      <a:pPr marL="0" marR="0" algn="ctr">
+                        <a:lnSpc>
+                          <a:spcPct val="107000"/>
+                        </a:lnSpc>
+                        <a:spcBef>
+                          <a:spcPts val="0"/>
+                        </a:spcBef>
+                        <a:spcAft>
+                          <a:spcPts val="0"/>
+                        </a:spcAft>
+                      </a:pPr>
+                      <a:r>
+                        <a:rPr lang="en-US" sz="2000">
+                          <a:solidFill>
+                            <a:srgbClr val="000000"/>
+                          </a:solidFill>
+                          <a:effectLst/>
+                          <a:latin typeface="Calibri" panose="020F0502020204030204" pitchFamily="34" charset="0"/>
+                          <a:ea typeface="Times New Roman" panose="02020603050405020304" pitchFamily="18" charset="0"/>
+                          <a:cs typeface="Calibri" panose="020F0502020204030204" pitchFamily="34" charset="0"/>
+                        </a:rPr>
+                        <a:t>Transparency Index Score</a:t>
+                      </a:r>
+                      <a:endParaRPr lang="en-US" sz="2000">
+                        <a:effectLst/>
+                        <a:latin typeface="Calibri" panose="020F0502020204030204" pitchFamily="34" charset="0"/>
+                        <a:ea typeface="Calibri" panose="020F0502020204030204" pitchFamily="34" charset="0"/>
+                        <a:cs typeface="Times New Roman" panose="02020603050405020304" pitchFamily="18" charset="0"/>
+                      </a:endParaRPr>
+                    </a:p>
+                  </a:txBody>
+                  <a:tcPr marL="68580" marR="68580" marT="0" marB="0" anchor="ctr"/>
+                </a:tc>
+                <a:tc>
+                  <a:txBody>
+                    <a:bodyPr/>
+                    <a:lstStyle/>
+                    <a:p>
+                      <a:pPr marL="0" marR="0" algn="ctr">
+                        <a:lnSpc>
+                          <a:spcPct val="107000"/>
+                        </a:lnSpc>
+                        <a:spcBef>
+                          <a:spcPts val="0"/>
+                        </a:spcBef>
+                        <a:spcAft>
+                          <a:spcPts val="0"/>
+                        </a:spcAft>
+                      </a:pPr>
+                      <a:r>
+                        <a:rPr lang="en-US" sz="2000" dirty="0">
+                          <a:solidFill>
+                            <a:srgbClr val="000000"/>
+                          </a:solidFill>
+                          <a:effectLst/>
+                          <a:latin typeface="Calibri" panose="020F0502020204030204" pitchFamily="34" charset="0"/>
+                          <a:ea typeface="Times New Roman" panose="02020603050405020304" pitchFamily="18" charset="0"/>
+                          <a:cs typeface="Calibri" panose="020F0502020204030204" pitchFamily="34" charset="0"/>
+                        </a:rPr>
+                        <a:t>0.00%</a:t>
+                      </a:r>
+                      <a:endParaRPr lang="en-US" sz="2000" dirty="0">
+                        <a:effectLst/>
+                        <a:latin typeface="Calibri" panose="020F0502020204030204" pitchFamily="34" charset="0"/>
+                        <a:ea typeface="Calibri" panose="020F0502020204030204" pitchFamily="34" charset="0"/>
+                        <a:cs typeface="Times New Roman" panose="02020603050405020304" pitchFamily="18" charset="0"/>
+                      </a:endParaRPr>
+                    </a:p>
+                  </a:txBody>
+                  <a:tcPr marL="68580" marR="68580" marT="0" marB="0" anchor="ctr"/>
+                </a:tc>
+                <a:extLst>
+                  <a:ext uri="{0D108BD9-81ED-4DB2-BD59-A6C34878D82A}">
+                    <a16:rowId xmlns:a16="http://schemas.microsoft.com/office/drawing/2014/main" val="2673723012"/>
+                  </a:ext>
+                </a:extLst>
+              </a:tr>
+              <a:tr h="370840">
+                <a:tc>
+                  <a:txBody>
+                    <a:bodyPr/>
+                    <a:lstStyle/>
+                    <a:p>
+                      <a:pPr marL="0" marR="0" algn="ctr">
+                        <a:lnSpc>
+                          <a:spcPct val="107000"/>
+                        </a:lnSpc>
+                        <a:spcBef>
+                          <a:spcPts val="0"/>
+                        </a:spcBef>
+                        <a:spcAft>
+                          <a:spcPts val="0"/>
+                        </a:spcAft>
+                      </a:pPr>
+                      <a:r>
+                        <a:rPr lang="en-US" sz="2000">
+                          <a:solidFill>
+                            <a:srgbClr val="000000"/>
+                          </a:solidFill>
+                          <a:effectLst/>
+                          <a:latin typeface="Calibri" panose="020F0502020204030204" pitchFamily="34" charset="0"/>
+                          <a:ea typeface="Times New Roman" panose="02020603050405020304" pitchFamily="18" charset="0"/>
+                          <a:cs typeface="Calibri" panose="020F0502020204030204" pitchFamily="34" charset="0"/>
+                        </a:rPr>
+                        <a:t>GDP Per Hour Worked</a:t>
+                      </a:r>
+                      <a:endParaRPr lang="en-US" sz="2000">
+                        <a:effectLst/>
+                        <a:latin typeface="Calibri" panose="020F0502020204030204" pitchFamily="34" charset="0"/>
+                        <a:ea typeface="Calibri" panose="020F0502020204030204" pitchFamily="34" charset="0"/>
+                        <a:cs typeface="Times New Roman" panose="02020603050405020304" pitchFamily="18" charset="0"/>
+                      </a:endParaRPr>
+                    </a:p>
+                  </a:txBody>
+                  <a:tcPr marL="68580" marR="68580" marT="0" marB="0" anchor="ctr"/>
+                </a:tc>
+                <a:tc>
+                  <a:txBody>
+                    <a:bodyPr/>
+                    <a:lstStyle/>
+                    <a:p>
+                      <a:pPr marL="0" marR="0" algn="ctr">
+                        <a:lnSpc>
+                          <a:spcPct val="107000"/>
+                        </a:lnSpc>
+                        <a:spcBef>
+                          <a:spcPts val="0"/>
+                        </a:spcBef>
+                        <a:spcAft>
+                          <a:spcPts val="0"/>
+                        </a:spcAft>
+                      </a:pPr>
+                      <a:r>
+                        <a:rPr lang="en-US" sz="2000" dirty="0">
+                          <a:solidFill>
+                            <a:srgbClr val="000000"/>
+                          </a:solidFill>
+                          <a:effectLst/>
+                          <a:latin typeface="Calibri" panose="020F0502020204030204" pitchFamily="34" charset="0"/>
+                          <a:ea typeface="Times New Roman" panose="02020603050405020304" pitchFamily="18" charset="0"/>
+                          <a:cs typeface="Calibri" panose="020F0502020204030204" pitchFamily="34" charset="0"/>
+                        </a:rPr>
+                        <a:t>0.00%</a:t>
+                      </a:r>
+                      <a:endParaRPr lang="en-US" sz="2000" dirty="0">
+                        <a:effectLst/>
+                        <a:latin typeface="Calibri" panose="020F0502020204030204" pitchFamily="34" charset="0"/>
+                        <a:ea typeface="Calibri" panose="020F0502020204030204" pitchFamily="34" charset="0"/>
+                        <a:cs typeface="Times New Roman" panose="02020603050405020304" pitchFamily="18" charset="0"/>
+                      </a:endParaRPr>
+                    </a:p>
+                  </a:txBody>
+                  <a:tcPr marL="68580" marR="68580" marT="0" marB="0" anchor="ctr"/>
+                </a:tc>
+                <a:extLst>
+                  <a:ext uri="{0D108BD9-81ED-4DB2-BD59-A6C34878D82A}">
+                    <a16:rowId xmlns:a16="http://schemas.microsoft.com/office/drawing/2014/main" val="3411703104"/>
+                  </a:ext>
+                </a:extLst>
+              </a:tr>
+            </a:tbl>
+          </a:graphicData>
+        </a:graphic>
+      </p:graphicFrame>
     </p:spTree>
     <p:extLst>
       <p:ext uri="{BB962C8B-B14F-4D97-AF65-F5344CB8AC3E}">
-        <p14:creationId xmlns:p14="http://schemas.microsoft.com/office/powerpoint/2010/main" val="936057261"/>
+        <p14:creationId xmlns:p14="http://schemas.microsoft.com/office/powerpoint/2010/main" val="592434841"/>
       </p:ext>
     </p:extLst>
   </p:cSld>
@@ -6027,47 +6999,1009 @@
           </a:p>
         </p:txBody>
       </p:sp>
-      <p:sp>
-        <p:nvSpPr>
-          <p:cNvPr id="3" name="Content Placeholder 2"/>
-          <p:cNvSpPr>
-            <a:spLocks noGrp="1"/>
-          </p:cNvSpPr>
+      <p:graphicFrame>
+        <p:nvGraphicFramePr>
+          <p:cNvPr id="11" name="Content Placeholder 10"/>
+          <p:cNvGraphicFramePr>
+            <a:graphicFrameLocks noGrp="1"/>
+          </p:cNvGraphicFramePr>
           <p:nvPr>
             <p:ph idx="1"/>
-          </p:nvPr>
-        </p:nvSpPr>
-        <p:spPr/>
-        <p:txBody>
-          <a:bodyPr anchor="ctr">
-            <a:normAutofit/>
-          </a:bodyPr>
-          <a:lstStyle/>
-          <a:p>
-            <a:r>
-              <a:rPr lang="en-US" sz="3600" dirty="0" smtClean="0"/>
-              <a:t>Year</a:t>
-            </a:r>
-          </a:p>
-          <a:p>
-            <a:pPr marL="0" indent="0">
-              <a:buNone/>
-            </a:pPr>
-            <a:endParaRPr lang="en-US" sz="3600" dirty="0" smtClean="0"/>
-          </a:p>
-          <a:p>
-            <a:r>
-              <a:rPr lang="en-US" sz="3600" dirty="0" smtClean="0"/>
-              <a:t>Poverty Rate</a:t>
-            </a:r>
-            <a:endParaRPr lang="en-US" sz="3600" dirty="0"/>
-          </a:p>
-        </p:txBody>
-      </p:sp>
+            <p:extLst>
+              <p:ext uri="{D42A27DB-BD31-4B8C-83A1-F6EECF244321}">
+                <p14:modId xmlns:p14="http://schemas.microsoft.com/office/powerpoint/2010/main" val="935578339"/>
+              </p:ext>
+            </p:extLst>
+          </p:nvPr>
+        </p:nvGraphicFramePr>
+        <p:xfrm>
+          <a:off x="677334" y="1930400"/>
+          <a:ext cx="8596668" cy="4902200"/>
+        </p:xfrm>
+        <a:graphic>
+          <a:graphicData uri="http://schemas.openxmlformats.org/drawingml/2006/table">
+            <a:tbl>
+              <a:tblPr firstRow="1" bandRow="1">
+                <a:tableStyleId>{5C22544A-7EE6-4342-B048-85BDC9FD1C3A}</a:tableStyleId>
+              </a:tblPr>
+              <a:tblGrid>
+                <a:gridCol w="4298334">
+                  <a:extLst>
+                    <a:ext uri="{9D8B030D-6E8A-4147-A177-3AD203B41FA5}">
+                      <a16:colId xmlns:a16="http://schemas.microsoft.com/office/drawing/2014/main" val="1369497187"/>
+                    </a:ext>
+                  </a:extLst>
+                </a:gridCol>
+                <a:gridCol w="4298334">
+                  <a:extLst>
+                    <a:ext uri="{9D8B030D-6E8A-4147-A177-3AD203B41FA5}">
+                      <a16:colId xmlns:a16="http://schemas.microsoft.com/office/drawing/2014/main" val="2624877358"/>
+                    </a:ext>
+                  </a:extLst>
+                </a:gridCol>
+              </a:tblGrid>
+              <a:tr h="370840">
+                <a:tc>
+                  <a:txBody>
+                    <a:bodyPr/>
+                    <a:lstStyle/>
+                    <a:p>
+                      <a:pPr algn="ctr"/>
+                      <a:r>
+                        <a:rPr lang="en-US" sz="2400" dirty="0" smtClean="0"/>
+                        <a:t>Variable</a:t>
+                      </a:r>
+                      <a:endParaRPr lang="en-US" sz="2400" dirty="0"/>
+                    </a:p>
+                  </a:txBody>
+                  <a:tcPr anchor="ctr"/>
+                </a:tc>
+                <a:tc>
+                  <a:txBody>
+                    <a:bodyPr/>
+                    <a:lstStyle/>
+                    <a:p>
+                      <a:pPr algn="ctr"/>
+                      <a:r>
+                        <a:rPr lang="en-US" sz="2400" dirty="0" smtClean="0"/>
+                        <a:t>Explained</a:t>
+                      </a:r>
+                      <a:r>
+                        <a:rPr lang="en-US" sz="2400" baseline="0" dirty="0" smtClean="0"/>
+                        <a:t> Variance Ratio – With Outliers</a:t>
+                      </a:r>
+                      <a:endParaRPr lang="en-US" sz="2400" dirty="0"/>
+                    </a:p>
+                  </a:txBody>
+                  <a:tcPr anchor="ctr"/>
+                </a:tc>
+                <a:extLst>
+                  <a:ext uri="{0D108BD9-81ED-4DB2-BD59-A6C34878D82A}">
+                    <a16:rowId xmlns:a16="http://schemas.microsoft.com/office/drawing/2014/main" val="1775856193"/>
+                  </a:ext>
+                </a:extLst>
+              </a:tr>
+              <a:tr h="370840">
+                <a:tc>
+                  <a:txBody>
+                    <a:bodyPr/>
+                    <a:lstStyle/>
+                    <a:p>
+                      <a:pPr marL="0" marR="0" algn="ctr">
+                        <a:lnSpc>
+                          <a:spcPct val="107000"/>
+                        </a:lnSpc>
+                        <a:spcBef>
+                          <a:spcPts val="0"/>
+                        </a:spcBef>
+                        <a:spcAft>
+                          <a:spcPts val="0"/>
+                        </a:spcAft>
+                      </a:pPr>
+                      <a:r>
+                        <a:rPr lang="en-US" sz="2000" dirty="0">
+                          <a:solidFill>
+                            <a:srgbClr val="000000"/>
+                          </a:solidFill>
+                          <a:effectLst/>
+                          <a:latin typeface="Calibri" panose="020F0502020204030204" pitchFamily="34" charset="0"/>
+                          <a:ea typeface="Times New Roman" panose="02020603050405020304" pitchFamily="18" charset="0"/>
+                          <a:cs typeface="Calibri" panose="020F0502020204030204" pitchFamily="34" charset="0"/>
+                        </a:rPr>
+                        <a:t>STATE</a:t>
+                      </a:r>
+                      <a:endParaRPr lang="en-US" sz="2000" dirty="0">
+                        <a:effectLst/>
+                        <a:latin typeface="Calibri" panose="020F0502020204030204" pitchFamily="34" charset="0"/>
+                        <a:ea typeface="Calibri" panose="020F0502020204030204" pitchFamily="34" charset="0"/>
+                        <a:cs typeface="Times New Roman" panose="02020603050405020304" pitchFamily="18" charset="0"/>
+                      </a:endParaRPr>
+                    </a:p>
+                  </a:txBody>
+                  <a:tcPr marL="68580" marR="68580" marT="0" marB="0" anchor="ctr"/>
+                </a:tc>
+                <a:tc>
+                  <a:txBody>
+                    <a:bodyPr/>
+                    <a:lstStyle/>
+                    <a:p>
+                      <a:pPr marL="0" marR="0" algn="ctr">
+                        <a:lnSpc>
+                          <a:spcPct val="107000"/>
+                        </a:lnSpc>
+                        <a:spcBef>
+                          <a:spcPts val="0"/>
+                        </a:spcBef>
+                        <a:spcAft>
+                          <a:spcPts val="0"/>
+                        </a:spcAft>
+                      </a:pPr>
+                      <a:r>
+                        <a:rPr lang="en-US" sz="2000">
+                          <a:solidFill>
+                            <a:srgbClr val="000000"/>
+                          </a:solidFill>
+                          <a:effectLst/>
+                          <a:latin typeface="Calibri" panose="020F0502020204030204" pitchFamily="34" charset="0"/>
+                          <a:ea typeface="Times New Roman" panose="02020603050405020304" pitchFamily="18" charset="0"/>
+                          <a:cs typeface="Calibri" panose="020F0502020204030204" pitchFamily="34" charset="0"/>
+                        </a:rPr>
+                        <a:t>67.19%</a:t>
+                      </a:r>
+                      <a:endParaRPr lang="en-US" sz="2000">
+                        <a:effectLst/>
+                        <a:latin typeface="Calibri" panose="020F0502020204030204" pitchFamily="34" charset="0"/>
+                        <a:ea typeface="Calibri" panose="020F0502020204030204" pitchFamily="34" charset="0"/>
+                        <a:cs typeface="Times New Roman" panose="02020603050405020304" pitchFamily="18" charset="0"/>
+                      </a:endParaRPr>
+                    </a:p>
+                  </a:txBody>
+                  <a:tcPr marL="68580" marR="68580" marT="0" marB="0" anchor="ctr"/>
+                </a:tc>
+                <a:extLst>
+                  <a:ext uri="{0D108BD9-81ED-4DB2-BD59-A6C34878D82A}">
+                    <a16:rowId xmlns:a16="http://schemas.microsoft.com/office/drawing/2014/main" val="1441096774"/>
+                  </a:ext>
+                </a:extLst>
+              </a:tr>
+              <a:tr h="370840">
+                <a:tc>
+                  <a:txBody>
+                    <a:bodyPr/>
+                    <a:lstStyle/>
+                    <a:p>
+                      <a:pPr marL="0" marR="0" algn="ctr">
+                        <a:lnSpc>
+                          <a:spcPct val="107000"/>
+                        </a:lnSpc>
+                        <a:spcBef>
+                          <a:spcPts val="0"/>
+                        </a:spcBef>
+                        <a:spcAft>
+                          <a:spcPts val="0"/>
+                        </a:spcAft>
+                      </a:pPr>
+                      <a:r>
+                        <a:rPr lang="en-US" sz="2000" dirty="0">
+                          <a:solidFill>
+                            <a:srgbClr val="000000"/>
+                          </a:solidFill>
+                          <a:effectLst/>
+                          <a:latin typeface="Calibri" panose="020F0502020204030204" pitchFamily="34" charset="0"/>
+                          <a:ea typeface="Times New Roman" panose="02020603050405020304" pitchFamily="18" charset="0"/>
+                          <a:cs typeface="Calibri" panose="020F0502020204030204" pitchFamily="34" charset="0"/>
+                        </a:rPr>
+                        <a:t>Year</a:t>
+                      </a:r>
+                      <a:endParaRPr lang="en-US" sz="2000" dirty="0">
+                        <a:effectLst/>
+                        <a:latin typeface="Calibri" panose="020F0502020204030204" pitchFamily="34" charset="0"/>
+                        <a:ea typeface="Calibri" panose="020F0502020204030204" pitchFamily="34" charset="0"/>
+                        <a:cs typeface="Times New Roman" panose="02020603050405020304" pitchFamily="18" charset="0"/>
+                      </a:endParaRPr>
+                    </a:p>
+                  </a:txBody>
+                  <a:tcPr marL="68580" marR="68580" marT="0" marB="0" anchor="ctr"/>
+                </a:tc>
+                <a:tc>
+                  <a:txBody>
+                    <a:bodyPr/>
+                    <a:lstStyle/>
+                    <a:p>
+                      <a:pPr marL="0" marR="0" algn="ctr">
+                        <a:lnSpc>
+                          <a:spcPct val="107000"/>
+                        </a:lnSpc>
+                        <a:spcBef>
+                          <a:spcPts val="0"/>
+                        </a:spcBef>
+                        <a:spcAft>
+                          <a:spcPts val="0"/>
+                        </a:spcAft>
+                      </a:pPr>
+                      <a:r>
+                        <a:rPr lang="en-US" sz="2000">
+                          <a:solidFill>
+                            <a:srgbClr val="000000"/>
+                          </a:solidFill>
+                          <a:effectLst/>
+                          <a:latin typeface="Calibri" panose="020F0502020204030204" pitchFamily="34" charset="0"/>
+                          <a:ea typeface="Times New Roman" panose="02020603050405020304" pitchFamily="18" charset="0"/>
+                          <a:cs typeface="Calibri" panose="020F0502020204030204" pitchFamily="34" charset="0"/>
+                        </a:rPr>
+                        <a:t>31.29%</a:t>
+                      </a:r>
+                      <a:endParaRPr lang="en-US" sz="2000">
+                        <a:effectLst/>
+                        <a:latin typeface="Calibri" panose="020F0502020204030204" pitchFamily="34" charset="0"/>
+                        <a:ea typeface="Calibri" panose="020F0502020204030204" pitchFamily="34" charset="0"/>
+                        <a:cs typeface="Times New Roman" panose="02020603050405020304" pitchFamily="18" charset="0"/>
+                      </a:endParaRPr>
+                    </a:p>
+                  </a:txBody>
+                  <a:tcPr marL="68580" marR="68580" marT="0" marB="0" anchor="ctr"/>
+                </a:tc>
+                <a:extLst>
+                  <a:ext uri="{0D108BD9-81ED-4DB2-BD59-A6C34878D82A}">
+                    <a16:rowId xmlns:a16="http://schemas.microsoft.com/office/drawing/2014/main" val="3158443161"/>
+                  </a:ext>
+                </a:extLst>
+              </a:tr>
+              <a:tr h="370840">
+                <a:tc>
+                  <a:txBody>
+                    <a:bodyPr/>
+                    <a:lstStyle/>
+                    <a:p>
+                      <a:pPr marL="0" marR="0" algn="ctr">
+                        <a:lnSpc>
+                          <a:spcPct val="107000"/>
+                        </a:lnSpc>
+                        <a:spcBef>
+                          <a:spcPts val="0"/>
+                        </a:spcBef>
+                        <a:spcAft>
+                          <a:spcPts val="0"/>
+                        </a:spcAft>
+                      </a:pPr>
+                      <a:r>
+                        <a:rPr lang="en-US" sz="2000" dirty="0">
+                          <a:solidFill>
+                            <a:srgbClr val="000000"/>
+                          </a:solidFill>
+                          <a:effectLst/>
+                          <a:latin typeface="Calibri" panose="020F0502020204030204" pitchFamily="34" charset="0"/>
+                          <a:ea typeface="Times New Roman" panose="02020603050405020304" pitchFamily="18" charset="0"/>
+                          <a:cs typeface="Calibri" panose="020F0502020204030204" pitchFamily="34" charset="0"/>
+                        </a:rPr>
+                        <a:t>Unemployment Rate</a:t>
+                      </a:r>
+                      <a:endParaRPr lang="en-US" sz="2000" dirty="0">
+                        <a:effectLst/>
+                        <a:latin typeface="Calibri" panose="020F0502020204030204" pitchFamily="34" charset="0"/>
+                        <a:ea typeface="Calibri" panose="020F0502020204030204" pitchFamily="34" charset="0"/>
+                        <a:cs typeface="Times New Roman" panose="02020603050405020304" pitchFamily="18" charset="0"/>
+                      </a:endParaRPr>
+                    </a:p>
+                  </a:txBody>
+                  <a:tcPr marL="68580" marR="68580" marT="0" marB="0" anchor="ctr"/>
+                </a:tc>
+                <a:tc>
+                  <a:txBody>
+                    <a:bodyPr/>
+                    <a:lstStyle/>
+                    <a:p>
+                      <a:pPr marL="0" marR="0" algn="ctr">
+                        <a:lnSpc>
+                          <a:spcPct val="107000"/>
+                        </a:lnSpc>
+                        <a:spcBef>
+                          <a:spcPts val="0"/>
+                        </a:spcBef>
+                        <a:spcAft>
+                          <a:spcPts val="0"/>
+                        </a:spcAft>
+                      </a:pPr>
+                      <a:r>
+                        <a:rPr lang="en-US" sz="2000">
+                          <a:solidFill>
+                            <a:srgbClr val="000000"/>
+                          </a:solidFill>
+                          <a:effectLst/>
+                          <a:latin typeface="Calibri" panose="020F0502020204030204" pitchFamily="34" charset="0"/>
+                          <a:ea typeface="Times New Roman" panose="02020603050405020304" pitchFamily="18" charset="0"/>
+                          <a:cs typeface="Calibri" panose="020F0502020204030204" pitchFamily="34" charset="0"/>
+                        </a:rPr>
+                        <a:t>1.03%</a:t>
+                      </a:r>
+                      <a:endParaRPr lang="en-US" sz="2000">
+                        <a:effectLst/>
+                        <a:latin typeface="Calibri" panose="020F0502020204030204" pitchFamily="34" charset="0"/>
+                        <a:ea typeface="Calibri" panose="020F0502020204030204" pitchFamily="34" charset="0"/>
+                        <a:cs typeface="Times New Roman" panose="02020603050405020304" pitchFamily="18" charset="0"/>
+                      </a:endParaRPr>
+                    </a:p>
+                  </a:txBody>
+                  <a:tcPr marL="68580" marR="68580" marT="0" marB="0" anchor="ctr"/>
+                </a:tc>
+                <a:extLst>
+                  <a:ext uri="{0D108BD9-81ED-4DB2-BD59-A6C34878D82A}">
+                    <a16:rowId xmlns:a16="http://schemas.microsoft.com/office/drawing/2014/main" val="3606591399"/>
+                  </a:ext>
+                </a:extLst>
+              </a:tr>
+              <a:tr h="370840">
+                <a:tc>
+                  <a:txBody>
+                    <a:bodyPr/>
+                    <a:lstStyle/>
+                    <a:p>
+                      <a:pPr marL="0" marR="0" algn="ctr">
+                        <a:lnSpc>
+                          <a:spcPct val="107000"/>
+                        </a:lnSpc>
+                        <a:spcBef>
+                          <a:spcPts val="0"/>
+                        </a:spcBef>
+                        <a:spcAft>
+                          <a:spcPts val="0"/>
+                        </a:spcAft>
+                      </a:pPr>
+                      <a:r>
+                        <a:rPr lang="en-US" sz="2000" dirty="0">
+                          <a:solidFill>
+                            <a:srgbClr val="000000"/>
+                          </a:solidFill>
+                          <a:effectLst/>
+                          <a:latin typeface="Calibri" panose="020F0502020204030204" pitchFamily="34" charset="0"/>
+                          <a:ea typeface="Times New Roman" panose="02020603050405020304" pitchFamily="18" charset="0"/>
+                          <a:cs typeface="Calibri" panose="020F0502020204030204" pitchFamily="34" charset="0"/>
+                        </a:rPr>
+                        <a:t>Total (1000s)</a:t>
+                      </a:r>
+                      <a:endParaRPr lang="en-US" sz="2000" dirty="0">
+                        <a:effectLst/>
+                        <a:latin typeface="Calibri" panose="020F0502020204030204" pitchFamily="34" charset="0"/>
+                        <a:ea typeface="Calibri" panose="020F0502020204030204" pitchFamily="34" charset="0"/>
+                        <a:cs typeface="Times New Roman" panose="02020603050405020304" pitchFamily="18" charset="0"/>
+                      </a:endParaRPr>
+                    </a:p>
+                  </a:txBody>
+                  <a:tcPr marL="68580" marR="68580" marT="0" marB="0" anchor="ctr"/>
+                </a:tc>
+                <a:tc>
+                  <a:txBody>
+                    <a:bodyPr/>
+                    <a:lstStyle/>
+                    <a:p>
+                      <a:pPr marL="0" marR="0" algn="ctr">
+                        <a:lnSpc>
+                          <a:spcPct val="107000"/>
+                        </a:lnSpc>
+                        <a:spcBef>
+                          <a:spcPts val="0"/>
+                        </a:spcBef>
+                        <a:spcAft>
+                          <a:spcPts val="0"/>
+                        </a:spcAft>
+                      </a:pPr>
+                      <a:r>
+                        <a:rPr lang="en-US" sz="2000" dirty="0">
+                          <a:solidFill>
+                            <a:srgbClr val="000000"/>
+                          </a:solidFill>
+                          <a:effectLst/>
+                          <a:latin typeface="Calibri" panose="020F0502020204030204" pitchFamily="34" charset="0"/>
+                          <a:ea typeface="Times New Roman" panose="02020603050405020304" pitchFamily="18" charset="0"/>
+                          <a:cs typeface="Calibri" panose="020F0502020204030204" pitchFamily="34" charset="0"/>
+                        </a:rPr>
+                        <a:t>0.26%</a:t>
+                      </a:r>
+                      <a:endParaRPr lang="en-US" sz="2000" dirty="0">
+                        <a:effectLst/>
+                        <a:latin typeface="Calibri" panose="020F0502020204030204" pitchFamily="34" charset="0"/>
+                        <a:ea typeface="Calibri" panose="020F0502020204030204" pitchFamily="34" charset="0"/>
+                        <a:cs typeface="Times New Roman" panose="02020603050405020304" pitchFamily="18" charset="0"/>
+                      </a:endParaRPr>
+                    </a:p>
+                  </a:txBody>
+                  <a:tcPr marL="68580" marR="68580" marT="0" marB="0" anchor="ctr"/>
+                </a:tc>
+                <a:extLst>
+                  <a:ext uri="{0D108BD9-81ED-4DB2-BD59-A6C34878D82A}">
+                    <a16:rowId xmlns:a16="http://schemas.microsoft.com/office/drawing/2014/main" val="802629815"/>
+                  </a:ext>
+                </a:extLst>
+              </a:tr>
+              <a:tr h="370840">
+                <a:tc>
+                  <a:txBody>
+                    <a:bodyPr/>
+                    <a:lstStyle/>
+                    <a:p>
+                      <a:pPr marL="0" marR="0" algn="ctr">
+                        <a:lnSpc>
+                          <a:spcPct val="107000"/>
+                        </a:lnSpc>
+                        <a:spcBef>
+                          <a:spcPts val="0"/>
+                        </a:spcBef>
+                        <a:spcAft>
+                          <a:spcPts val="0"/>
+                        </a:spcAft>
+                      </a:pPr>
+                      <a:r>
+                        <a:rPr lang="en-US" sz="2000">
+                          <a:solidFill>
+                            <a:srgbClr val="000000"/>
+                          </a:solidFill>
+                          <a:effectLst/>
+                          <a:latin typeface="Calibri" panose="020F0502020204030204" pitchFamily="34" charset="0"/>
+                          <a:ea typeface="Times New Roman" panose="02020603050405020304" pitchFamily="18" charset="0"/>
+                          <a:cs typeface="Calibri" panose="020F0502020204030204" pitchFamily="34" charset="0"/>
+                        </a:rPr>
+                        <a:t>Number (1000s)</a:t>
+                      </a:r>
+                      <a:endParaRPr lang="en-US" sz="2000">
+                        <a:effectLst/>
+                        <a:latin typeface="Calibri" panose="020F0502020204030204" pitchFamily="34" charset="0"/>
+                        <a:ea typeface="Calibri" panose="020F0502020204030204" pitchFamily="34" charset="0"/>
+                        <a:cs typeface="Times New Roman" panose="02020603050405020304" pitchFamily="18" charset="0"/>
+                      </a:endParaRPr>
+                    </a:p>
+                  </a:txBody>
+                  <a:tcPr marL="68580" marR="68580" marT="0" marB="0" anchor="ctr"/>
+                </a:tc>
+                <a:tc>
+                  <a:txBody>
+                    <a:bodyPr/>
+                    <a:lstStyle/>
+                    <a:p>
+                      <a:pPr marL="0" marR="0" algn="ctr">
+                        <a:lnSpc>
+                          <a:spcPct val="107000"/>
+                        </a:lnSpc>
+                        <a:spcBef>
+                          <a:spcPts val="0"/>
+                        </a:spcBef>
+                        <a:spcAft>
+                          <a:spcPts val="0"/>
+                        </a:spcAft>
+                      </a:pPr>
+                      <a:r>
+                        <a:rPr lang="en-US" sz="2000" dirty="0">
+                          <a:solidFill>
+                            <a:srgbClr val="000000"/>
+                          </a:solidFill>
+                          <a:effectLst/>
+                          <a:latin typeface="Calibri" panose="020F0502020204030204" pitchFamily="34" charset="0"/>
+                          <a:ea typeface="Times New Roman" panose="02020603050405020304" pitchFamily="18" charset="0"/>
+                          <a:cs typeface="Calibri" panose="020F0502020204030204" pitchFamily="34" charset="0"/>
+                        </a:rPr>
+                        <a:t>0.11%</a:t>
+                      </a:r>
+                      <a:endParaRPr lang="en-US" sz="2000" dirty="0">
+                        <a:effectLst/>
+                        <a:latin typeface="Calibri" panose="020F0502020204030204" pitchFamily="34" charset="0"/>
+                        <a:ea typeface="Calibri" panose="020F0502020204030204" pitchFamily="34" charset="0"/>
+                        <a:cs typeface="Times New Roman" panose="02020603050405020304" pitchFamily="18" charset="0"/>
+                      </a:endParaRPr>
+                    </a:p>
+                  </a:txBody>
+                  <a:tcPr marL="68580" marR="68580" marT="0" marB="0" anchor="ctr"/>
+                </a:tc>
+                <a:extLst>
+                  <a:ext uri="{0D108BD9-81ED-4DB2-BD59-A6C34878D82A}">
+                    <a16:rowId xmlns:a16="http://schemas.microsoft.com/office/drawing/2014/main" val="1892340766"/>
+                  </a:ext>
+                </a:extLst>
+              </a:tr>
+              <a:tr h="370840">
+                <a:tc>
+                  <a:txBody>
+                    <a:bodyPr/>
+                    <a:lstStyle/>
+                    <a:p>
+                      <a:pPr marL="0" marR="0" algn="ctr">
+                        <a:lnSpc>
+                          <a:spcPct val="107000"/>
+                        </a:lnSpc>
+                        <a:spcBef>
+                          <a:spcPts val="0"/>
+                        </a:spcBef>
+                        <a:spcAft>
+                          <a:spcPts val="0"/>
+                        </a:spcAft>
+                      </a:pPr>
+                      <a:r>
+                        <a:rPr lang="en-US" sz="2000">
+                          <a:solidFill>
+                            <a:srgbClr val="000000"/>
+                          </a:solidFill>
+                          <a:effectLst/>
+                          <a:latin typeface="Calibri" panose="020F0502020204030204" pitchFamily="34" charset="0"/>
+                          <a:ea typeface="Times New Roman" panose="02020603050405020304" pitchFamily="18" charset="0"/>
+                          <a:cs typeface="Calibri" panose="020F0502020204030204" pitchFamily="34" charset="0"/>
+                        </a:rPr>
+                        <a:t>Percent</a:t>
+                      </a:r>
+                      <a:endParaRPr lang="en-US" sz="2000">
+                        <a:effectLst/>
+                        <a:latin typeface="Calibri" panose="020F0502020204030204" pitchFamily="34" charset="0"/>
+                        <a:ea typeface="Calibri" panose="020F0502020204030204" pitchFamily="34" charset="0"/>
+                        <a:cs typeface="Times New Roman" panose="02020603050405020304" pitchFamily="18" charset="0"/>
+                      </a:endParaRPr>
+                    </a:p>
+                  </a:txBody>
+                  <a:tcPr marL="68580" marR="68580" marT="0" marB="0" anchor="ctr"/>
+                </a:tc>
+                <a:tc>
+                  <a:txBody>
+                    <a:bodyPr/>
+                    <a:lstStyle/>
+                    <a:p>
+                      <a:pPr marL="0" marR="0" algn="ctr">
+                        <a:lnSpc>
+                          <a:spcPct val="107000"/>
+                        </a:lnSpc>
+                        <a:spcBef>
+                          <a:spcPts val="0"/>
+                        </a:spcBef>
+                        <a:spcAft>
+                          <a:spcPts val="0"/>
+                        </a:spcAft>
+                      </a:pPr>
+                      <a:r>
+                        <a:rPr lang="en-US" sz="2000" dirty="0">
+                          <a:solidFill>
+                            <a:srgbClr val="000000"/>
+                          </a:solidFill>
+                          <a:effectLst/>
+                          <a:latin typeface="Calibri" panose="020F0502020204030204" pitchFamily="34" charset="0"/>
+                          <a:ea typeface="Times New Roman" panose="02020603050405020304" pitchFamily="18" charset="0"/>
+                          <a:cs typeface="Calibri" panose="020F0502020204030204" pitchFamily="34" charset="0"/>
+                        </a:rPr>
+                        <a:t>0.09%</a:t>
+                      </a:r>
+                      <a:endParaRPr lang="en-US" sz="2000" dirty="0">
+                        <a:effectLst/>
+                        <a:latin typeface="Calibri" panose="020F0502020204030204" pitchFamily="34" charset="0"/>
+                        <a:ea typeface="Calibri" panose="020F0502020204030204" pitchFamily="34" charset="0"/>
+                        <a:cs typeface="Times New Roman" panose="02020603050405020304" pitchFamily="18" charset="0"/>
+                      </a:endParaRPr>
+                    </a:p>
+                  </a:txBody>
+                  <a:tcPr marL="68580" marR="68580" marT="0" marB="0" anchor="ctr"/>
+                </a:tc>
+                <a:extLst>
+                  <a:ext uri="{0D108BD9-81ED-4DB2-BD59-A6C34878D82A}">
+                    <a16:rowId xmlns:a16="http://schemas.microsoft.com/office/drawing/2014/main" val="3841276659"/>
+                  </a:ext>
+                </a:extLst>
+              </a:tr>
+              <a:tr h="370840">
+                <a:tc>
+                  <a:txBody>
+                    <a:bodyPr/>
+                    <a:lstStyle/>
+                    <a:p>
+                      <a:pPr marL="0" marR="0" algn="ctr">
+                        <a:lnSpc>
+                          <a:spcPct val="107000"/>
+                        </a:lnSpc>
+                        <a:spcBef>
+                          <a:spcPts val="0"/>
+                        </a:spcBef>
+                        <a:spcAft>
+                          <a:spcPts val="0"/>
+                        </a:spcAft>
+                      </a:pPr>
+                      <a:r>
+                        <a:rPr lang="en-US" sz="2000">
+                          <a:solidFill>
+                            <a:srgbClr val="000000"/>
+                          </a:solidFill>
+                          <a:effectLst/>
+                          <a:latin typeface="Calibri" panose="020F0502020204030204" pitchFamily="34" charset="0"/>
+                          <a:ea typeface="Times New Roman" panose="02020603050405020304" pitchFamily="18" charset="0"/>
+                          <a:cs typeface="Calibri" panose="020F0502020204030204" pitchFamily="34" charset="0"/>
+                        </a:rPr>
+                        <a:t>Gross Domestic Product ($)</a:t>
+                      </a:r>
+                      <a:endParaRPr lang="en-US" sz="2000">
+                        <a:effectLst/>
+                        <a:latin typeface="Calibri" panose="020F0502020204030204" pitchFamily="34" charset="0"/>
+                        <a:ea typeface="Calibri" panose="020F0502020204030204" pitchFamily="34" charset="0"/>
+                        <a:cs typeface="Times New Roman" panose="02020603050405020304" pitchFamily="18" charset="0"/>
+                      </a:endParaRPr>
+                    </a:p>
+                  </a:txBody>
+                  <a:tcPr marL="68580" marR="68580" marT="0" marB="0" anchor="ctr"/>
+                </a:tc>
+                <a:tc>
+                  <a:txBody>
+                    <a:bodyPr/>
+                    <a:lstStyle/>
+                    <a:p>
+                      <a:pPr marL="0" marR="0" algn="ctr">
+                        <a:lnSpc>
+                          <a:spcPct val="107000"/>
+                        </a:lnSpc>
+                        <a:spcBef>
+                          <a:spcPts val="0"/>
+                        </a:spcBef>
+                        <a:spcAft>
+                          <a:spcPts val="0"/>
+                        </a:spcAft>
+                      </a:pPr>
+                      <a:r>
+                        <a:rPr lang="en-US" sz="2000" dirty="0">
+                          <a:solidFill>
+                            <a:srgbClr val="000000"/>
+                          </a:solidFill>
+                          <a:effectLst/>
+                          <a:latin typeface="Calibri" panose="020F0502020204030204" pitchFamily="34" charset="0"/>
+                          <a:ea typeface="Times New Roman" panose="02020603050405020304" pitchFamily="18" charset="0"/>
+                          <a:cs typeface="Calibri" panose="020F0502020204030204" pitchFamily="34" charset="0"/>
+                        </a:rPr>
+                        <a:t>0.01%</a:t>
+                      </a:r>
+                      <a:endParaRPr lang="en-US" sz="2000" dirty="0">
+                        <a:effectLst/>
+                        <a:latin typeface="Calibri" panose="020F0502020204030204" pitchFamily="34" charset="0"/>
+                        <a:ea typeface="Calibri" panose="020F0502020204030204" pitchFamily="34" charset="0"/>
+                        <a:cs typeface="Times New Roman" panose="02020603050405020304" pitchFamily="18" charset="0"/>
+                      </a:endParaRPr>
+                    </a:p>
+                  </a:txBody>
+                  <a:tcPr marL="68580" marR="68580" marT="0" marB="0" anchor="ctr"/>
+                </a:tc>
+                <a:extLst>
+                  <a:ext uri="{0D108BD9-81ED-4DB2-BD59-A6C34878D82A}">
+                    <a16:rowId xmlns:a16="http://schemas.microsoft.com/office/drawing/2014/main" val="2078998842"/>
+                  </a:ext>
+                </a:extLst>
+              </a:tr>
+              <a:tr h="370840">
+                <a:tc>
+                  <a:txBody>
+                    <a:bodyPr/>
+                    <a:lstStyle/>
+                    <a:p>
+                      <a:pPr marL="0" marR="0" algn="ctr">
+                        <a:lnSpc>
+                          <a:spcPct val="107000"/>
+                        </a:lnSpc>
+                        <a:spcBef>
+                          <a:spcPts val="0"/>
+                        </a:spcBef>
+                        <a:spcAft>
+                          <a:spcPts val="0"/>
+                        </a:spcAft>
+                      </a:pPr>
+                      <a:r>
+                        <a:rPr lang="en-US" sz="2000">
+                          <a:solidFill>
+                            <a:srgbClr val="000000"/>
+                          </a:solidFill>
+                          <a:effectLst/>
+                          <a:latin typeface="Calibri" panose="020F0502020204030204" pitchFamily="34" charset="0"/>
+                          <a:ea typeface="Times New Roman" panose="02020603050405020304" pitchFamily="18" charset="0"/>
+                          <a:cs typeface="Calibri" panose="020F0502020204030204" pitchFamily="34" charset="0"/>
+                        </a:rPr>
+                        <a:t>Information Transparency Score</a:t>
+                      </a:r>
+                      <a:endParaRPr lang="en-US" sz="2000">
+                        <a:effectLst/>
+                        <a:latin typeface="Calibri" panose="020F0502020204030204" pitchFamily="34" charset="0"/>
+                        <a:ea typeface="Calibri" panose="020F0502020204030204" pitchFamily="34" charset="0"/>
+                        <a:cs typeface="Times New Roman" panose="02020603050405020304" pitchFamily="18" charset="0"/>
+                      </a:endParaRPr>
+                    </a:p>
+                  </a:txBody>
+                  <a:tcPr marL="68580" marR="68580" marT="0" marB="0" anchor="ctr"/>
+                </a:tc>
+                <a:tc>
+                  <a:txBody>
+                    <a:bodyPr/>
+                    <a:lstStyle/>
+                    <a:p>
+                      <a:pPr marL="0" marR="0" algn="ctr">
+                        <a:lnSpc>
+                          <a:spcPct val="107000"/>
+                        </a:lnSpc>
+                        <a:spcBef>
+                          <a:spcPts val="0"/>
+                        </a:spcBef>
+                        <a:spcAft>
+                          <a:spcPts val="0"/>
+                        </a:spcAft>
+                      </a:pPr>
+                      <a:r>
+                        <a:rPr lang="en-US" sz="2000" dirty="0">
+                          <a:solidFill>
+                            <a:srgbClr val="000000"/>
+                          </a:solidFill>
+                          <a:effectLst/>
+                          <a:latin typeface="Calibri" panose="020F0502020204030204" pitchFamily="34" charset="0"/>
+                          <a:ea typeface="Times New Roman" panose="02020603050405020304" pitchFamily="18" charset="0"/>
+                          <a:cs typeface="Calibri" panose="020F0502020204030204" pitchFamily="34" charset="0"/>
+                        </a:rPr>
+                        <a:t>0.01%</a:t>
+                      </a:r>
+                      <a:endParaRPr lang="en-US" sz="2000" dirty="0">
+                        <a:effectLst/>
+                        <a:latin typeface="Calibri" panose="020F0502020204030204" pitchFamily="34" charset="0"/>
+                        <a:ea typeface="Calibri" panose="020F0502020204030204" pitchFamily="34" charset="0"/>
+                        <a:cs typeface="Times New Roman" panose="02020603050405020304" pitchFamily="18" charset="0"/>
+                      </a:endParaRPr>
+                    </a:p>
+                  </a:txBody>
+                  <a:tcPr marL="68580" marR="68580" marT="0" marB="0" anchor="ctr"/>
+                </a:tc>
+                <a:extLst>
+                  <a:ext uri="{0D108BD9-81ED-4DB2-BD59-A6C34878D82A}">
+                    <a16:rowId xmlns:a16="http://schemas.microsoft.com/office/drawing/2014/main" val="1329041864"/>
+                  </a:ext>
+                </a:extLst>
+              </a:tr>
+              <a:tr h="370840">
+                <a:tc>
+                  <a:txBody>
+                    <a:bodyPr/>
+                    <a:lstStyle/>
+                    <a:p>
+                      <a:pPr marL="0" marR="0" algn="ctr">
+                        <a:lnSpc>
+                          <a:spcPct val="107000"/>
+                        </a:lnSpc>
+                        <a:spcBef>
+                          <a:spcPts val="0"/>
+                        </a:spcBef>
+                        <a:spcAft>
+                          <a:spcPts val="0"/>
+                        </a:spcAft>
+                      </a:pPr>
+                      <a:r>
+                        <a:rPr lang="en-US" sz="2000">
+                          <a:solidFill>
+                            <a:srgbClr val="000000"/>
+                          </a:solidFill>
+                          <a:effectLst/>
+                          <a:latin typeface="Calibri" panose="020F0502020204030204" pitchFamily="34" charset="0"/>
+                          <a:ea typeface="Times New Roman" panose="02020603050405020304" pitchFamily="18" charset="0"/>
+                          <a:cs typeface="Calibri" panose="020F0502020204030204" pitchFamily="34" charset="0"/>
+                        </a:rPr>
+                        <a:t>Accountability Transparency Score</a:t>
+                      </a:r>
+                      <a:endParaRPr lang="en-US" sz="2000">
+                        <a:effectLst/>
+                        <a:latin typeface="Calibri" panose="020F0502020204030204" pitchFamily="34" charset="0"/>
+                        <a:ea typeface="Calibri" panose="020F0502020204030204" pitchFamily="34" charset="0"/>
+                        <a:cs typeface="Times New Roman" panose="02020603050405020304" pitchFamily="18" charset="0"/>
+                      </a:endParaRPr>
+                    </a:p>
+                  </a:txBody>
+                  <a:tcPr marL="68580" marR="68580" marT="0" marB="0" anchor="ctr"/>
+                </a:tc>
+                <a:tc>
+                  <a:txBody>
+                    <a:bodyPr/>
+                    <a:lstStyle/>
+                    <a:p>
+                      <a:pPr marL="0" marR="0" algn="ctr">
+                        <a:lnSpc>
+                          <a:spcPct val="107000"/>
+                        </a:lnSpc>
+                        <a:spcBef>
+                          <a:spcPts val="0"/>
+                        </a:spcBef>
+                        <a:spcAft>
+                          <a:spcPts val="0"/>
+                        </a:spcAft>
+                      </a:pPr>
+                      <a:r>
+                        <a:rPr lang="en-US" sz="2000" dirty="0">
+                          <a:solidFill>
+                            <a:srgbClr val="000000"/>
+                          </a:solidFill>
+                          <a:effectLst/>
+                          <a:latin typeface="Calibri" panose="020F0502020204030204" pitchFamily="34" charset="0"/>
+                          <a:ea typeface="Times New Roman" panose="02020603050405020304" pitchFamily="18" charset="0"/>
+                          <a:cs typeface="Calibri" panose="020F0502020204030204" pitchFamily="34" charset="0"/>
+                        </a:rPr>
+                        <a:t>0.00%</a:t>
+                      </a:r>
+                      <a:endParaRPr lang="en-US" sz="2000" dirty="0">
+                        <a:effectLst/>
+                        <a:latin typeface="Calibri" panose="020F0502020204030204" pitchFamily="34" charset="0"/>
+                        <a:ea typeface="Calibri" panose="020F0502020204030204" pitchFamily="34" charset="0"/>
+                        <a:cs typeface="Times New Roman" panose="02020603050405020304" pitchFamily="18" charset="0"/>
+                      </a:endParaRPr>
+                    </a:p>
+                  </a:txBody>
+                  <a:tcPr marL="68580" marR="68580" marT="0" marB="0" anchor="ctr"/>
+                </a:tc>
+                <a:extLst>
+                  <a:ext uri="{0D108BD9-81ED-4DB2-BD59-A6C34878D82A}">
+                    <a16:rowId xmlns:a16="http://schemas.microsoft.com/office/drawing/2014/main" val="742733747"/>
+                  </a:ext>
+                </a:extLst>
+              </a:tr>
+              <a:tr h="370840">
+                <a:tc>
+                  <a:txBody>
+                    <a:bodyPr/>
+                    <a:lstStyle/>
+                    <a:p>
+                      <a:pPr marL="0" marR="0" algn="ctr">
+                        <a:lnSpc>
+                          <a:spcPct val="107000"/>
+                        </a:lnSpc>
+                        <a:spcBef>
+                          <a:spcPts val="0"/>
+                        </a:spcBef>
+                        <a:spcAft>
+                          <a:spcPts val="0"/>
+                        </a:spcAft>
+                      </a:pPr>
+                      <a:r>
+                        <a:rPr lang="en-US" sz="2000">
+                          <a:solidFill>
+                            <a:srgbClr val="000000"/>
+                          </a:solidFill>
+                          <a:effectLst/>
+                          <a:latin typeface="Calibri" panose="020F0502020204030204" pitchFamily="34" charset="0"/>
+                          <a:ea typeface="Times New Roman" panose="02020603050405020304" pitchFamily="18" charset="0"/>
+                          <a:cs typeface="Calibri" panose="020F0502020204030204" pitchFamily="34" charset="0"/>
+                        </a:rPr>
+                        <a:t>Transparency Index Score</a:t>
+                      </a:r>
+                      <a:endParaRPr lang="en-US" sz="2000">
+                        <a:effectLst/>
+                        <a:latin typeface="Calibri" panose="020F0502020204030204" pitchFamily="34" charset="0"/>
+                        <a:ea typeface="Calibri" panose="020F0502020204030204" pitchFamily="34" charset="0"/>
+                        <a:cs typeface="Times New Roman" panose="02020603050405020304" pitchFamily="18" charset="0"/>
+                      </a:endParaRPr>
+                    </a:p>
+                  </a:txBody>
+                  <a:tcPr marL="68580" marR="68580" marT="0" marB="0" anchor="ctr"/>
+                </a:tc>
+                <a:tc>
+                  <a:txBody>
+                    <a:bodyPr/>
+                    <a:lstStyle/>
+                    <a:p>
+                      <a:pPr marL="0" marR="0" algn="ctr">
+                        <a:lnSpc>
+                          <a:spcPct val="107000"/>
+                        </a:lnSpc>
+                        <a:spcBef>
+                          <a:spcPts val="0"/>
+                        </a:spcBef>
+                        <a:spcAft>
+                          <a:spcPts val="0"/>
+                        </a:spcAft>
+                      </a:pPr>
+                      <a:r>
+                        <a:rPr lang="en-US" sz="2000" dirty="0">
+                          <a:solidFill>
+                            <a:srgbClr val="000000"/>
+                          </a:solidFill>
+                          <a:effectLst/>
+                          <a:latin typeface="Calibri" panose="020F0502020204030204" pitchFamily="34" charset="0"/>
+                          <a:ea typeface="Times New Roman" panose="02020603050405020304" pitchFamily="18" charset="0"/>
+                          <a:cs typeface="Calibri" panose="020F0502020204030204" pitchFamily="34" charset="0"/>
+                        </a:rPr>
+                        <a:t>0.00%</a:t>
+                      </a:r>
+                      <a:endParaRPr lang="en-US" sz="2000" dirty="0">
+                        <a:effectLst/>
+                        <a:latin typeface="Calibri" panose="020F0502020204030204" pitchFamily="34" charset="0"/>
+                        <a:ea typeface="Calibri" panose="020F0502020204030204" pitchFamily="34" charset="0"/>
+                        <a:cs typeface="Times New Roman" panose="02020603050405020304" pitchFamily="18" charset="0"/>
+                      </a:endParaRPr>
+                    </a:p>
+                  </a:txBody>
+                  <a:tcPr marL="68580" marR="68580" marT="0" marB="0" anchor="ctr"/>
+                </a:tc>
+                <a:extLst>
+                  <a:ext uri="{0D108BD9-81ED-4DB2-BD59-A6C34878D82A}">
+                    <a16:rowId xmlns:a16="http://schemas.microsoft.com/office/drawing/2014/main" val="2673723012"/>
+                  </a:ext>
+                </a:extLst>
+              </a:tr>
+              <a:tr h="370840">
+                <a:tc>
+                  <a:txBody>
+                    <a:bodyPr/>
+                    <a:lstStyle/>
+                    <a:p>
+                      <a:pPr marL="0" marR="0" algn="ctr">
+                        <a:lnSpc>
+                          <a:spcPct val="107000"/>
+                        </a:lnSpc>
+                        <a:spcBef>
+                          <a:spcPts val="0"/>
+                        </a:spcBef>
+                        <a:spcAft>
+                          <a:spcPts val="0"/>
+                        </a:spcAft>
+                      </a:pPr>
+                      <a:r>
+                        <a:rPr lang="en-US" sz="2000">
+                          <a:solidFill>
+                            <a:srgbClr val="000000"/>
+                          </a:solidFill>
+                          <a:effectLst/>
+                          <a:latin typeface="Calibri" panose="020F0502020204030204" pitchFamily="34" charset="0"/>
+                          <a:ea typeface="Times New Roman" panose="02020603050405020304" pitchFamily="18" charset="0"/>
+                          <a:cs typeface="Calibri" panose="020F0502020204030204" pitchFamily="34" charset="0"/>
+                        </a:rPr>
+                        <a:t>GDP Per Hour Worked</a:t>
+                      </a:r>
+                      <a:endParaRPr lang="en-US" sz="2000">
+                        <a:effectLst/>
+                        <a:latin typeface="Calibri" panose="020F0502020204030204" pitchFamily="34" charset="0"/>
+                        <a:ea typeface="Calibri" panose="020F0502020204030204" pitchFamily="34" charset="0"/>
+                        <a:cs typeface="Times New Roman" panose="02020603050405020304" pitchFamily="18" charset="0"/>
+                      </a:endParaRPr>
+                    </a:p>
+                  </a:txBody>
+                  <a:tcPr marL="68580" marR="68580" marT="0" marB="0" anchor="ctr"/>
+                </a:tc>
+                <a:tc>
+                  <a:txBody>
+                    <a:bodyPr/>
+                    <a:lstStyle/>
+                    <a:p>
+                      <a:pPr marL="0" marR="0" algn="ctr">
+                        <a:lnSpc>
+                          <a:spcPct val="107000"/>
+                        </a:lnSpc>
+                        <a:spcBef>
+                          <a:spcPts val="0"/>
+                        </a:spcBef>
+                        <a:spcAft>
+                          <a:spcPts val="0"/>
+                        </a:spcAft>
+                      </a:pPr>
+                      <a:r>
+                        <a:rPr lang="en-US" sz="2000" dirty="0">
+                          <a:solidFill>
+                            <a:srgbClr val="000000"/>
+                          </a:solidFill>
+                          <a:effectLst/>
+                          <a:latin typeface="Calibri" panose="020F0502020204030204" pitchFamily="34" charset="0"/>
+                          <a:ea typeface="Times New Roman" panose="02020603050405020304" pitchFamily="18" charset="0"/>
+                          <a:cs typeface="Calibri" panose="020F0502020204030204" pitchFamily="34" charset="0"/>
+                        </a:rPr>
+                        <a:t>0.00%</a:t>
+                      </a:r>
+                      <a:endParaRPr lang="en-US" sz="2000" dirty="0">
+                        <a:effectLst/>
+                        <a:latin typeface="Calibri" panose="020F0502020204030204" pitchFamily="34" charset="0"/>
+                        <a:ea typeface="Calibri" panose="020F0502020204030204" pitchFamily="34" charset="0"/>
+                        <a:cs typeface="Times New Roman" panose="02020603050405020304" pitchFamily="18" charset="0"/>
+                      </a:endParaRPr>
+                    </a:p>
+                  </a:txBody>
+                  <a:tcPr marL="68580" marR="68580" marT="0" marB="0" anchor="ctr"/>
+                </a:tc>
+                <a:extLst>
+                  <a:ext uri="{0D108BD9-81ED-4DB2-BD59-A6C34878D82A}">
+                    <a16:rowId xmlns:a16="http://schemas.microsoft.com/office/drawing/2014/main" val="3411703104"/>
+                  </a:ext>
+                </a:extLst>
+              </a:tr>
+            </a:tbl>
+          </a:graphicData>
+        </a:graphic>
+      </p:graphicFrame>
     </p:spTree>
     <p:extLst>
       <p:ext uri="{BB962C8B-B14F-4D97-AF65-F5344CB8AC3E}">
-        <p14:creationId xmlns:p14="http://schemas.microsoft.com/office/powerpoint/2010/main" val="26716013"/>
+        <p14:creationId xmlns:p14="http://schemas.microsoft.com/office/powerpoint/2010/main" val="1353912090"/>
       </p:ext>
     </p:extLst>
   </p:cSld>
@@ -6136,41 +8070,57 @@
           <a:p>
             <a:r>
               <a:rPr lang="en-US" sz="2400" dirty="0" smtClean="0"/>
-              <a:t>Mixed Effects Model Regression</a:t>
+              <a:t>Linear Regression</a:t>
+            </a:r>
+          </a:p>
+          <a:p>
+            <a:pPr lvl="1"/>
+            <a:r>
+              <a:rPr lang="en-US" sz="2200" dirty="0" smtClean="0"/>
+              <a:t>Ordinary Least Squares</a:t>
+            </a:r>
+          </a:p>
+          <a:p>
+            <a:pPr lvl="1"/>
+            <a:r>
+              <a:rPr lang="en-US" sz="2200" dirty="0" smtClean="0"/>
+              <a:t>Lasso</a:t>
+            </a:r>
+          </a:p>
+          <a:p>
+            <a:pPr lvl="1"/>
+            <a:r>
+              <a:rPr lang="en-US" sz="2200" dirty="0" smtClean="0"/>
+              <a:t>Elastic Net</a:t>
             </a:r>
           </a:p>
           <a:p>
             <a:r>
               <a:rPr lang="en-US" sz="2400" dirty="0" smtClean="0"/>
-              <a:t>Recurrent Neural Networks</a:t>
-            </a:r>
-          </a:p>
-          <a:p>
-            <a:r>
-              <a:rPr lang="en-US" sz="2400" dirty="0" smtClean="0"/>
-              <a:t>Hidden Markov Models</a:t>
-            </a:r>
-          </a:p>
-          <a:p>
-            <a:r>
-              <a:rPr lang="en-US" sz="2400" dirty="0" smtClean="0"/>
-              <a:t>We would have to ensure to use the cross-validation iterators for grouped data to avoid inflation of classifier accuracy if the same data point shows up in training and test data.</a:t>
-            </a:r>
-          </a:p>
-          <a:p>
-            <a:r>
-              <a:rPr lang="en-US" sz="2400" dirty="0" smtClean="0"/>
-              <a:t>Any ‘standard’ method, </a:t>
-            </a:r>
-            <a:r>
-              <a:rPr lang="en-US" sz="2400" dirty="0" smtClean="0"/>
-              <a:t>given that we add features that represent the </a:t>
-            </a:r>
-            <a:r>
-              <a:rPr lang="en-US" sz="2400" dirty="0" smtClean="0"/>
-              <a:t>longitudinally of the data.</a:t>
-            </a:r>
-            <a:endParaRPr lang="en-US" sz="2400" dirty="0" smtClean="0"/>
+              <a:t>Decision Trees Regressions</a:t>
+            </a:r>
+          </a:p>
+          <a:p>
+            <a:pPr lvl="1"/>
+            <a:r>
+              <a:rPr lang="en-US" sz="2200" dirty="0" smtClean="0"/>
+              <a:t>Regular Decision Tree</a:t>
+            </a:r>
+          </a:p>
+          <a:p>
+            <a:pPr lvl="1"/>
+            <a:r>
+              <a:rPr lang="en-US" sz="2200" dirty="0" smtClean="0"/>
+              <a:t>Random Forest</a:t>
+            </a:r>
+          </a:p>
+          <a:p>
+            <a:pPr lvl="1"/>
+            <a:r>
+              <a:rPr lang="en-US" sz="2200" dirty="0" err="1" smtClean="0"/>
+              <a:t>AdaBoost</a:t>
+            </a:r>
+            <a:endParaRPr lang="en-US" sz="2200" dirty="0" smtClean="0"/>
           </a:p>
         </p:txBody>
       </p:sp>
@@ -6219,9 +8169,17 @@
           <a:bodyPr/>
           <a:lstStyle/>
           <a:p>
+            <a:pPr algn="ctr"/>
             <a:r>
               <a:rPr lang="en-US" dirty="0" smtClean="0"/>
-              <a:t>Machine Learning Technique – Linear Regression</a:t>
+              <a:t>Cross-Validation Technique Used:</a:t>
+            </a:r>
+            <a:br>
+              <a:rPr lang="en-US" dirty="0" smtClean="0"/>
+            </a:br>
+            <a:r>
+              <a:rPr lang="en-US" dirty="0" err="1" smtClean="0"/>
+              <a:t>GroupKFold</a:t>
             </a:r>
             <a:endParaRPr lang="en-US" dirty="0"/>
           </a:p>
@@ -6239,1167 +8197,48 @@
         </p:nvSpPr>
         <p:spPr/>
         <p:txBody>
-          <a:bodyPr/>
+          <a:bodyPr>
+            <a:noAutofit/>
+          </a:bodyPr>
           <a:lstStyle/>
           <a:p>
             <a:r>
-              <a:rPr lang="en-US" dirty="0" smtClean="0"/>
-              <a:t>Given the plethora of choices, we will stick with the tried and true method of linear regression to see what we can come up with.</a:t>
-            </a:r>
-          </a:p>
-          <a:p>
-            <a:r>
-              <a:rPr lang="en-US" dirty="0" smtClean="0"/>
-              <a:t>Below are the results of the various models we tried:</a:t>
-            </a:r>
-          </a:p>
-          <a:p>
-            <a:endParaRPr lang="en-US" dirty="0" smtClean="0"/>
-          </a:p>
-          <a:p>
-            <a:endParaRPr lang="en-US" dirty="0"/>
-          </a:p>
-        </p:txBody>
-      </p:sp>
-      <p:graphicFrame>
-        <p:nvGraphicFramePr>
-          <p:cNvPr id="5" name="Table 4"/>
-          <p:cNvGraphicFramePr>
-            <a:graphicFrameLocks noGrp="1"/>
-          </p:cNvGraphicFramePr>
-          <p:nvPr>
-            <p:extLst>
-              <p:ext uri="{D42A27DB-BD31-4B8C-83A1-F6EECF244321}">
-                <p14:modId xmlns:p14="http://schemas.microsoft.com/office/powerpoint/2010/main" val="1532309464"/>
-              </p:ext>
-            </p:extLst>
-          </p:nvPr>
-        </p:nvGraphicFramePr>
-        <p:xfrm>
-          <a:off x="911668" y="3304831"/>
-          <a:ext cx="8128000" cy="3512426"/>
-        </p:xfrm>
-        <a:graphic>
-          <a:graphicData uri="http://schemas.openxmlformats.org/drawingml/2006/table">
-            <a:tbl>
-              <a:tblPr firstRow="1" bandRow="1">
-                <a:tableStyleId>{5C22544A-7EE6-4342-B048-85BDC9FD1C3A}</a:tableStyleId>
-              </a:tblPr>
-              <a:tblGrid>
-                <a:gridCol w="1625600">
-                  <a:extLst>
-                    <a:ext uri="{9D8B030D-6E8A-4147-A177-3AD203B41FA5}">
-                      <a16:colId xmlns:a16="http://schemas.microsoft.com/office/drawing/2014/main" val="2471530918"/>
-                    </a:ext>
-                  </a:extLst>
-                </a:gridCol>
-                <a:gridCol w="1625600">
-                  <a:extLst>
-                    <a:ext uri="{9D8B030D-6E8A-4147-A177-3AD203B41FA5}">
-                      <a16:colId xmlns:a16="http://schemas.microsoft.com/office/drawing/2014/main" val="1946981498"/>
-                    </a:ext>
-                  </a:extLst>
-                </a:gridCol>
-                <a:gridCol w="1625600">
-                  <a:extLst>
-                    <a:ext uri="{9D8B030D-6E8A-4147-A177-3AD203B41FA5}">
-                      <a16:colId xmlns:a16="http://schemas.microsoft.com/office/drawing/2014/main" val="1941363792"/>
-                    </a:ext>
-                  </a:extLst>
-                </a:gridCol>
-                <a:gridCol w="1625600">
-                  <a:extLst>
-                    <a:ext uri="{9D8B030D-6E8A-4147-A177-3AD203B41FA5}">
-                      <a16:colId xmlns:a16="http://schemas.microsoft.com/office/drawing/2014/main" val="259553909"/>
-                    </a:ext>
-                  </a:extLst>
-                </a:gridCol>
-                <a:gridCol w="1625600">
-                  <a:extLst>
-                    <a:ext uri="{9D8B030D-6E8A-4147-A177-3AD203B41FA5}">
-                      <a16:colId xmlns:a16="http://schemas.microsoft.com/office/drawing/2014/main" val="402806875"/>
-                    </a:ext>
-                  </a:extLst>
-                </a:gridCol>
-              </a:tblGrid>
-              <a:tr h="330053">
-                <a:tc>
-                  <a:txBody>
-                    <a:bodyPr/>
-                    <a:lstStyle/>
-                    <a:p>
-                      <a:pPr algn="ctr" rtl="0" fontAlgn="b"/>
-                      <a:r>
-                        <a:rPr lang="en-US" sz="1100" b="0" i="0" u="none" strike="noStrike" dirty="0">
-                          <a:solidFill>
-                            <a:srgbClr val="000000"/>
-                          </a:solidFill>
-                          <a:effectLst/>
-                          <a:latin typeface="Calibri" panose="020F0502020204030204" pitchFamily="34" charset="0"/>
-                        </a:rPr>
-                        <a:t>Model</a:t>
-                      </a:r>
-                    </a:p>
-                  </a:txBody>
-                  <a:tcPr marL="9525" marR="9525" marT="9525" marB="0" anchor="ctr"/>
-                </a:tc>
-                <a:tc>
-                  <a:txBody>
-                    <a:bodyPr/>
-                    <a:lstStyle/>
-                    <a:p>
-                      <a:pPr algn="ctr" rtl="0" fontAlgn="b"/>
-                      <a:r>
-                        <a:rPr lang="en-US" sz="1100" b="0" i="0" u="none" strike="noStrike">
-                          <a:solidFill>
-                            <a:srgbClr val="000000"/>
-                          </a:solidFill>
-                          <a:effectLst/>
-                          <a:latin typeface="Calibri" panose="020F0502020204030204" pitchFamily="34" charset="0"/>
-                        </a:rPr>
-                        <a:t># Of Factors</a:t>
-                      </a:r>
-                    </a:p>
-                  </a:txBody>
-                  <a:tcPr marL="9525" marR="9525" marT="9525" marB="0" anchor="ctr"/>
-                </a:tc>
-                <a:tc>
-                  <a:txBody>
-                    <a:bodyPr/>
-                    <a:lstStyle/>
-                    <a:p>
-                      <a:pPr algn="ctr" rtl="0" fontAlgn="b"/>
-                      <a:r>
-                        <a:rPr lang="en-US" sz="1100" b="0" i="0" u="none" strike="noStrike">
-                          <a:solidFill>
-                            <a:srgbClr val="000000"/>
-                          </a:solidFill>
-                          <a:effectLst/>
-                          <a:latin typeface="Calibri" panose="020F0502020204030204" pitchFamily="34" charset="0"/>
-                        </a:rPr>
-                        <a:t>Factor</a:t>
-                      </a:r>
-                    </a:p>
-                  </a:txBody>
-                  <a:tcPr marL="9525" marR="9525" marT="9525" marB="0" anchor="ctr"/>
-                </a:tc>
-                <a:tc>
-                  <a:txBody>
-                    <a:bodyPr/>
-                    <a:lstStyle/>
-                    <a:p>
-                      <a:pPr algn="ctr" rtl="0" fontAlgn="b"/>
-                      <a:r>
-                        <a:rPr lang="en-US" sz="1100" b="0" i="0" u="none" strike="noStrike">
-                          <a:solidFill>
-                            <a:srgbClr val="000000"/>
-                          </a:solidFill>
-                          <a:effectLst/>
-                          <a:latin typeface="Calibri" panose="020F0502020204030204" pitchFamily="34" charset="0"/>
-                        </a:rPr>
-                        <a:t>Adjusted R-Squared</a:t>
-                      </a:r>
-                    </a:p>
-                  </a:txBody>
-                  <a:tcPr marL="9525" marR="9525" marT="9525" marB="0" anchor="ctr"/>
-                </a:tc>
-                <a:tc>
-                  <a:txBody>
-                    <a:bodyPr/>
-                    <a:lstStyle/>
-                    <a:p>
-                      <a:pPr algn="ctr" rtl="0" fontAlgn="b"/>
-                      <a:r>
-                        <a:rPr lang="en-US" sz="1100" b="0" i="0" u="none" strike="noStrike">
-                          <a:solidFill>
-                            <a:srgbClr val="000000"/>
-                          </a:solidFill>
-                          <a:effectLst/>
-                          <a:latin typeface="Calibri" panose="020F0502020204030204" pitchFamily="34" charset="0"/>
-                        </a:rPr>
-                        <a:t>Errors?</a:t>
-                      </a:r>
-                    </a:p>
-                  </a:txBody>
-                  <a:tcPr marL="9525" marR="9525" marT="9525" marB="0" anchor="ctr"/>
-                </a:tc>
-                <a:extLst>
-                  <a:ext uri="{0D108BD9-81ED-4DB2-BD59-A6C34878D82A}">
-                    <a16:rowId xmlns:a16="http://schemas.microsoft.com/office/drawing/2014/main" val="759555950"/>
-                  </a:ext>
-                </a:extLst>
-              </a:tr>
-              <a:tr h="330053">
-                <a:tc>
-                  <a:txBody>
-                    <a:bodyPr/>
-                    <a:lstStyle/>
-                    <a:p>
-                      <a:pPr algn="ctr" rtl="0" fontAlgn="b"/>
-                      <a:r>
-                        <a:rPr lang="en-US" sz="1100" b="0" i="0" u="none" strike="noStrike">
-                          <a:solidFill>
-                            <a:srgbClr val="000000"/>
-                          </a:solidFill>
-                          <a:effectLst/>
-                          <a:latin typeface="Calibri" panose="020F0502020204030204" pitchFamily="34" charset="0"/>
-                        </a:rPr>
-                        <a:t>linreg1</a:t>
-                      </a:r>
-                    </a:p>
-                  </a:txBody>
-                  <a:tcPr marL="9525" marR="9525" marT="9525" marB="0" anchor="ctr"/>
-                </a:tc>
-                <a:tc>
-                  <a:txBody>
-                    <a:bodyPr/>
-                    <a:lstStyle/>
-                    <a:p>
-                      <a:pPr algn="ctr" rtl="0" fontAlgn="b"/>
-                      <a:r>
-                        <a:rPr lang="en-US" sz="1100" b="0" i="0" u="none" strike="noStrike">
-                          <a:solidFill>
-                            <a:srgbClr val="000000"/>
-                          </a:solidFill>
-                          <a:effectLst/>
-                          <a:latin typeface="Calibri" panose="020F0502020204030204" pitchFamily="34" charset="0"/>
-                        </a:rPr>
-                        <a:t>1</a:t>
-                      </a:r>
-                    </a:p>
-                  </a:txBody>
-                  <a:tcPr marL="9525" marR="9525" marT="9525" marB="0" anchor="ctr"/>
-                </a:tc>
-                <a:tc>
-                  <a:txBody>
-                    <a:bodyPr/>
-                    <a:lstStyle/>
-                    <a:p>
-                      <a:pPr algn="ctr" rtl="0" fontAlgn="b"/>
-                      <a:r>
-                        <a:rPr lang="en-US" sz="1100" b="0" i="0" u="none" strike="noStrike">
-                          <a:solidFill>
-                            <a:srgbClr val="000000"/>
-                          </a:solidFill>
-                          <a:effectLst/>
-                          <a:latin typeface="Calibri" panose="020F0502020204030204" pitchFamily="34" charset="0"/>
-                        </a:rPr>
-                        <a:t>Poverty Rate</a:t>
-                      </a:r>
-                    </a:p>
-                  </a:txBody>
-                  <a:tcPr marL="9525" marR="9525" marT="9525" marB="0" anchor="ctr"/>
-                </a:tc>
-                <a:tc>
-                  <a:txBody>
-                    <a:bodyPr/>
-                    <a:lstStyle/>
-                    <a:p>
-                      <a:pPr algn="ctr" rtl="0" fontAlgn="b"/>
-                      <a:r>
-                        <a:rPr lang="en-US" sz="1100" b="0" i="0" u="none" strike="noStrike">
-                          <a:solidFill>
-                            <a:srgbClr val="000000"/>
-                          </a:solidFill>
-                          <a:effectLst/>
-                          <a:latin typeface="Calibri" panose="020F0502020204030204" pitchFamily="34" charset="0"/>
-                        </a:rPr>
-                        <a:t>0.066</a:t>
-                      </a:r>
-                    </a:p>
-                  </a:txBody>
-                  <a:tcPr marL="9525" marR="9525" marT="9525" marB="0" anchor="ctr"/>
-                </a:tc>
-                <a:tc>
-                  <a:txBody>
-                    <a:bodyPr/>
-                    <a:lstStyle/>
-                    <a:p>
-                      <a:pPr algn="ctr" rtl="0" fontAlgn="b"/>
-                      <a:r>
-                        <a:rPr lang="en-US" sz="1100" b="0" i="0" u="none" strike="noStrike">
-                          <a:solidFill>
-                            <a:srgbClr val="000000"/>
-                          </a:solidFill>
-                          <a:effectLst/>
-                          <a:latin typeface="Calibri" panose="020F0502020204030204" pitchFamily="34" charset="0"/>
-                        </a:rPr>
-                        <a:t>N/A</a:t>
-                      </a:r>
-                    </a:p>
-                  </a:txBody>
-                  <a:tcPr marL="9525" marR="9525" marT="9525" marB="0" anchor="ctr"/>
-                </a:tc>
-                <a:extLst>
-                  <a:ext uri="{0D108BD9-81ED-4DB2-BD59-A6C34878D82A}">
-                    <a16:rowId xmlns:a16="http://schemas.microsoft.com/office/drawing/2014/main" val="2825125704"/>
-                  </a:ext>
-                </a:extLst>
-              </a:tr>
-              <a:tr h="330053">
-                <a:tc>
-                  <a:txBody>
-                    <a:bodyPr/>
-                    <a:lstStyle/>
-                    <a:p>
-                      <a:pPr algn="ctr" rtl="0" fontAlgn="b"/>
-                      <a:r>
-                        <a:rPr lang="en-US" sz="1100" b="0" i="0" u="none" strike="noStrike">
-                          <a:solidFill>
-                            <a:srgbClr val="000000"/>
-                          </a:solidFill>
-                          <a:effectLst/>
-                          <a:latin typeface="Calibri" panose="020F0502020204030204" pitchFamily="34" charset="0"/>
-                        </a:rPr>
-                        <a:t>linreg2</a:t>
-                      </a:r>
-                    </a:p>
-                  </a:txBody>
-                  <a:tcPr marL="9525" marR="9525" marT="9525" marB="0" anchor="ctr"/>
-                </a:tc>
-                <a:tc>
-                  <a:txBody>
-                    <a:bodyPr/>
-                    <a:lstStyle/>
-                    <a:p>
-                      <a:pPr algn="ctr" rtl="0" fontAlgn="b"/>
-                      <a:r>
-                        <a:rPr lang="en-US" sz="1100" b="0" i="0" u="none" strike="noStrike">
-                          <a:solidFill>
-                            <a:srgbClr val="000000"/>
-                          </a:solidFill>
-                          <a:effectLst/>
-                          <a:latin typeface="Calibri" panose="020F0502020204030204" pitchFamily="34" charset="0"/>
-                        </a:rPr>
-                        <a:t>2</a:t>
-                      </a:r>
-                    </a:p>
-                  </a:txBody>
-                  <a:tcPr marL="9525" marR="9525" marT="9525" marB="0" anchor="ctr"/>
-                </a:tc>
-                <a:tc>
-                  <a:txBody>
-                    <a:bodyPr/>
-                    <a:lstStyle/>
-                    <a:p>
-                      <a:pPr algn="ctr" rtl="0" fontAlgn="b"/>
-                      <a:r>
-                        <a:rPr lang="en-US" sz="1100" b="0" i="0" u="none" strike="noStrike">
-                          <a:solidFill>
-                            <a:srgbClr val="000000"/>
-                          </a:solidFill>
-                          <a:effectLst/>
-                          <a:latin typeface="Calibri" panose="020F0502020204030204" pitchFamily="34" charset="0"/>
-                        </a:rPr>
-                        <a:t>Poverty Rate, Year</a:t>
-                      </a:r>
-                    </a:p>
-                  </a:txBody>
-                  <a:tcPr marL="9525" marR="9525" marT="9525" marB="0" anchor="ctr"/>
-                </a:tc>
-                <a:tc>
-                  <a:txBody>
-                    <a:bodyPr/>
-                    <a:lstStyle/>
-                    <a:p>
-                      <a:pPr algn="ctr" rtl="0" fontAlgn="b"/>
-                      <a:r>
-                        <a:rPr lang="en-US" sz="1100" b="0" i="0" u="none" strike="noStrike">
-                          <a:solidFill>
-                            <a:srgbClr val="000000"/>
-                          </a:solidFill>
-                          <a:effectLst/>
-                          <a:latin typeface="Calibri" panose="020F0502020204030204" pitchFamily="34" charset="0"/>
-                        </a:rPr>
-                        <a:t>0.776</a:t>
-                      </a:r>
-                    </a:p>
-                  </a:txBody>
-                  <a:tcPr marL="9525" marR="9525" marT="9525" marB="0" anchor="ctr"/>
-                </a:tc>
-                <a:tc>
-                  <a:txBody>
-                    <a:bodyPr/>
-                    <a:lstStyle/>
-                    <a:p>
-                      <a:pPr algn="ctr" rtl="0" fontAlgn="b"/>
-                      <a:r>
-                        <a:rPr lang="en-US" sz="1100" b="0" i="0" u="none" strike="noStrike">
-                          <a:solidFill>
-                            <a:srgbClr val="000000"/>
-                          </a:solidFill>
-                          <a:effectLst/>
-                          <a:latin typeface="Calibri" panose="020F0502020204030204" pitchFamily="34" charset="0"/>
-                        </a:rPr>
-                        <a:t>Possible Multicollinearity</a:t>
-                      </a:r>
-                    </a:p>
-                  </a:txBody>
-                  <a:tcPr marL="9525" marR="9525" marT="9525" marB="0" anchor="ctr"/>
-                </a:tc>
-                <a:extLst>
-                  <a:ext uri="{0D108BD9-81ED-4DB2-BD59-A6C34878D82A}">
-                    <a16:rowId xmlns:a16="http://schemas.microsoft.com/office/drawing/2014/main" val="3563979451"/>
-                  </a:ext>
-                </a:extLst>
-              </a:tr>
-              <a:tr h="500393">
-                <a:tc>
-                  <a:txBody>
-                    <a:bodyPr/>
-                    <a:lstStyle/>
-                    <a:p>
-                      <a:pPr algn="ctr" rtl="0" fontAlgn="b"/>
-                      <a:r>
-                        <a:rPr lang="en-US" sz="1100" b="0" i="0" u="none" strike="noStrike">
-                          <a:solidFill>
-                            <a:srgbClr val="000000"/>
-                          </a:solidFill>
-                          <a:effectLst/>
-                          <a:latin typeface="Calibri" panose="020F0502020204030204" pitchFamily="34" charset="0"/>
-                        </a:rPr>
-                        <a:t>linreg3</a:t>
-                      </a:r>
-                    </a:p>
-                  </a:txBody>
-                  <a:tcPr marL="9525" marR="9525" marT="9525" marB="0" anchor="ctr"/>
-                </a:tc>
-                <a:tc>
-                  <a:txBody>
-                    <a:bodyPr/>
-                    <a:lstStyle/>
-                    <a:p>
-                      <a:pPr algn="ctr" rtl="0" fontAlgn="b"/>
-                      <a:r>
-                        <a:rPr lang="en-US" sz="1100" b="0" i="0" u="none" strike="noStrike">
-                          <a:solidFill>
-                            <a:srgbClr val="000000"/>
-                          </a:solidFill>
-                          <a:effectLst/>
-                          <a:latin typeface="Calibri" panose="020F0502020204030204" pitchFamily="34" charset="0"/>
-                        </a:rPr>
-                        <a:t>5</a:t>
-                      </a:r>
-                    </a:p>
-                  </a:txBody>
-                  <a:tcPr marL="9525" marR="9525" marT="9525" marB="0" anchor="ctr"/>
-                </a:tc>
-                <a:tc>
-                  <a:txBody>
-                    <a:bodyPr/>
-                    <a:lstStyle/>
-                    <a:p>
-                      <a:pPr algn="ctr" rtl="0" fontAlgn="b"/>
-                      <a:r>
-                        <a:rPr lang="en-US" sz="1100" b="0" i="0" u="none" strike="noStrike">
-                          <a:solidFill>
-                            <a:srgbClr val="000000"/>
-                          </a:solidFill>
-                          <a:effectLst/>
-                          <a:latin typeface="Calibri" panose="020F0502020204030204" pitchFamily="34" charset="0"/>
-                        </a:rPr>
-                        <a:t>State, Total Population, Number of Poor, Poverty Rate, Year</a:t>
-                      </a:r>
-                    </a:p>
-                  </a:txBody>
-                  <a:tcPr marL="9525" marR="9525" marT="9525" marB="0" anchor="ctr"/>
-                </a:tc>
-                <a:tc>
-                  <a:txBody>
-                    <a:bodyPr/>
-                    <a:lstStyle/>
-                    <a:p>
-                      <a:pPr algn="ctr" rtl="0" fontAlgn="b"/>
-                      <a:r>
-                        <a:rPr lang="en-US" sz="1100" b="0" i="0" u="none" strike="noStrike">
-                          <a:solidFill>
-                            <a:srgbClr val="000000"/>
-                          </a:solidFill>
-                          <a:effectLst/>
-                          <a:latin typeface="Calibri" panose="020F0502020204030204" pitchFamily="34" charset="0"/>
-                        </a:rPr>
-                        <a:t>0.973</a:t>
-                      </a:r>
-                    </a:p>
-                  </a:txBody>
-                  <a:tcPr marL="9525" marR="9525" marT="9525" marB="0" anchor="ctr"/>
-                </a:tc>
-                <a:tc>
-                  <a:txBody>
-                    <a:bodyPr/>
-                    <a:lstStyle/>
-                    <a:p>
-                      <a:pPr algn="ctr" rtl="0" fontAlgn="b"/>
-                      <a:r>
-                        <a:rPr lang="en-US" sz="1100" b="0" i="0" u="none" strike="noStrike">
-                          <a:solidFill>
-                            <a:srgbClr val="000000"/>
-                          </a:solidFill>
-                          <a:effectLst/>
-                          <a:latin typeface="Calibri" panose="020F0502020204030204" pitchFamily="34" charset="0"/>
-                        </a:rPr>
-                        <a:t>Possible Multicollinearity</a:t>
-                      </a:r>
-                    </a:p>
-                  </a:txBody>
-                  <a:tcPr marL="9525" marR="9525" marT="9525" marB="0" anchor="ctr"/>
-                </a:tc>
-                <a:extLst>
-                  <a:ext uri="{0D108BD9-81ED-4DB2-BD59-A6C34878D82A}">
-                    <a16:rowId xmlns:a16="http://schemas.microsoft.com/office/drawing/2014/main" val="3484128214"/>
-                  </a:ext>
-                </a:extLst>
-              </a:tr>
-              <a:tr h="336695">
-                <a:tc>
-                  <a:txBody>
-                    <a:bodyPr/>
-                    <a:lstStyle/>
-                    <a:p>
-                      <a:pPr algn="ctr" rtl="0" fontAlgn="b"/>
-                      <a:r>
-                        <a:rPr lang="en-US" sz="1100" b="0" i="0" u="none" strike="noStrike">
-                          <a:solidFill>
-                            <a:srgbClr val="000000"/>
-                          </a:solidFill>
-                          <a:effectLst/>
-                          <a:latin typeface="Calibri" panose="020F0502020204030204" pitchFamily="34" charset="0"/>
-                        </a:rPr>
-                        <a:t>linreg4</a:t>
-                      </a:r>
-                    </a:p>
-                  </a:txBody>
-                  <a:tcPr marL="9525" marR="9525" marT="9525" marB="0" anchor="ctr"/>
-                </a:tc>
-                <a:tc>
-                  <a:txBody>
-                    <a:bodyPr/>
-                    <a:lstStyle/>
-                    <a:p>
-                      <a:pPr algn="ctr" rtl="0" fontAlgn="b"/>
-                      <a:r>
-                        <a:rPr lang="en-US" sz="1100" b="0" i="0" u="none" strike="noStrike">
-                          <a:solidFill>
-                            <a:srgbClr val="000000"/>
-                          </a:solidFill>
-                          <a:effectLst/>
-                          <a:latin typeface="Calibri" panose="020F0502020204030204" pitchFamily="34" charset="0"/>
-                        </a:rPr>
-                        <a:t>4</a:t>
-                      </a:r>
-                    </a:p>
-                  </a:txBody>
-                  <a:tcPr marL="9525" marR="9525" marT="9525" marB="0" anchor="ctr"/>
-                </a:tc>
-                <a:tc>
-                  <a:txBody>
-                    <a:bodyPr/>
-                    <a:lstStyle/>
-                    <a:p>
-                      <a:pPr algn="ctr" rtl="0" fontAlgn="b"/>
-                      <a:r>
-                        <a:rPr lang="en-US" sz="1100" b="0" i="0" u="none" strike="noStrike">
-                          <a:solidFill>
-                            <a:srgbClr val="000000"/>
-                          </a:solidFill>
-                          <a:effectLst/>
-                          <a:latin typeface="Calibri" panose="020F0502020204030204" pitchFamily="34" charset="0"/>
-                        </a:rPr>
-                        <a:t>State, Poverty Rate, Total Population, Year</a:t>
-                      </a:r>
-                    </a:p>
-                  </a:txBody>
-                  <a:tcPr marL="9525" marR="9525" marT="9525" marB="0" anchor="ctr"/>
-                </a:tc>
-                <a:tc>
-                  <a:txBody>
-                    <a:bodyPr/>
-                    <a:lstStyle/>
-                    <a:p>
-                      <a:pPr algn="ctr" rtl="0" fontAlgn="b"/>
-                      <a:r>
-                        <a:rPr lang="en-US" sz="1100" b="0" i="0" u="none" strike="noStrike">
-                          <a:solidFill>
-                            <a:srgbClr val="000000"/>
-                          </a:solidFill>
-                          <a:effectLst/>
-                          <a:latin typeface="Calibri" panose="020F0502020204030204" pitchFamily="34" charset="0"/>
-                        </a:rPr>
-                        <a:t>0.973</a:t>
-                      </a:r>
-                    </a:p>
-                  </a:txBody>
-                  <a:tcPr marL="9525" marR="9525" marT="9525" marB="0" anchor="ctr"/>
-                </a:tc>
-                <a:tc>
-                  <a:txBody>
-                    <a:bodyPr/>
-                    <a:lstStyle/>
-                    <a:p>
-                      <a:pPr algn="ctr" rtl="0" fontAlgn="b"/>
-                      <a:r>
-                        <a:rPr lang="en-US" sz="1100" b="0" i="0" u="none" strike="noStrike">
-                          <a:solidFill>
-                            <a:srgbClr val="000000"/>
-                          </a:solidFill>
-                          <a:effectLst/>
-                          <a:latin typeface="Calibri" panose="020F0502020204030204" pitchFamily="34" charset="0"/>
-                        </a:rPr>
-                        <a:t>Possible Multicollinearity</a:t>
-                      </a:r>
-                    </a:p>
-                  </a:txBody>
-                  <a:tcPr marL="9525" marR="9525" marT="9525" marB="0" anchor="ctr"/>
-                </a:tc>
-                <a:extLst>
-                  <a:ext uri="{0D108BD9-81ED-4DB2-BD59-A6C34878D82A}">
-                    <a16:rowId xmlns:a16="http://schemas.microsoft.com/office/drawing/2014/main" val="1311549630"/>
-                  </a:ext>
-                </a:extLst>
-              </a:tr>
-              <a:tr h="336695">
-                <a:tc>
-                  <a:txBody>
-                    <a:bodyPr/>
-                    <a:lstStyle/>
-                    <a:p>
-                      <a:pPr algn="ctr" rtl="0" fontAlgn="b"/>
-                      <a:r>
-                        <a:rPr lang="en-US" sz="1100" b="0" i="0" u="none" strike="noStrike">
-                          <a:solidFill>
-                            <a:srgbClr val="000000"/>
-                          </a:solidFill>
-                          <a:effectLst/>
-                          <a:latin typeface="Calibri" panose="020F0502020204030204" pitchFamily="34" charset="0"/>
-                        </a:rPr>
-                        <a:t>linreg5</a:t>
-                      </a:r>
-                    </a:p>
-                  </a:txBody>
-                  <a:tcPr marL="9525" marR="9525" marT="9525" marB="0" anchor="ctr"/>
-                </a:tc>
-                <a:tc>
-                  <a:txBody>
-                    <a:bodyPr/>
-                    <a:lstStyle/>
-                    <a:p>
-                      <a:pPr algn="ctr" rtl="0" fontAlgn="b"/>
-                      <a:r>
-                        <a:rPr lang="en-US" sz="1100" b="0" i="0" u="none" strike="noStrike">
-                          <a:solidFill>
-                            <a:srgbClr val="000000"/>
-                          </a:solidFill>
-                          <a:effectLst/>
-                          <a:latin typeface="Calibri" panose="020F0502020204030204" pitchFamily="34" charset="0"/>
-                        </a:rPr>
-                        <a:t>3</a:t>
-                      </a:r>
-                    </a:p>
-                  </a:txBody>
-                  <a:tcPr marL="9525" marR="9525" marT="9525" marB="0" anchor="ctr"/>
-                </a:tc>
-                <a:tc>
-                  <a:txBody>
-                    <a:bodyPr/>
-                    <a:lstStyle/>
-                    <a:p>
-                      <a:pPr algn="ctr" rtl="0" fontAlgn="b"/>
-                      <a:r>
-                        <a:rPr lang="en-US" sz="1100" b="0" i="0" u="none" strike="noStrike">
-                          <a:solidFill>
-                            <a:srgbClr val="000000"/>
-                          </a:solidFill>
-                          <a:effectLst/>
-                          <a:latin typeface="Calibri" panose="020F0502020204030204" pitchFamily="34" charset="0"/>
-                        </a:rPr>
-                        <a:t>State, Total Population, Poverty Rate</a:t>
-                      </a:r>
-                    </a:p>
-                  </a:txBody>
-                  <a:tcPr marL="9525" marR="9525" marT="9525" marB="0" anchor="ctr"/>
-                </a:tc>
-                <a:tc>
-                  <a:txBody>
-                    <a:bodyPr/>
-                    <a:lstStyle/>
-                    <a:p>
-                      <a:pPr algn="ctr" rtl="0" fontAlgn="b"/>
-                      <a:r>
-                        <a:rPr lang="en-US" sz="1100" b="0" i="0" u="none" strike="noStrike">
-                          <a:solidFill>
-                            <a:srgbClr val="000000"/>
-                          </a:solidFill>
-                          <a:effectLst/>
-                          <a:latin typeface="Calibri" panose="020F0502020204030204" pitchFamily="34" charset="0"/>
-                        </a:rPr>
-                        <a:t>0.369</a:t>
-                      </a:r>
-                    </a:p>
-                  </a:txBody>
-                  <a:tcPr marL="9525" marR="9525" marT="9525" marB="0" anchor="ctr"/>
-                </a:tc>
-                <a:tc>
-                  <a:txBody>
-                    <a:bodyPr/>
-                    <a:lstStyle/>
-                    <a:p>
-                      <a:pPr algn="ctr" rtl="0" fontAlgn="b"/>
-                      <a:r>
-                        <a:rPr lang="en-US" sz="1100" b="0" i="0" u="none" strike="noStrike">
-                          <a:solidFill>
-                            <a:srgbClr val="000000"/>
-                          </a:solidFill>
-                          <a:effectLst/>
-                          <a:latin typeface="Calibri" panose="020F0502020204030204" pitchFamily="34" charset="0"/>
-                        </a:rPr>
-                        <a:t>Possible Multicollinearity</a:t>
-                      </a:r>
-                    </a:p>
-                  </a:txBody>
-                  <a:tcPr marL="9525" marR="9525" marT="9525" marB="0" anchor="ctr"/>
-                </a:tc>
-                <a:extLst>
-                  <a:ext uri="{0D108BD9-81ED-4DB2-BD59-A6C34878D82A}">
-                    <a16:rowId xmlns:a16="http://schemas.microsoft.com/office/drawing/2014/main" val="3655757844"/>
-                  </a:ext>
-                </a:extLst>
-              </a:tr>
-              <a:tr h="330053">
-                <a:tc>
-                  <a:txBody>
-                    <a:bodyPr/>
-                    <a:lstStyle/>
-                    <a:p>
-                      <a:pPr algn="ctr" rtl="0" fontAlgn="b"/>
-                      <a:r>
-                        <a:rPr lang="en-US" sz="1100" b="0" i="0" u="none" strike="noStrike">
-                          <a:solidFill>
-                            <a:srgbClr val="000000"/>
-                          </a:solidFill>
-                          <a:effectLst/>
-                          <a:latin typeface="Calibri" panose="020F0502020204030204" pitchFamily="34" charset="0"/>
-                        </a:rPr>
-                        <a:t>linreg6</a:t>
-                      </a:r>
-                    </a:p>
-                  </a:txBody>
-                  <a:tcPr marL="9525" marR="9525" marT="9525" marB="0" anchor="ctr"/>
-                </a:tc>
-                <a:tc>
-                  <a:txBody>
-                    <a:bodyPr/>
-                    <a:lstStyle/>
-                    <a:p>
-                      <a:pPr algn="ctr" rtl="0" fontAlgn="b"/>
-                      <a:r>
-                        <a:rPr lang="en-US" sz="1100" b="0" i="0" u="none" strike="noStrike">
-                          <a:solidFill>
-                            <a:srgbClr val="000000"/>
-                          </a:solidFill>
-                          <a:effectLst/>
-                          <a:latin typeface="Calibri" panose="020F0502020204030204" pitchFamily="34" charset="0"/>
-                        </a:rPr>
-                        <a:t>2</a:t>
-                      </a:r>
-                    </a:p>
-                  </a:txBody>
-                  <a:tcPr marL="9525" marR="9525" marT="9525" marB="0" anchor="ctr"/>
-                </a:tc>
-                <a:tc>
-                  <a:txBody>
-                    <a:bodyPr/>
-                    <a:lstStyle/>
-                    <a:p>
-                      <a:pPr algn="ctr" rtl="0" fontAlgn="b"/>
-                      <a:r>
-                        <a:rPr lang="en-US" sz="1100" b="0" i="0" u="none" strike="noStrike" dirty="0">
-                          <a:solidFill>
-                            <a:srgbClr val="000000"/>
-                          </a:solidFill>
-                          <a:effectLst/>
-                          <a:latin typeface="Calibri" panose="020F0502020204030204" pitchFamily="34" charset="0"/>
-                        </a:rPr>
-                        <a:t>State, Poverty Rate</a:t>
-                      </a:r>
-                    </a:p>
-                  </a:txBody>
-                  <a:tcPr marL="9525" marR="9525" marT="9525" marB="0" anchor="ctr"/>
-                </a:tc>
-                <a:tc>
-                  <a:txBody>
-                    <a:bodyPr/>
-                    <a:lstStyle/>
-                    <a:p>
-                      <a:pPr algn="ctr" rtl="0" fontAlgn="b"/>
-                      <a:r>
-                        <a:rPr lang="en-US" sz="1100" b="0" i="0" u="none" strike="noStrike">
-                          <a:solidFill>
-                            <a:srgbClr val="000000"/>
-                          </a:solidFill>
-                          <a:effectLst/>
-                          <a:latin typeface="Calibri" panose="020F0502020204030204" pitchFamily="34" charset="0"/>
-                        </a:rPr>
-                        <a:t>0.123</a:t>
-                      </a:r>
-                    </a:p>
-                  </a:txBody>
-                  <a:tcPr marL="9525" marR="9525" marT="9525" marB="0" anchor="ctr"/>
-                </a:tc>
-                <a:tc>
-                  <a:txBody>
-                    <a:bodyPr/>
-                    <a:lstStyle/>
-                    <a:p>
-                      <a:pPr algn="ctr" rtl="0" fontAlgn="b"/>
-                      <a:r>
-                        <a:rPr lang="en-US" sz="1100" b="0" i="0" u="none" strike="noStrike">
-                          <a:solidFill>
-                            <a:srgbClr val="000000"/>
-                          </a:solidFill>
-                          <a:effectLst/>
-                          <a:latin typeface="Calibri" panose="020F0502020204030204" pitchFamily="34" charset="0"/>
-                        </a:rPr>
-                        <a:t>N/A</a:t>
-                      </a:r>
-                    </a:p>
-                  </a:txBody>
-                  <a:tcPr marL="9525" marR="9525" marT="9525" marB="0" anchor="ctr"/>
-                </a:tc>
-                <a:extLst>
-                  <a:ext uri="{0D108BD9-81ED-4DB2-BD59-A6C34878D82A}">
-                    <a16:rowId xmlns:a16="http://schemas.microsoft.com/office/drawing/2014/main" val="3210481290"/>
-                  </a:ext>
-                </a:extLst>
-              </a:tr>
-              <a:tr h="330053">
-                <a:tc>
-                  <a:txBody>
-                    <a:bodyPr/>
-                    <a:lstStyle/>
-                    <a:p>
-                      <a:pPr algn="ctr" rtl="0" fontAlgn="b"/>
-                      <a:r>
-                        <a:rPr lang="en-US" sz="1100" b="0" i="0" u="none" strike="noStrike">
-                          <a:solidFill>
-                            <a:srgbClr val="000000"/>
-                          </a:solidFill>
-                          <a:effectLst/>
-                          <a:latin typeface="Calibri" panose="020F0502020204030204" pitchFamily="34" charset="0"/>
-                        </a:rPr>
-                        <a:t>linreg7</a:t>
-                      </a:r>
-                    </a:p>
-                  </a:txBody>
-                  <a:tcPr marL="9525" marR="9525" marT="9525" marB="0" anchor="ctr"/>
-                </a:tc>
-                <a:tc>
-                  <a:txBody>
-                    <a:bodyPr/>
-                    <a:lstStyle/>
-                    <a:p>
-                      <a:pPr algn="ctr" rtl="0" fontAlgn="b"/>
-                      <a:r>
-                        <a:rPr lang="en-US" sz="1100" b="0" i="0" u="none" strike="noStrike">
-                          <a:solidFill>
-                            <a:srgbClr val="000000"/>
-                          </a:solidFill>
-                          <a:effectLst/>
-                          <a:latin typeface="Calibri" panose="020F0502020204030204" pitchFamily="34" charset="0"/>
-                        </a:rPr>
-                        <a:t>1</a:t>
-                      </a:r>
-                    </a:p>
-                  </a:txBody>
-                  <a:tcPr marL="9525" marR="9525" marT="9525" marB="0" anchor="ctr"/>
-                </a:tc>
-                <a:tc>
-                  <a:txBody>
-                    <a:bodyPr/>
-                    <a:lstStyle/>
-                    <a:p>
-                      <a:pPr algn="ctr" rtl="0" fontAlgn="b"/>
-                      <a:r>
-                        <a:rPr lang="en-US" sz="1100" b="0" i="0" u="none" strike="noStrike" dirty="0">
-                          <a:solidFill>
-                            <a:srgbClr val="000000"/>
-                          </a:solidFill>
-                          <a:effectLst/>
-                          <a:latin typeface="Calibri" panose="020F0502020204030204" pitchFamily="34" charset="0"/>
-                        </a:rPr>
-                        <a:t>Year</a:t>
-                      </a:r>
-                    </a:p>
-                  </a:txBody>
-                  <a:tcPr marL="9525" marR="9525" marT="9525" marB="0" anchor="ctr"/>
-                </a:tc>
-                <a:tc>
-                  <a:txBody>
-                    <a:bodyPr/>
-                    <a:lstStyle/>
-                    <a:p>
-                      <a:pPr algn="ctr" rtl="0" fontAlgn="b"/>
-                      <a:r>
-                        <a:rPr lang="en-US" sz="1100" b="0" i="0" u="none" strike="noStrike">
-                          <a:solidFill>
-                            <a:srgbClr val="000000"/>
-                          </a:solidFill>
-                          <a:effectLst/>
-                          <a:latin typeface="Calibri" panose="020F0502020204030204" pitchFamily="34" charset="0"/>
-                        </a:rPr>
-                        <a:t>0.731</a:t>
-                      </a:r>
-                    </a:p>
-                  </a:txBody>
-                  <a:tcPr marL="9525" marR="9525" marT="9525" marB="0" anchor="ctr"/>
-                </a:tc>
-                <a:tc>
-                  <a:txBody>
-                    <a:bodyPr/>
-                    <a:lstStyle/>
-                    <a:p>
-                      <a:pPr algn="ctr" rtl="0" fontAlgn="b"/>
-                      <a:r>
-                        <a:rPr lang="en-US" sz="1100" b="0" i="0" u="none" strike="noStrike">
-                          <a:solidFill>
-                            <a:srgbClr val="000000"/>
-                          </a:solidFill>
-                          <a:effectLst/>
-                          <a:latin typeface="Calibri" panose="020F0502020204030204" pitchFamily="34" charset="0"/>
-                        </a:rPr>
-                        <a:t>Possible Multicollinearity</a:t>
-                      </a:r>
-                    </a:p>
-                  </a:txBody>
-                  <a:tcPr marL="9525" marR="9525" marT="9525" marB="0" anchor="ctr"/>
-                </a:tc>
-                <a:extLst>
-                  <a:ext uri="{0D108BD9-81ED-4DB2-BD59-A6C34878D82A}">
-                    <a16:rowId xmlns:a16="http://schemas.microsoft.com/office/drawing/2014/main" val="2989037887"/>
-                  </a:ext>
-                </a:extLst>
-              </a:tr>
-              <a:tr h="330053">
-                <a:tc>
-                  <a:txBody>
-                    <a:bodyPr/>
-                    <a:lstStyle/>
-                    <a:p>
-                      <a:pPr algn="ctr" rtl="0" fontAlgn="b"/>
-                      <a:r>
-                        <a:rPr lang="en-US" sz="1100" b="0" i="0" u="none" strike="noStrike">
-                          <a:solidFill>
-                            <a:srgbClr val="000000"/>
-                          </a:solidFill>
-                          <a:effectLst/>
-                          <a:latin typeface="Calibri" panose="020F0502020204030204" pitchFamily="34" charset="0"/>
-                        </a:rPr>
-                        <a:t>linreg8</a:t>
-                      </a:r>
-                    </a:p>
-                  </a:txBody>
-                  <a:tcPr marL="9525" marR="9525" marT="9525" marB="0" anchor="ctr"/>
-                </a:tc>
-                <a:tc>
-                  <a:txBody>
-                    <a:bodyPr/>
-                    <a:lstStyle/>
-                    <a:p>
-                      <a:pPr algn="ctr" rtl="0" fontAlgn="b"/>
-                      <a:r>
-                        <a:rPr lang="en-US" sz="1100" b="0" i="0" u="none" strike="noStrike">
-                          <a:solidFill>
-                            <a:srgbClr val="000000"/>
-                          </a:solidFill>
-                          <a:effectLst/>
-                          <a:latin typeface="Calibri" panose="020F0502020204030204" pitchFamily="34" charset="0"/>
-                        </a:rPr>
-                        <a:t>3</a:t>
-                      </a:r>
-                    </a:p>
-                  </a:txBody>
-                  <a:tcPr marL="9525" marR="9525" marT="9525" marB="0" anchor="ctr"/>
-                </a:tc>
-                <a:tc>
-                  <a:txBody>
-                    <a:bodyPr/>
-                    <a:lstStyle/>
-                    <a:p>
-                      <a:pPr algn="ctr" rtl="0" fontAlgn="b"/>
-                      <a:r>
-                        <a:rPr lang="en-US" sz="1100" b="0" i="0" u="none" strike="noStrike">
-                          <a:solidFill>
-                            <a:srgbClr val="000000"/>
-                          </a:solidFill>
-                          <a:effectLst/>
-                          <a:latin typeface="Calibri" panose="020F0502020204030204" pitchFamily="34" charset="0"/>
-                        </a:rPr>
-                        <a:t>State, Poverty Rate, Year</a:t>
-                      </a:r>
-                    </a:p>
-                  </a:txBody>
-                  <a:tcPr marL="9525" marR="9525" marT="9525" marB="0" anchor="ctr"/>
-                </a:tc>
-                <a:tc>
-                  <a:txBody>
-                    <a:bodyPr/>
-                    <a:lstStyle/>
-                    <a:p>
-                      <a:pPr algn="ctr" rtl="0" fontAlgn="b"/>
-                      <a:r>
-                        <a:rPr lang="en-US" sz="1100" b="0" i="0" u="none" strike="noStrike">
-                          <a:solidFill>
-                            <a:srgbClr val="000000"/>
-                          </a:solidFill>
-                          <a:effectLst/>
-                          <a:latin typeface="Calibri" panose="020F0502020204030204" pitchFamily="34" charset="0"/>
-                        </a:rPr>
-                        <a:t>0.973</a:t>
-                      </a:r>
-                    </a:p>
-                  </a:txBody>
-                  <a:tcPr marL="9525" marR="9525" marT="9525" marB="0" anchor="ctr"/>
-                </a:tc>
-                <a:tc>
-                  <a:txBody>
-                    <a:bodyPr/>
-                    <a:lstStyle/>
-                    <a:p>
-                      <a:pPr algn="ctr" rtl="0" fontAlgn="b"/>
-                      <a:r>
-                        <a:rPr lang="en-US" sz="1100" b="0" i="0" u="none" strike="noStrike">
-                          <a:solidFill>
-                            <a:srgbClr val="000000"/>
-                          </a:solidFill>
-                          <a:effectLst/>
-                          <a:latin typeface="Calibri" panose="020F0502020204030204" pitchFamily="34" charset="0"/>
-                        </a:rPr>
-                        <a:t>Possible Multicollinearity</a:t>
-                      </a:r>
-                    </a:p>
-                  </a:txBody>
-                  <a:tcPr marL="9525" marR="9525" marT="9525" marB="0" anchor="ctr"/>
-                </a:tc>
-                <a:extLst>
-                  <a:ext uri="{0D108BD9-81ED-4DB2-BD59-A6C34878D82A}">
-                    <a16:rowId xmlns:a16="http://schemas.microsoft.com/office/drawing/2014/main" val="620493017"/>
-                  </a:ext>
-                </a:extLst>
-              </a:tr>
-              <a:tr h="330053">
-                <a:tc>
-                  <a:txBody>
-                    <a:bodyPr/>
-                    <a:lstStyle/>
-                    <a:p>
-                      <a:pPr algn="ctr" rtl="0" fontAlgn="b"/>
-                      <a:r>
-                        <a:rPr lang="en-US" sz="1100" b="0" i="0" u="none" strike="noStrike">
-                          <a:solidFill>
-                            <a:srgbClr val="000000"/>
-                          </a:solidFill>
-                          <a:effectLst/>
-                          <a:latin typeface="Calibri" panose="020F0502020204030204" pitchFamily="34" charset="0"/>
-                        </a:rPr>
-                        <a:t>linreg9</a:t>
-                      </a:r>
-                    </a:p>
-                  </a:txBody>
-                  <a:tcPr marL="9525" marR="9525" marT="9525" marB="0" anchor="ctr"/>
-                </a:tc>
-                <a:tc>
-                  <a:txBody>
-                    <a:bodyPr/>
-                    <a:lstStyle/>
-                    <a:p>
-                      <a:pPr algn="ctr" rtl="0" fontAlgn="b"/>
-                      <a:r>
-                        <a:rPr lang="en-US" sz="1100" b="0" i="0" u="none" strike="noStrike">
-                          <a:solidFill>
-                            <a:srgbClr val="000000"/>
-                          </a:solidFill>
-                          <a:effectLst/>
-                          <a:latin typeface="Calibri" panose="020F0502020204030204" pitchFamily="34" charset="0"/>
-                        </a:rPr>
-                        <a:t>2</a:t>
-                      </a:r>
-                    </a:p>
-                  </a:txBody>
-                  <a:tcPr marL="9525" marR="9525" marT="9525" marB="0" anchor="ctr"/>
-                </a:tc>
-                <a:tc>
-                  <a:txBody>
-                    <a:bodyPr/>
-                    <a:lstStyle/>
-                    <a:p>
-                      <a:pPr algn="ctr" rtl="0" fontAlgn="b"/>
-                      <a:r>
-                        <a:rPr lang="en-US" sz="1100" b="0" i="0" u="none" strike="noStrike">
-                          <a:solidFill>
-                            <a:srgbClr val="000000"/>
-                          </a:solidFill>
-                          <a:effectLst/>
-                          <a:latin typeface="Calibri" panose="020F0502020204030204" pitchFamily="34" charset="0"/>
-                        </a:rPr>
-                        <a:t>State, Year</a:t>
-                      </a:r>
-                    </a:p>
-                  </a:txBody>
-                  <a:tcPr marL="9525" marR="9525" marT="9525" marB="0" anchor="ctr"/>
-                </a:tc>
-                <a:tc>
-                  <a:txBody>
-                    <a:bodyPr/>
-                    <a:lstStyle/>
-                    <a:p>
-                      <a:pPr algn="ctr" rtl="0" fontAlgn="b"/>
-                      <a:r>
-                        <a:rPr lang="en-US" sz="1100" b="0" i="0" u="none" strike="noStrike">
-                          <a:solidFill>
-                            <a:srgbClr val="000000"/>
-                          </a:solidFill>
-                          <a:effectLst/>
-                          <a:latin typeface="Calibri" panose="020F0502020204030204" pitchFamily="34" charset="0"/>
-                        </a:rPr>
-                        <a:t>0.972</a:t>
-                      </a:r>
-                    </a:p>
-                  </a:txBody>
-                  <a:tcPr marL="9525" marR="9525" marT="9525" marB="0" anchor="ctr"/>
-                </a:tc>
-                <a:tc>
-                  <a:txBody>
-                    <a:bodyPr/>
-                    <a:lstStyle/>
-                    <a:p>
-                      <a:pPr algn="ctr" rtl="0" fontAlgn="b"/>
-                      <a:r>
-                        <a:rPr lang="en-US" sz="1100" b="0" i="0" u="none" strike="noStrike" dirty="0">
-                          <a:solidFill>
-                            <a:srgbClr val="000000"/>
-                          </a:solidFill>
-                          <a:effectLst/>
-                          <a:latin typeface="Calibri" panose="020F0502020204030204" pitchFamily="34" charset="0"/>
-                        </a:rPr>
-                        <a:t>Possible Multicollinearity</a:t>
-                      </a:r>
-                    </a:p>
-                  </a:txBody>
-                  <a:tcPr marL="9525" marR="9525" marT="9525" marB="0" anchor="ctr"/>
-                </a:tc>
-                <a:extLst>
-                  <a:ext uri="{0D108BD9-81ED-4DB2-BD59-A6C34878D82A}">
-                    <a16:rowId xmlns:a16="http://schemas.microsoft.com/office/drawing/2014/main" val="1027153368"/>
-                  </a:ext>
-                </a:extLst>
-              </a:tr>
-            </a:tbl>
-          </a:graphicData>
-        </a:graphic>
-      </p:graphicFrame>
+              <a:rPr lang="en-US" sz="2200" dirty="0" smtClean="0"/>
+              <a:t>Due to the longitudinal nature of our data, we could not rely on a regular k fold technique.</a:t>
+            </a:r>
+          </a:p>
+          <a:p>
+            <a:endParaRPr lang="en-US" sz="2200" dirty="0"/>
+          </a:p>
+          <a:p>
+            <a:r>
+              <a:rPr lang="en-US" sz="2200" dirty="0" smtClean="0"/>
+              <a:t>We could have grouped by State or Year.  We choose Year.</a:t>
+            </a:r>
+          </a:p>
+          <a:p>
+            <a:endParaRPr lang="en-US" sz="2200" dirty="0"/>
+          </a:p>
+          <a:p>
+            <a:r>
+              <a:rPr lang="en-US" sz="2200" dirty="0" smtClean="0"/>
+              <a:t>The </a:t>
+            </a:r>
+            <a:r>
+              <a:rPr lang="en-US" sz="2200" dirty="0" err="1" smtClean="0"/>
+              <a:t>GroupKFold</a:t>
+            </a:r>
+            <a:r>
+              <a:rPr lang="en-US" sz="2200" dirty="0" smtClean="0"/>
+              <a:t> variation ensured that the same group would not appear in two different folds.</a:t>
+            </a:r>
+          </a:p>
+        </p:txBody>
+      </p:sp>
     </p:spTree>
     <p:extLst>
       <p:ext uri="{BB962C8B-B14F-4D97-AF65-F5344CB8AC3E}">
-        <p14:creationId xmlns:p14="http://schemas.microsoft.com/office/powerpoint/2010/main" val="860225490"/>
+        <p14:creationId xmlns:p14="http://schemas.microsoft.com/office/powerpoint/2010/main" val="3799967948"/>
       </p:ext>
     </p:extLst>
   </p:cSld>
@@ -7436,96 +8275,502 @@
             <p:ph type="title"/>
           </p:nvPr>
         </p:nvSpPr>
-        <p:spPr>
-          <a:xfrm>
-            <a:off x="677334" y="609600"/>
-            <a:ext cx="8596668" cy="572219"/>
-          </a:xfrm>
-        </p:spPr>
-        <p:txBody>
-          <a:bodyPr>
-            <a:normAutofit fontScale="90000"/>
-          </a:bodyPr>
+        <p:spPr/>
+        <p:txBody>
+          <a:bodyPr/>
           <a:lstStyle/>
           <a:p>
+            <a:pPr algn="ctr"/>
             <a:r>
               <a:rPr lang="en-US" dirty="0" smtClean="0"/>
-              <a:t>Preliminary Conclusion</a:t>
+              <a:t>Variance Explained</a:t>
+            </a:r>
+            <a:br>
+              <a:rPr lang="en-US" dirty="0" smtClean="0"/>
+            </a:br>
+            <a:r>
+              <a:rPr lang="en-US" dirty="0" smtClean="0"/>
+              <a:t>Linear Regression</a:t>
             </a:r>
             <a:endParaRPr lang="en-US" dirty="0"/>
           </a:p>
         </p:txBody>
       </p:sp>
-      <p:sp>
-        <p:nvSpPr>
-          <p:cNvPr id="3" name="Content Placeholder 2"/>
-          <p:cNvSpPr>
-            <a:spLocks noGrp="1"/>
-          </p:cNvSpPr>
+      <p:graphicFrame>
+        <p:nvGraphicFramePr>
+          <p:cNvPr id="4" name="Content Placeholder 3"/>
+          <p:cNvGraphicFramePr>
+            <a:graphicFrameLocks noGrp="1"/>
+          </p:cNvGraphicFramePr>
           <p:nvPr>
             <p:ph idx="1"/>
-          </p:nvPr>
-        </p:nvSpPr>
-        <p:spPr>
-          <a:xfrm>
-            <a:off x="677334" y="1181819"/>
-            <a:ext cx="8596668" cy="4859543"/>
-          </a:xfrm>
-        </p:spPr>
-        <p:txBody>
-          <a:bodyPr>
-            <a:normAutofit/>
-          </a:bodyPr>
-          <a:lstStyle/>
-          <a:p>
-            <a:r>
-              <a:rPr lang="en-US" sz="2800" dirty="0" smtClean="0"/>
-              <a:t>It depends if we want to ignore multicollinearity or not.</a:t>
-            </a:r>
-          </a:p>
-          <a:p>
-            <a:pPr lvl="1"/>
-            <a:r>
-              <a:rPr lang="en-US" sz="2400" dirty="0" smtClean="0"/>
-              <a:t>If we do, then our model linreg8 does a great job modeling the data. (R^2 = .973)</a:t>
-            </a:r>
-          </a:p>
-          <a:p>
-            <a:pPr lvl="2"/>
-            <a:r>
-              <a:rPr lang="en-US" sz="2000" dirty="0" smtClean="0"/>
-              <a:t>Then our conclusion is that reducing the poverty rate </a:t>
-            </a:r>
-            <a:r>
-              <a:rPr lang="en-US" sz="2000" b="1" dirty="0" smtClean="0"/>
-              <a:t>INCREASES</a:t>
-            </a:r>
-            <a:r>
-              <a:rPr lang="en-US" sz="2000" dirty="0" smtClean="0"/>
-              <a:t> the mortality rate.</a:t>
-            </a:r>
-          </a:p>
-          <a:p>
-            <a:pPr lvl="1"/>
-            <a:r>
-              <a:rPr lang="en-US" sz="2400" dirty="0" smtClean="0"/>
-              <a:t>If we don’t, then our best model linreg6 does a poor job modeling the data. (R^2 = .123)</a:t>
-            </a:r>
-          </a:p>
-          <a:p>
-            <a:pPr lvl="2"/>
-            <a:r>
-              <a:rPr lang="en-US" sz="2000" dirty="0" smtClean="0"/>
-              <a:t>Then we are unable to conclusively conclude that poverty has a significant impact on the mortality rate.</a:t>
-            </a:r>
-            <a:endParaRPr lang="en-US" sz="2000" dirty="0"/>
-          </a:p>
-        </p:txBody>
-      </p:sp>
+            <p:extLst>
+              <p:ext uri="{D42A27DB-BD31-4B8C-83A1-F6EECF244321}">
+                <p14:modId xmlns:p14="http://schemas.microsoft.com/office/powerpoint/2010/main" val="848434407"/>
+              </p:ext>
+            </p:extLst>
+          </p:nvPr>
+        </p:nvGraphicFramePr>
+        <p:xfrm>
+          <a:off x="677863" y="2160587"/>
+          <a:ext cx="8596311" cy="4429993"/>
+        </p:xfrm>
+        <a:graphic>
+          <a:graphicData uri="http://schemas.openxmlformats.org/drawingml/2006/table">
+            <a:tbl>
+              <a:tblPr firstRow="1" bandRow="1">
+                <a:tableStyleId>{5C22544A-7EE6-4342-B048-85BDC9FD1C3A}</a:tableStyleId>
+              </a:tblPr>
+              <a:tblGrid>
+                <a:gridCol w="2865437">
+                  <a:extLst>
+                    <a:ext uri="{9D8B030D-6E8A-4147-A177-3AD203B41FA5}">
+                      <a16:colId xmlns:a16="http://schemas.microsoft.com/office/drawing/2014/main" val="2053075830"/>
+                    </a:ext>
+                  </a:extLst>
+                </a:gridCol>
+                <a:gridCol w="2865437">
+                  <a:extLst>
+                    <a:ext uri="{9D8B030D-6E8A-4147-A177-3AD203B41FA5}">
+                      <a16:colId xmlns:a16="http://schemas.microsoft.com/office/drawing/2014/main" val="707577038"/>
+                    </a:ext>
+                  </a:extLst>
+                </a:gridCol>
+                <a:gridCol w="2865437">
+                  <a:extLst>
+                    <a:ext uri="{9D8B030D-6E8A-4147-A177-3AD203B41FA5}">
+                      <a16:colId xmlns:a16="http://schemas.microsoft.com/office/drawing/2014/main" val="2894100541"/>
+                    </a:ext>
+                  </a:extLst>
+                </a:gridCol>
+              </a:tblGrid>
+              <a:tr h="1617910">
+                <a:tc>
+                  <a:txBody>
+                    <a:bodyPr/>
+                    <a:lstStyle/>
+                    <a:p>
+                      <a:pPr algn="ctr"/>
+                      <a:r>
+                        <a:rPr lang="en-US" sz="2400" dirty="0" smtClean="0"/>
+                        <a:t>Variation</a:t>
+                      </a:r>
+                      <a:endParaRPr lang="en-US" sz="2400" dirty="0"/>
+                    </a:p>
+                  </a:txBody>
+                  <a:tcPr anchor="ctr"/>
+                </a:tc>
+                <a:tc>
+                  <a:txBody>
+                    <a:bodyPr/>
+                    <a:lstStyle/>
+                    <a:p>
+                      <a:pPr algn="ctr"/>
+                      <a:r>
+                        <a:rPr lang="en-US" sz="2400" dirty="0" smtClean="0"/>
+                        <a:t>Using All Variables</a:t>
+                      </a:r>
+                      <a:endParaRPr lang="en-US" sz="2400" dirty="0"/>
+                    </a:p>
+                  </a:txBody>
+                  <a:tcPr anchor="ctr"/>
+                </a:tc>
+                <a:tc>
+                  <a:txBody>
+                    <a:bodyPr/>
+                    <a:lstStyle/>
+                    <a:p>
+                      <a:pPr algn="ctr"/>
+                      <a:r>
+                        <a:rPr lang="en-US" sz="2400" dirty="0" smtClean="0"/>
+                        <a:t>Using Top 3 Variance Explaining</a:t>
+                      </a:r>
+                      <a:r>
+                        <a:rPr lang="en-US" sz="2400" baseline="0" dirty="0" smtClean="0"/>
+                        <a:t> Variables</a:t>
+                      </a:r>
+                      <a:endParaRPr lang="en-US" sz="2400" dirty="0"/>
+                    </a:p>
+                  </a:txBody>
+                  <a:tcPr anchor="ctr"/>
+                </a:tc>
+                <a:extLst>
+                  <a:ext uri="{0D108BD9-81ED-4DB2-BD59-A6C34878D82A}">
+                    <a16:rowId xmlns:a16="http://schemas.microsoft.com/office/drawing/2014/main" val="2648150983"/>
+                  </a:ext>
+                </a:extLst>
+              </a:tr>
+              <a:tr h="937361">
+                <a:tc>
+                  <a:txBody>
+                    <a:bodyPr/>
+                    <a:lstStyle/>
+                    <a:p>
+                      <a:pPr marL="0" marR="0" algn="ctr">
+                        <a:lnSpc>
+                          <a:spcPct val="107000"/>
+                        </a:lnSpc>
+                        <a:spcBef>
+                          <a:spcPts val="0"/>
+                        </a:spcBef>
+                        <a:spcAft>
+                          <a:spcPts val="0"/>
+                        </a:spcAft>
+                      </a:pPr>
+                      <a:r>
+                        <a:rPr lang="en-US" sz="2400" dirty="0">
+                          <a:solidFill>
+                            <a:srgbClr val="000000"/>
+                          </a:solidFill>
+                          <a:effectLst/>
+                          <a:latin typeface="Calibri" panose="020F0502020204030204" pitchFamily="34" charset="0"/>
+                          <a:ea typeface="Times New Roman" panose="02020603050405020304" pitchFamily="18" charset="0"/>
+                          <a:cs typeface="Calibri" panose="020F0502020204030204" pitchFamily="34" charset="0"/>
+                        </a:rPr>
+                        <a:t>Least Squares</a:t>
+                      </a:r>
+                      <a:endParaRPr lang="en-US" sz="2400" dirty="0">
+                        <a:effectLst/>
+                        <a:latin typeface="Calibri" panose="020F0502020204030204" pitchFamily="34" charset="0"/>
+                        <a:ea typeface="Calibri" panose="020F0502020204030204" pitchFamily="34" charset="0"/>
+                        <a:cs typeface="Times New Roman" panose="02020603050405020304" pitchFamily="18" charset="0"/>
+                      </a:endParaRPr>
+                    </a:p>
+                  </a:txBody>
+                  <a:tcPr marL="68580" marR="68580" marT="0" marB="0" anchor="ctr"/>
+                </a:tc>
+                <a:tc>
+                  <a:txBody>
+                    <a:bodyPr/>
+                    <a:lstStyle/>
+                    <a:p>
+                      <a:pPr marL="0" marR="0" algn="ctr">
+                        <a:lnSpc>
+                          <a:spcPct val="107000"/>
+                        </a:lnSpc>
+                        <a:spcBef>
+                          <a:spcPts val="0"/>
+                        </a:spcBef>
+                        <a:spcAft>
+                          <a:spcPts val="0"/>
+                        </a:spcAft>
+                      </a:pPr>
+                      <a:r>
+                        <a:rPr lang="en-US" sz="2400" dirty="0">
+                          <a:solidFill>
+                            <a:srgbClr val="000000"/>
+                          </a:solidFill>
+                          <a:effectLst/>
+                          <a:latin typeface="Calibri" panose="020F0502020204030204" pitchFamily="34" charset="0"/>
+                          <a:ea typeface="Times New Roman" panose="02020603050405020304" pitchFamily="18" charset="0"/>
+                          <a:cs typeface="Calibri" panose="020F0502020204030204" pitchFamily="34" charset="0"/>
+                        </a:rPr>
+                        <a:t>0.2482</a:t>
+                      </a:r>
+                      <a:endParaRPr lang="en-US" sz="2400" dirty="0">
+                        <a:effectLst/>
+                        <a:latin typeface="Calibri" panose="020F0502020204030204" pitchFamily="34" charset="0"/>
+                        <a:ea typeface="Calibri" panose="020F0502020204030204" pitchFamily="34" charset="0"/>
+                        <a:cs typeface="Times New Roman" panose="02020603050405020304" pitchFamily="18" charset="0"/>
+                      </a:endParaRPr>
+                    </a:p>
+                  </a:txBody>
+                  <a:tcPr marL="68580" marR="68580" marT="0" marB="0" anchor="ctr"/>
+                </a:tc>
+                <a:tc>
+                  <a:txBody>
+                    <a:bodyPr/>
+                    <a:lstStyle/>
+                    <a:p>
+                      <a:pPr marL="0" marR="0" algn="ctr">
+                        <a:lnSpc>
+                          <a:spcPct val="107000"/>
+                        </a:lnSpc>
+                        <a:spcBef>
+                          <a:spcPts val="0"/>
+                        </a:spcBef>
+                        <a:spcAft>
+                          <a:spcPts val="0"/>
+                        </a:spcAft>
+                      </a:pPr>
+                      <a:r>
+                        <a:rPr lang="en-US" sz="2400" dirty="0">
+                          <a:solidFill>
+                            <a:srgbClr val="000000"/>
+                          </a:solidFill>
+                          <a:effectLst/>
+                          <a:latin typeface="Calibri" panose="020F0502020204030204" pitchFamily="34" charset="0"/>
+                          <a:ea typeface="Times New Roman" panose="02020603050405020304" pitchFamily="18" charset="0"/>
+                          <a:cs typeface="Calibri" panose="020F0502020204030204" pitchFamily="34" charset="0"/>
+                        </a:rPr>
+                        <a:t>0.6185</a:t>
+                      </a:r>
+                      <a:endParaRPr lang="en-US" sz="2400" dirty="0">
+                        <a:effectLst/>
+                        <a:latin typeface="Calibri" panose="020F0502020204030204" pitchFamily="34" charset="0"/>
+                        <a:ea typeface="Calibri" panose="020F0502020204030204" pitchFamily="34" charset="0"/>
+                        <a:cs typeface="Times New Roman" panose="02020603050405020304" pitchFamily="18" charset="0"/>
+                      </a:endParaRPr>
+                    </a:p>
+                  </a:txBody>
+                  <a:tcPr marL="68580" marR="68580" marT="0" marB="0" anchor="ctr"/>
+                </a:tc>
+                <a:extLst>
+                  <a:ext uri="{0D108BD9-81ED-4DB2-BD59-A6C34878D82A}">
+                    <a16:rowId xmlns:a16="http://schemas.microsoft.com/office/drawing/2014/main" val="3706950308"/>
+                  </a:ext>
+                </a:extLst>
+              </a:tr>
+              <a:tr h="937361">
+                <a:tc>
+                  <a:txBody>
+                    <a:bodyPr/>
+                    <a:lstStyle/>
+                    <a:p>
+                      <a:pPr marL="0" marR="0" algn="ctr">
+                        <a:lnSpc>
+                          <a:spcPct val="107000"/>
+                        </a:lnSpc>
+                        <a:spcBef>
+                          <a:spcPts val="0"/>
+                        </a:spcBef>
+                        <a:spcAft>
+                          <a:spcPts val="0"/>
+                        </a:spcAft>
+                      </a:pPr>
+                      <a:r>
+                        <a:rPr lang="en-US" sz="2400" dirty="0">
+                          <a:solidFill>
+                            <a:srgbClr val="000000"/>
+                          </a:solidFill>
+                          <a:effectLst/>
+                          <a:latin typeface="Calibri" panose="020F0502020204030204" pitchFamily="34" charset="0"/>
+                          <a:ea typeface="Times New Roman" panose="02020603050405020304" pitchFamily="18" charset="0"/>
+                          <a:cs typeface="Calibri" panose="020F0502020204030204" pitchFamily="34" charset="0"/>
+                        </a:rPr>
+                        <a:t>Lasso</a:t>
+                      </a:r>
+                      <a:endParaRPr lang="en-US" sz="2400" dirty="0">
+                        <a:effectLst/>
+                        <a:latin typeface="Calibri" panose="020F0502020204030204" pitchFamily="34" charset="0"/>
+                        <a:ea typeface="Calibri" panose="020F0502020204030204" pitchFamily="34" charset="0"/>
+                        <a:cs typeface="Times New Roman" panose="02020603050405020304" pitchFamily="18" charset="0"/>
+                      </a:endParaRPr>
+                    </a:p>
+                  </a:txBody>
+                  <a:tcPr marL="68580" marR="68580" marT="0" marB="0" anchor="ctr"/>
+                </a:tc>
+                <a:tc>
+                  <a:txBody>
+                    <a:bodyPr/>
+                    <a:lstStyle/>
+                    <a:p>
+                      <a:pPr marL="0" marR="0" algn="ctr">
+                        <a:lnSpc>
+                          <a:spcPct val="107000"/>
+                        </a:lnSpc>
+                        <a:spcBef>
+                          <a:spcPts val="0"/>
+                        </a:spcBef>
+                        <a:spcAft>
+                          <a:spcPts val="0"/>
+                        </a:spcAft>
+                      </a:pPr>
+                      <a:r>
+                        <a:rPr lang="en-US" sz="2400" dirty="0">
+                          <a:solidFill>
+                            <a:srgbClr val="000000"/>
+                          </a:solidFill>
+                          <a:effectLst/>
+                          <a:latin typeface="Calibri" panose="020F0502020204030204" pitchFamily="34" charset="0"/>
+                          <a:ea typeface="Times New Roman" panose="02020603050405020304" pitchFamily="18" charset="0"/>
+                          <a:cs typeface="Calibri" panose="020F0502020204030204" pitchFamily="34" charset="0"/>
+                        </a:rPr>
+                        <a:t>0.6811</a:t>
+                      </a:r>
+                      <a:endParaRPr lang="en-US" sz="2400" dirty="0">
+                        <a:effectLst/>
+                        <a:latin typeface="Calibri" panose="020F0502020204030204" pitchFamily="34" charset="0"/>
+                        <a:ea typeface="Calibri" panose="020F0502020204030204" pitchFamily="34" charset="0"/>
+                        <a:cs typeface="Times New Roman" panose="02020603050405020304" pitchFamily="18" charset="0"/>
+                      </a:endParaRPr>
+                    </a:p>
+                  </a:txBody>
+                  <a:tcPr marL="68580" marR="68580" marT="0" marB="0" anchor="ctr"/>
+                </a:tc>
+                <a:tc>
+                  <a:txBody>
+                    <a:bodyPr/>
+                    <a:lstStyle/>
+                    <a:p>
+                      <a:pPr marL="0" marR="0" algn="ctr">
+                        <a:lnSpc>
+                          <a:spcPct val="107000"/>
+                        </a:lnSpc>
+                        <a:spcBef>
+                          <a:spcPts val="0"/>
+                        </a:spcBef>
+                        <a:spcAft>
+                          <a:spcPts val="0"/>
+                        </a:spcAft>
+                      </a:pPr>
+                      <a:r>
+                        <a:rPr lang="en-US" sz="2400" dirty="0">
+                          <a:solidFill>
+                            <a:srgbClr val="000000"/>
+                          </a:solidFill>
+                          <a:effectLst/>
+                          <a:latin typeface="Calibri" panose="020F0502020204030204" pitchFamily="34" charset="0"/>
+                          <a:ea typeface="Times New Roman" panose="02020603050405020304" pitchFamily="18" charset="0"/>
+                          <a:cs typeface="Calibri" panose="020F0502020204030204" pitchFamily="34" charset="0"/>
+                        </a:rPr>
+                        <a:t>0.6254</a:t>
+                      </a:r>
+                      <a:endParaRPr lang="en-US" sz="2400" dirty="0">
+                        <a:effectLst/>
+                        <a:latin typeface="Calibri" panose="020F0502020204030204" pitchFamily="34" charset="0"/>
+                        <a:ea typeface="Calibri" panose="020F0502020204030204" pitchFamily="34" charset="0"/>
+                        <a:cs typeface="Times New Roman" panose="02020603050405020304" pitchFamily="18" charset="0"/>
+                      </a:endParaRPr>
+                    </a:p>
+                  </a:txBody>
+                  <a:tcPr marL="68580" marR="68580" marT="0" marB="0" anchor="ctr"/>
+                </a:tc>
+                <a:extLst>
+                  <a:ext uri="{0D108BD9-81ED-4DB2-BD59-A6C34878D82A}">
+                    <a16:rowId xmlns:a16="http://schemas.microsoft.com/office/drawing/2014/main" val="204980603"/>
+                  </a:ext>
+                </a:extLst>
+              </a:tr>
+              <a:tr h="937361">
+                <a:tc>
+                  <a:txBody>
+                    <a:bodyPr/>
+                    <a:lstStyle/>
+                    <a:p>
+                      <a:pPr marL="0" marR="0" algn="ctr">
+                        <a:lnSpc>
+                          <a:spcPct val="107000"/>
+                        </a:lnSpc>
+                        <a:spcBef>
+                          <a:spcPts val="0"/>
+                        </a:spcBef>
+                        <a:spcAft>
+                          <a:spcPts val="0"/>
+                        </a:spcAft>
+                      </a:pPr>
+                      <a:r>
+                        <a:rPr lang="en-US" sz="2400">
+                          <a:solidFill>
+                            <a:srgbClr val="000000"/>
+                          </a:solidFill>
+                          <a:effectLst/>
+                          <a:latin typeface="Calibri" panose="020F0502020204030204" pitchFamily="34" charset="0"/>
+                          <a:ea typeface="Times New Roman" panose="02020603050405020304" pitchFamily="18" charset="0"/>
+                          <a:cs typeface="Calibri" panose="020F0502020204030204" pitchFamily="34" charset="0"/>
+                        </a:rPr>
+                        <a:t>Elastic Net</a:t>
+                      </a:r>
+                      <a:endParaRPr lang="en-US" sz="2400">
+                        <a:effectLst/>
+                        <a:latin typeface="Calibri" panose="020F0502020204030204" pitchFamily="34" charset="0"/>
+                        <a:ea typeface="Calibri" panose="020F0502020204030204" pitchFamily="34" charset="0"/>
+                        <a:cs typeface="Times New Roman" panose="02020603050405020304" pitchFamily="18" charset="0"/>
+                      </a:endParaRPr>
+                    </a:p>
+                  </a:txBody>
+                  <a:tcPr marL="68580" marR="68580" marT="0" marB="0" anchor="ctr"/>
+                </a:tc>
+                <a:tc>
+                  <a:txBody>
+                    <a:bodyPr/>
+                    <a:lstStyle/>
+                    <a:p>
+                      <a:pPr marL="0" marR="0" algn="ctr">
+                        <a:lnSpc>
+                          <a:spcPct val="107000"/>
+                        </a:lnSpc>
+                        <a:spcBef>
+                          <a:spcPts val="0"/>
+                        </a:spcBef>
+                        <a:spcAft>
+                          <a:spcPts val="0"/>
+                        </a:spcAft>
+                      </a:pPr>
+                      <a:r>
+                        <a:rPr lang="en-US" sz="2400">
+                          <a:solidFill>
+                            <a:srgbClr val="000000"/>
+                          </a:solidFill>
+                          <a:effectLst/>
+                          <a:latin typeface="Calibri" panose="020F0502020204030204" pitchFamily="34" charset="0"/>
+                          <a:ea typeface="Times New Roman" panose="02020603050405020304" pitchFamily="18" charset="0"/>
+                          <a:cs typeface="Calibri" panose="020F0502020204030204" pitchFamily="34" charset="0"/>
+                        </a:rPr>
+                        <a:t>0.6845</a:t>
+                      </a:r>
+                      <a:endParaRPr lang="en-US" sz="2400">
+                        <a:effectLst/>
+                        <a:latin typeface="Calibri" panose="020F0502020204030204" pitchFamily="34" charset="0"/>
+                        <a:ea typeface="Calibri" panose="020F0502020204030204" pitchFamily="34" charset="0"/>
+                        <a:cs typeface="Times New Roman" panose="02020603050405020304" pitchFamily="18" charset="0"/>
+                      </a:endParaRPr>
+                    </a:p>
+                  </a:txBody>
+                  <a:tcPr marL="68580" marR="68580" marT="0" marB="0" anchor="ctr"/>
+                </a:tc>
+                <a:tc>
+                  <a:txBody>
+                    <a:bodyPr/>
+                    <a:lstStyle/>
+                    <a:p>
+                      <a:pPr marL="0" marR="0" algn="ctr">
+                        <a:lnSpc>
+                          <a:spcPct val="107000"/>
+                        </a:lnSpc>
+                        <a:spcBef>
+                          <a:spcPts val="0"/>
+                        </a:spcBef>
+                        <a:spcAft>
+                          <a:spcPts val="0"/>
+                        </a:spcAft>
+                      </a:pPr>
+                      <a:r>
+                        <a:rPr lang="en-US" sz="2400" dirty="0">
+                          <a:solidFill>
+                            <a:srgbClr val="000000"/>
+                          </a:solidFill>
+                          <a:effectLst/>
+                          <a:latin typeface="Calibri" panose="020F0502020204030204" pitchFamily="34" charset="0"/>
+                          <a:ea typeface="Times New Roman" panose="02020603050405020304" pitchFamily="18" charset="0"/>
+                          <a:cs typeface="Calibri" panose="020F0502020204030204" pitchFamily="34" charset="0"/>
+                        </a:rPr>
+                        <a:t>0.6434</a:t>
+                      </a:r>
+                      <a:endParaRPr lang="en-US" sz="2400" dirty="0">
+                        <a:effectLst/>
+                        <a:latin typeface="Calibri" panose="020F0502020204030204" pitchFamily="34" charset="0"/>
+                        <a:ea typeface="Calibri" panose="020F0502020204030204" pitchFamily="34" charset="0"/>
+                        <a:cs typeface="Times New Roman" panose="02020603050405020304" pitchFamily="18" charset="0"/>
+                      </a:endParaRPr>
+                    </a:p>
+                  </a:txBody>
+                  <a:tcPr marL="68580" marR="68580" marT="0" marB="0" anchor="ctr"/>
+                </a:tc>
+                <a:extLst>
+                  <a:ext uri="{0D108BD9-81ED-4DB2-BD59-A6C34878D82A}">
+                    <a16:rowId xmlns:a16="http://schemas.microsoft.com/office/drawing/2014/main" val="2486493060"/>
+                  </a:ext>
+                </a:extLst>
+              </a:tr>
+            </a:tbl>
+          </a:graphicData>
+        </a:graphic>
+      </p:graphicFrame>
     </p:spTree>
     <p:extLst>
       <p:ext uri="{BB962C8B-B14F-4D97-AF65-F5344CB8AC3E}">
-        <p14:creationId xmlns:p14="http://schemas.microsoft.com/office/powerpoint/2010/main" val="3791681361"/>
+        <p14:creationId xmlns:p14="http://schemas.microsoft.com/office/powerpoint/2010/main" val="860225490"/>
       </p:ext>
     </p:extLst>
   </p:cSld>
@@ -7562,77 +8807,526 @@
             <p:ph type="title"/>
           </p:nvPr>
         </p:nvSpPr>
-        <p:spPr>
-          <a:xfrm>
-            <a:off x="677334" y="609600"/>
-            <a:ext cx="8596668" cy="572219"/>
-          </a:xfrm>
-        </p:spPr>
-        <p:txBody>
-          <a:bodyPr>
-            <a:normAutofit fontScale="90000"/>
-          </a:bodyPr>
+        <p:spPr/>
+        <p:txBody>
+          <a:bodyPr/>
           <a:lstStyle/>
           <a:p>
+            <a:pPr algn="ctr"/>
             <a:r>
               <a:rPr lang="en-US" dirty="0" smtClean="0"/>
-              <a:t>Final Conclusion</a:t>
+              <a:t>Variance Explained</a:t>
+            </a:r>
+            <a:br>
+              <a:rPr lang="en-US" dirty="0" smtClean="0"/>
+            </a:br>
+            <a:r>
+              <a:rPr lang="en-US" dirty="0" smtClean="0"/>
+              <a:t>Decision Trees Regression</a:t>
             </a:r>
             <a:endParaRPr lang="en-US" dirty="0"/>
           </a:p>
         </p:txBody>
       </p:sp>
-      <p:sp>
-        <p:nvSpPr>
-          <p:cNvPr id="3" name="Content Placeholder 2"/>
-          <p:cNvSpPr>
-            <a:spLocks noGrp="1"/>
-          </p:cNvSpPr>
+      <p:graphicFrame>
+        <p:nvGraphicFramePr>
+          <p:cNvPr id="4" name="Content Placeholder 3"/>
+          <p:cNvGraphicFramePr>
+            <a:graphicFrameLocks noGrp="1"/>
+          </p:cNvGraphicFramePr>
           <p:nvPr>
             <p:ph idx="1"/>
-          </p:nvPr>
-        </p:nvSpPr>
-        <p:spPr>
-          <a:xfrm>
-            <a:off x="677334" y="1181819"/>
-            <a:ext cx="8596668" cy="4859543"/>
-          </a:xfrm>
-        </p:spPr>
-        <p:txBody>
-          <a:bodyPr>
-            <a:noAutofit/>
-          </a:bodyPr>
-          <a:lstStyle/>
-          <a:p>
-            <a:r>
-              <a:rPr lang="en-US" sz="2400" dirty="0" smtClean="0"/>
-              <a:t>We would not recommend ignoring multicollinearity.</a:t>
-            </a:r>
-          </a:p>
-          <a:p>
-            <a:r>
-              <a:rPr lang="en-US" sz="2400" dirty="0" smtClean="0"/>
-              <a:t>In this case, we would conclude that poverty rates do not play a statistical significance in predicting Cardiovascular Mortality Rates.</a:t>
-            </a:r>
-          </a:p>
-          <a:p>
-            <a:r>
-              <a:rPr lang="en-US" sz="2400" dirty="0" smtClean="0"/>
-              <a:t>Therefore, we would not recommend policyholders to focus on reducing poverty rates if the goal is to reduce Cardiovascular Mortality Rates.</a:t>
-            </a:r>
-          </a:p>
-          <a:p>
-            <a:r>
-              <a:rPr lang="en-US" sz="2400" dirty="0" smtClean="0"/>
-              <a:t>However, if we were able to tease out the multicollinearity in the data, then this conclusion could potentially change.</a:t>
-            </a:r>
-          </a:p>
-        </p:txBody>
-      </p:sp>
+            <p:extLst>
+              <p:ext uri="{D42A27DB-BD31-4B8C-83A1-F6EECF244321}">
+                <p14:modId xmlns:p14="http://schemas.microsoft.com/office/powerpoint/2010/main" val="1964804532"/>
+              </p:ext>
+            </p:extLst>
+          </p:nvPr>
+        </p:nvGraphicFramePr>
+        <p:xfrm>
+          <a:off x="677863" y="2160587"/>
+          <a:ext cx="8596311" cy="4429993"/>
+        </p:xfrm>
+        <a:graphic>
+          <a:graphicData uri="http://schemas.openxmlformats.org/drawingml/2006/table">
+            <a:tbl>
+              <a:tblPr firstRow="1" bandRow="1">
+                <a:tableStyleId>{5C22544A-7EE6-4342-B048-85BDC9FD1C3A}</a:tableStyleId>
+              </a:tblPr>
+              <a:tblGrid>
+                <a:gridCol w="2865437">
+                  <a:extLst>
+                    <a:ext uri="{9D8B030D-6E8A-4147-A177-3AD203B41FA5}">
+                      <a16:colId xmlns:a16="http://schemas.microsoft.com/office/drawing/2014/main" val="2053075830"/>
+                    </a:ext>
+                  </a:extLst>
+                </a:gridCol>
+                <a:gridCol w="2865437">
+                  <a:extLst>
+                    <a:ext uri="{9D8B030D-6E8A-4147-A177-3AD203B41FA5}">
+                      <a16:colId xmlns:a16="http://schemas.microsoft.com/office/drawing/2014/main" val="707577038"/>
+                    </a:ext>
+                  </a:extLst>
+                </a:gridCol>
+                <a:gridCol w="2865437">
+                  <a:extLst>
+                    <a:ext uri="{9D8B030D-6E8A-4147-A177-3AD203B41FA5}">
+                      <a16:colId xmlns:a16="http://schemas.microsoft.com/office/drawing/2014/main" val="2894100541"/>
+                    </a:ext>
+                  </a:extLst>
+                </a:gridCol>
+              </a:tblGrid>
+              <a:tr h="1617910">
+                <a:tc>
+                  <a:txBody>
+                    <a:bodyPr/>
+                    <a:lstStyle/>
+                    <a:p>
+                      <a:pPr algn="ctr"/>
+                      <a:r>
+                        <a:rPr lang="en-US" sz="2400" dirty="0" smtClean="0"/>
+                        <a:t>Variation</a:t>
+                      </a:r>
+                      <a:endParaRPr lang="en-US" sz="2400" dirty="0"/>
+                    </a:p>
+                  </a:txBody>
+                  <a:tcPr anchor="ctr"/>
+                </a:tc>
+                <a:tc>
+                  <a:txBody>
+                    <a:bodyPr/>
+                    <a:lstStyle/>
+                    <a:p>
+                      <a:pPr algn="ctr"/>
+                      <a:r>
+                        <a:rPr lang="en-US" sz="2400" dirty="0" smtClean="0"/>
+                        <a:t>Using All Variables</a:t>
+                      </a:r>
+                      <a:endParaRPr lang="en-US" sz="2400" dirty="0"/>
+                    </a:p>
+                  </a:txBody>
+                  <a:tcPr anchor="ctr"/>
+                </a:tc>
+                <a:tc>
+                  <a:txBody>
+                    <a:bodyPr/>
+                    <a:lstStyle/>
+                    <a:p>
+                      <a:pPr algn="ctr"/>
+                      <a:r>
+                        <a:rPr lang="en-US" sz="2400" dirty="0" smtClean="0"/>
+                        <a:t>Using Top 3 Variance Explaining</a:t>
+                      </a:r>
+                      <a:r>
+                        <a:rPr lang="en-US" sz="2400" baseline="0" dirty="0" smtClean="0"/>
+                        <a:t> Variables</a:t>
+                      </a:r>
+                      <a:endParaRPr lang="en-US" sz="2400" dirty="0"/>
+                    </a:p>
+                  </a:txBody>
+                  <a:tcPr anchor="ctr"/>
+                </a:tc>
+                <a:extLst>
+                  <a:ext uri="{0D108BD9-81ED-4DB2-BD59-A6C34878D82A}">
+                    <a16:rowId xmlns:a16="http://schemas.microsoft.com/office/drawing/2014/main" val="2648150983"/>
+                  </a:ext>
+                </a:extLst>
+              </a:tr>
+              <a:tr h="937361">
+                <a:tc>
+                  <a:txBody>
+                    <a:bodyPr/>
+                    <a:lstStyle/>
+                    <a:p>
+                      <a:pPr marL="0" marR="0" algn="ctr">
+                        <a:lnSpc>
+                          <a:spcPct val="107000"/>
+                        </a:lnSpc>
+                        <a:spcBef>
+                          <a:spcPts val="0"/>
+                        </a:spcBef>
+                        <a:spcAft>
+                          <a:spcPts val="0"/>
+                        </a:spcAft>
+                      </a:pPr>
+                      <a:r>
+                        <a:rPr lang="en-US" sz="2400" dirty="0" smtClean="0">
+                          <a:solidFill>
+                            <a:srgbClr val="000000"/>
+                          </a:solidFill>
+                          <a:effectLst/>
+                          <a:latin typeface="Calibri" panose="020F0502020204030204" pitchFamily="34" charset="0"/>
+                          <a:ea typeface="Calibri" panose="020F0502020204030204" pitchFamily="34" charset="0"/>
+                          <a:cs typeface="Calibri" panose="020F0502020204030204" pitchFamily="34" charset="0"/>
+                        </a:rPr>
+                        <a:t>Regular</a:t>
+                      </a:r>
+                      <a:r>
+                        <a:rPr lang="en-US" sz="2400" baseline="0" dirty="0" smtClean="0">
+                          <a:solidFill>
+                            <a:srgbClr val="000000"/>
+                          </a:solidFill>
+                          <a:effectLst/>
+                          <a:latin typeface="Calibri" panose="020F0502020204030204" pitchFamily="34" charset="0"/>
+                          <a:ea typeface="Calibri" panose="020F0502020204030204" pitchFamily="34" charset="0"/>
+                          <a:cs typeface="Calibri" panose="020F0502020204030204" pitchFamily="34" charset="0"/>
+                        </a:rPr>
+                        <a:t> Decision Tree</a:t>
+                      </a:r>
+                      <a:endParaRPr lang="en-US" sz="2400" dirty="0">
+                        <a:effectLst/>
+                        <a:latin typeface="Calibri" panose="020F0502020204030204" pitchFamily="34" charset="0"/>
+                        <a:ea typeface="Calibri" panose="020F0502020204030204" pitchFamily="34" charset="0"/>
+                        <a:cs typeface="Times New Roman" panose="02020603050405020304" pitchFamily="18" charset="0"/>
+                      </a:endParaRPr>
+                    </a:p>
+                  </a:txBody>
+                  <a:tcPr marL="68580" marR="68580" marT="0" marB="0" anchor="ctr"/>
+                </a:tc>
+                <a:tc>
+                  <a:txBody>
+                    <a:bodyPr/>
+                    <a:lstStyle/>
+                    <a:p>
+                      <a:pPr marL="0" marR="0" algn="ctr">
+                        <a:lnSpc>
+                          <a:spcPct val="107000"/>
+                        </a:lnSpc>
+                        <a:spcBef>
+                          <a:spcPts val="0"/>
+                        </a:spcBef>
+                        <a:spcAft>
+                          <a:spcPts val="0"/>
+                        </a:spcAft>
+                      </a:pPr>
+                      <a:r>
+                        <a:rPr lang="en-US" sz="2400">
+                          <a:solidFill>
+                            <a:srgbClr val="000000"/>
+                          </a:solidFill>
+                          <a:effectLst/>
+                          <a:latin typeface="Calibri" panose="020F0502020204030204" pitchFamily="34" charset="0"/>
+                          <a:ea typeface="Times New Roman" panose="02020603050405020304" pitchFamily="18" charset="0"/>
+                          <a:cs typeface="Calibri" panose="020F0502020204030204" pitchFamily="34" charset="0"/>
+                        </a:rPr>
+                        <a:t>0.4374</a:t>
+                      </a:r>
+                      <a:endParaRPr lang="en-US" sz="2400">
+                        <a:effectLst/>
+                        <a:latin typeface="Calibri" panose="020F0502020204030204" pitchFamily="34" charset="0"/>
+                        <a:ea typeface="Calibri" panose="020F0502020204030204" pitchFamily="34" charset="0"/>
+                        <a:cs typeface="Times New Roman" panose="02020603050405020304" pitchFamily="18" charset="0"/>
+                      </a:endParaRPr>
+                    </a:p>
+                  </a:txBody>
+                  <a:tcPr marL="68580" marR="68580" marT="0" marB="0" anchor="ctr"/>
+                </a:tc>
+                <a:tc>
+                  <a:txBody>
+                    <a:bodyPr/>
+                    <a:lstStyle/>
+                    <a:p>
+                      <a:pPr marL="0" marR="0" algn="ctr">
+                        <a:lnSpc>
+                          <a:spcPct val="107000"/>
+                        </a:lnSpc>
+                        <a:spcBef>
+                          <a:spcPts val="0"/>
+                        </a:spcBef>
+                        <a:spcAft>
+                          <a:spcPts val="0"/>
+                        </a:spcAft>
+                      </a:pPr>
+                      <a:r>
+                        <a:rPr lang="en-US" sz="2400">
+                          <a:solidFill>
+                            <a:srgbClr val="000000"/>
+                          </a:solidFill>
+                          <a:effectLst/>
+                          <a:latin typeface="Calibri" panose="020F0502020204030204" pitchFamily="34" charset="0"/>
+                          <a:ea typeface="Times New Roman" panose="02020603050405020304" pitchFamily="18" charset="0"/>
+                          <a:cs typeface="Calibri" panose="020F0502020204030204" pitchFamily="34" charset="0"/>
+                        </a:rPr>
+                        <a:t>0.0398</a:t>
+                      </a:r>
+                      <a:endParaRPr lang="en-US" sz="2400">
+                        <a:effectLst/>
+                        <a:latin typeface="Calibri" panose="020F0502020204030204" pitchFamily="34" charset="0"/>
+                        <a:ea typeface="Calibri" panose="020F0502020204030204" pitchFamily="34" charset="0"/>
+                        <a:cs typeface="Times New Roman" panose="02020603050405020304" pitchFamily="18" charset="0"/>
+                      </a:endParaRPr>
+                    </a:p>
+                  </a:txBody>
+                  <a:tcPr marL="68580" marR="68580" marT="0" marB="0" anchor="ctr"/>
+                </a:tc>
+                <a:extLst>
+                  <a:ext uri="{0D108BD9-81ED-4DB2-BD59-A6C34878D82A}">
+                    <a16:rowId xmlns:a16="http://schemas.microsoft.com/office/drawing/2014/main" val="3706950308"/>
+                  </a:ext>
+                </a:extLst>
+              </a:tr>
+              <a:tr h="937361">
+                <a:tc>
+                  <a:txBody>
+                    <a:bodyPr/>
+                    <a:lstStyle/>
+                    <a:p>
+                      <a:pPr marL="0" marR="0" algn="ctr">
+                        <a:lnSpc>
+                          <a:spcPct val="107000"/>
+                        </a:lnSpc>
+                        <a:spcBef>
+                          <a:spcPts val="0"/>
+                        </a:spcBef>
+                        <a:spcAft>
+                          <a:spcPts val="0"/>
+                        </a:spcAft>
+                      </a:pPr>
+                      <a:r>
+                        <a:rPr lang="en-US" sz="2400" dirty="0" smtClean="0">
+                          <a:solidFill>
+                            <a:srgbClr val="000000"/>
+                          </a:solidFill>
+                          <a:effectLst/>
+                          <a:latin typeface="Calibri" panose="020F0502020204030204" pitchFamily="34" charset="0"/>
+                          <a:ea typeface="Calibri" panose="020F0502020204030204" pitchFamily="34" charset="0"/>
+                          <a:cs typeface="Calibri" panose="020F0502020204030204" pitchFamily="34" charset="0"/>
+                        </a:rPr>
+                        <a:t>Random</a:t>
+                      </a:r>
+                      <a:r>
+                        <a:rPr lang="en-US" sz="2400" baseline="0" dirty="0" smtClean="0">
+                          <a:solidFill>
+                            <a:srgbClr val="000000"/>
+                          </a:solidFill>
+                          <a:effectLst/>
+                          <a:latin typeface="Calibri" panose="020F0502020204030204" pitchFamily="34" charset="0"/>
+                          <a:ea typeface="Calibri" panose="020F0502020204030204" pitchFamily="34" charset="0"/>
+                          <a:cs typeface="Calibri" panose="020F0502020204030204" pitchFamily="34" charset="0"/>
+                        </a:rPr>
+                        <a:t> Forest</a:t>
+                      </a:r>
+                      <a:endParaRPr lang="en-US" sz="2400" dirty="0">
+                        <a:effectLst/>
+                        <a:latin typeface="Calibri" panose="020F0502020204030204" pitchFamily="34" charset="0"/>
+                        <a:ea typeface="Calibri" panose="020F0502020204030204" pitchFamily="34" charset="0"/>
+                        <a:cs typeface="Times New Roman" panose="02020603050405020304" pitchFamily="18" charset="0"/>
+                      </a:endParaRPr>
+                    </a:p>
+                  </a:txBody>
+                  <a:tcPr marL="68580" marR="68580" marT="0" marB="0" anchor="ctr"/>
+                </a:tc>
+                <a:tc>
+                  <a:txBody>
+                    <a:bodyPr/>
+                    <a:lstStyle/>
+                    <a:p>
+                      <a:pPr marL="0" marR="0" algn="ctr">
+                        <a:lnSpc>
+                          <a:spcPct val="107000"/>
+                        </a:lnSpc>
+                        <a:spcBef>
+                          <a:spcPts val="0"/>
+                        </a:spcBef>
+                        <a:spcAft>
+                          <a:spcPts val="0"/>
+                        </a:spcAft>
+                      </a:pPr>
+                      <a:r>
+                        <a:rPr lang="en-US" sz="2400">
+                          <a:solidFill>
+                            <a:srgbClr val="000000"/>
+                          </a:solidFill>
+                          <a:effectLst/>
+                          <a:latin typeface="Calibri" panose="020F0502020204030204" pitchFamily="34" charset="0"/>
+                          <a:ea typeface="Times New Roman" panose="02020603050405020304" pitchFamily="18" charset="0"/>
+                          <a:cs typeface="Calibri" panose="020F0502020204030204" pitchFamily="34" charset="0"/>
+                        </a:rPr>
+                        <a:t>0.6966</a:t>
+                      </a:r>
+                      <a:endParaRPr lang="en-US" sz="2400">
+                        <a:effectLst/>
+                        <a:latin typeface="Calibri" panose="020F0502020204030204" pitchFamily="34" charset="0"/>
+                        <a:ea typeface="Calibri" panose="020F0502020204030204" pitchFamily="34" charset="0"/>
+                        <a:cs typeface="Times New Roman" panose="02020603050405020304" pitchFamily="18" charset="0"/>
+                      </a:endParaRPr>
+                    </a:p>
+                  </a:txBody>
+                  <a:tcPr marL="68580" marR="68580" marT="0" marB="0" anchor="ctr"/>
+                </a:tc>
+                <a:tc>
+                  <a:txBody>
+                    <a:bodyPr/>
+                    <a:lstStyle/>
+                    <a:p>
+                      <a:pPr marL="0" marR="0" algn="ctr">
+                        <a:lnSpc>
+                          <a:spcPct val="107000"/>
+                        </a:lnSpc>
+                        <a:spcBef>
+                          <a:spcPts val="0"/>
+                        </a:spcBef>
+                        <a:spcAft>
+                          <a:spcPts val="0"/>
+                        </a:spcAft>
+                      </a:pPr>
+                      <a:r>
+                        <a:rPr lang="en-US" sz="2400" dirty="0">
+                          <a:solidFill>
+                            <a:srgbClr val="000000"/>
+                          </a:solidFill>
+                          <a:effectLst/>
+                          <a:latin typeface="Calibri" panose="020F0502020204030204" pitchFamily="34" charset="0"/>
+                          <a:ea typeface="Times New Roman" panose="02020603050405020304" pitchFamily="18" charset="0"/>
+                          <a:cs typeface="Calibri" panose="020F0502020204030204" pitchFamily="34" charset="0"/>
+                        </a:rPr>
+                        <a:t>0.3446</a:t>
+                      </a:r>
+                      <a:endParaRPr lang="en-US" sz="2400" dirty="0">
+                        <a:effectLst/>
+                        <a:latin typeface="Calibri" panose="020F0502020204030204" pitchFamily="34" charset="0"/>
+                        <a:ea typeface="Calibri" panose="020F0502020204030204" pitchFamily="34" charset="0"/>
+                        <a:cs typeface="Times New Roman" panose="02020603050405020304" pitchFamily="18" charset="0"/>
+                      </a:endParaRPr>
+                    </a:p>
+                  </a:txBody>
+                  <a:tcPr marL="68580" marR="68580" marT="0" marB="0" anchor="ctr"/>
+                </a:tc>
+                <a:extLst>
+                  <a:ext uri="{0D108BD9-81ED-4DB2-BD59-A6C34878D82A}">
+                    <a16:rowId xmlns:a16="http://schemas.microsoft.com/office/drawing/2014/main" val="204980603"/>
+                  </a:ext>
+                </a:extLst>
+              </a:tr>
+              <a:tr h="937361">
+                <a:tc>
+                  <a:txBody>
+                    <a:bodyPr/>
+                    <a:lstStyle/>
+                    <a:p>
+                      <a:pPr marL="0" marR="0" algn="ctr">
+                        <a:lnSpc>
+                          <a:spcPct val="107000"/>
+                        </a:lnSpc>
+                        <a:spcBef>
+                          <a:spcPts val="0"/>
+                        </a:spcBef>
+                        <a:spcAft>
+                          <a:spcPts val="0"/>
+                        </a:spcAft>
+                      </a:pPr>
+                      <a:r>
+                        <a:rPr lang="en-US" sz="2400" dirty="0" err="1" smtClean="0">
+                          <a:solidFill>
+                            <a:srgbClr val="000000"/>
+                          </a:solidFill>
+                          <a:effectLst/>
+                          <a:latin typeface="Calibri" panose="020F0502020204030204" pitchFamily="34" charset="0"/>
+                          <a:ea typeface="Calibri" panose="020F0502020204030204" pitchFamily="34" charset="0"/>
+                          <a:cs typeface="Calibri" panose="020F0502020204030204" pitchFamily="34" charset="0"/>
+                        </a:rPr>
+                        <a:t>AdaBoost</a:t>
+                      </a:r>
+                      <a:endParaRPr lang="en-US" sz="2400" dirty="0">
+                        <a:effectLst/>
+                        <a:latin typeface="Calibri" panose="020F0502020204030204" pitchFamily="34" charset="0"/>
+                        <a:ea typeface="Calibri" panose="020F0502020204030204" pitchFamily="34" charset="0"/>
+                        <a:cs typeface="Times New Roman" panose="02020603050405020304" pitchFamily="18" charset="0"/>
+                      </a:endParaRPr>
+                    </a:p>
+                  </a:txBody>
+                  <a:tcPr marL="68580" marR="68580" marT="0" marB="0" anchor="ctr"/>
+                </a:tc>
+                <a:tc>
+                  <a:txBody>
+                    <a:bodyPr/>
+                    <a:lstStyle/>
+                    <a:p>
+                      <a:pPr marL="0" marR="0" algn="ctr">
+                        <a:lnSpc>
+                          <a:spcPct val="107000"/>
+                        </a:lnSpc>
+                        <a:spcBef>
+                          <a:spcPts val="0"/>
+                        </a:spcBef>
+                        <a:spcAft>
+                          <a:spcPts val="0"/>
+                        </a:spcAft>
+                      </a:pPr>
+                      <a:r>
+                        <a:rPr lang="en-US" sz="2400">
+                          <a:solidFill>
+                            <a:srgbClr val="000000"/>
+                          </a:solidFill>
+                          <a:effectLst/>
+                          <a:latin typeface="Calibri" panose="020F0502020204030204" pitchFamily="34" charset="0"/>
+                          <a:ea typeface="Times New Roman" panose="02020603050405020304" pitchFamily="18" charset="0"/>
+                          <a:cs typeface="Calibri" panose="020F0502020204030204" pitchFamily="34" charset="0"/>
+                        </a:rPr>
+                        <a:t>0.6248</a:t>
+                      </a:r>
+                      <a:endParaRPr lang="en-US" sz="2400">
+                        <a:effectLst/>
+                        <a:latin typeface="Calibri" panose="020F0502020204030204" pitchFamily="34" charset="0"/>
+                        <a:ea typeface="Calibri" panose="020F0502020204030204" pitchFamily="34" charset="0"/>
+                        <a:cs typeface="Times New Roman" panose="02020603050405020304" pitchFamily="18" charset="0"/>
+                      </a:endParaRPr>
+                    </a:p>
+                  </a:txBody>
+                  <a:tcPr marL="68580" marR="68580" marT="0" marB="0" anchor="ctr"/>
+                </a:tc>
+                <a:tc>
+                  <a:txBody>
+                    <a:bodyPr/>
+                    <a:lstStyle/>
+                    <a:p>
+                      <a:pPr marL="0" marR="0" algn="ctr">
+                        <a:lnSpc>
+                          <a:spcPct val="107000"/>
+                        </a:lnSpc>
+                        <a:spcBef>
+                          <a:spcPts val="0"/>
+                        </a:spcBef>
+                        <a:spcAft>
+                          <a:spcPts val="0"/>
+                        </a:spcAft>
+                      </a:pPr>
+                      <a:r>
+                        <a:rPr lang="en-US" sz="2400" dirty="0">
+                          <a:solidFill>
+                            <a:srgbClr val="000000"/>
+                          </a:solidFill>
+                          <a:effectLst/>
+                          <a:latin typeface="Calibri" panose="020F0502020204030204" pitchFamily="34" charset="0"/>
+                          <a:ea typeface="Times New Roman" panose="02020603050405020304" pitchFamily="18" charset="0"/>
+                          <a:cs typeface="Calibri" panose="020F0502020204030204" pitchFamily="34" charset="0"/>
+                        </a:rPr>
+                        <a:t>0.3658</a:t>
+                      </a:r>
+                      <a:endParaRPr lang="en-US" sz="2400" dirty="0">
+                        <a:effectLst/>
+                        <a:latin typeface="Calibri" panose="020F0502020204030204" pitchFamily="34" charset="0"/>
+                        <a:ea typeface="Calibri" panose="020F0502020204030204" pitchFamily="34" charset="0"/>
+                        <a:cs typeface="Times New Roman" panose="02020603050405020304" pitchFamily="18" charset="0"/>
+                      </a:endParaRPr>
+                    </a:p>
+                  </a:txBody>
+                  <a:tcPr marL="68580" marR="68580" marT="0" marB="0" anchor="ctr"/>
+                </a:tc>
+                <a:extLst>
+                  <a:ext uri="{0D108BD9-81ED-4DB2-BD59-A6C34878D82A}">
+                    <a16:rowId xmlns:a16="http://schemas.microsoft.com/office/drawing/2014/main" val="2486493060"/>
+                  </a:ext>
+                </a:extLst>
+              </a:tr>
+            </a:tbl>
+          </a:graphicData>
+        </a:graphic>
+      </p:graphicFrame>
     </p:spTree>
     <p:extLst>
       <p:ext uri="{BB962C8B-B14F-4D97-AF65-F5344CB8AC3E}">
-        <p14:creationId xmlns:p14="http://schemas.microsoft.com/office/powerpoint/2010/main" val="2436137661"/>
+        <p14:creationId xmlns:p14="http://schemas.microsoft.com/office/powerpoint/2010/main" val="3078473108"/>
       </p:ext>
     </p:extLst>
   </p:cSld>
@@ -7669,14 +9363,21 @@
             <p:ph type="title"/>
           </p:nvPr>
         </p:nvSpPr>
-        <p:spPr/>
-        <p:txBody>
-          <a:bodyPr/>
+        <p:spPr>
+          <a:xfrm>
+            <a:off x="677334" y="609600"/>
+            <a:ext cx="8596668" cy="572219"/>
+          </a:xfrm>
+        </p:spPr>
+        <p:txBody>
+          <a:bodyPr>
+            <a:normAutofit fontScale="90000"/>
+          </a:bodyPr>
           <a:lstStyle/>
           <a:p>
             <a:r>
               <a:rPr lang="en-US" dirty="0" smtClean="0"/>
-              <a:t>Future Work</a:t>
+              <a:t>Conclusion</a:t>
             </a:r>
             <a:endParaRPr lang="en-US" dirty="0"/>
           </a:p>
@@ -7692,22 +9393,154 @@
             <p:ph idx="1"/>
           </p:nvPr>
         </p:nvSpPr>
-        <p:spPr/>
+        <p:spPr>
+          <a:xfrm>
+            <a:off x="677334" y="1181819"/>
+            <a:ext cx="8596668" cy="4859543"/>
+          </a:xfrm>
+        </p:spPr>
         <p:txBody>
           <a:bodyPr>
             <a:normAutofit/>
           </a:bodyPr>
           <a:lstStyle/>
           <a:p>
+            <a:pPr marL="0" indent="0">
+              <a:buNone/>
+            </a:pPr>
+            <a:endParaRPr lang="en-US" sz="2400" dirty="0"/>
+          </a:p>
+          <a:p>
+            <a:r>
+              <a:rPr lang="en-US" sz="2400" dirty="0" smtClean="0"/>
+              <a:t>We can use the factors of poverty to predict cardiovascular mortality rates.</a:t>
+            </a:r>
+          </a:p>
+          <a:p>
+            <a:pPr marL="0" indent="0">
+              <a:buNone/>
+            </a:pPr>
+            <a:endParaRPr lang="en-US" sz="2400" dirty="0" smtClean="0"/>
+          </a:p>
+          <a:p>
+            <a:r>
+              <a:rPr lang="en-US" sz="2400" dirty="0" smtClean="0"/>
+              <a:t>With no tweaking of the hyperparameters, we were able to explain 69.66% of the data’s variation with a Random Forest</a:t>
+            </a:r>
+            <a:r>
+              <a:rPr lang="en-US" sz="2400" dirty="0" smtClean="0"/>
+              <a:t>.</a:t>
+            </a:r>
+          </a:p>
+          <a:p>
+            <a:endParaRPr lang="en-US" sz="2400" dirty="0"/>
+          </a:p>
+          <a:p>
+            <a:r>
+              <a:rPr lang="en-US" sz="2400" dirty="0" smtClean="0"/>
+              <a:t>Therefore, focusing on improving the factors of poverty will result in a favorable Cardiovascular mortality rate outcome.</a:t>
+            </a:r>
+            <a:endParaRPr lang="en-US" sz="2400" dirty="0" smtClean="0"/>
+          </a:p>
+          <a:p>
+            <a:endParaRPr lang="en-US" sz="2000" dirty="0"/>
+          </a:p>
+          <a:p>
+            <a:endParaRPr lang="en-US" sz="2000" dirty="0" smtClean="0"/>
+          </a:p>
+          <a:p>
+            <a:endParaRPr lang="en-US" sz="2000" dirty="0" smtClean="0"/>
+          </a:p>
+          <a:p>
+            <a:endParaRPr lang="en-US" sz="2000" dirty="0"/>
+          </a:p>
+        </p:txBody>
+      </p:sp>
+    </p:spTree>
+    <p:extLst>
+      <p:ext uri="{BB962C8B-B14F-4D97-AF65-F5344CB8AC3E}">
+        <p14:creationId xmlns:p14="http://schemas.microsoft.com/office/powerpoint/2010/main" val="3791681361"/>
+      </p:ext>
+    </p:extLst>
+  </p:cSld>
+  <p:clrMapOvr>
+    <a:masterClrMapping/>
+  </p:clrMapOvr>
+</p:sld>
+</file>
+
+<file path=ppt/slides/slide17.xml><?xml version="1.0" encoding="utf-8"?>
+<p:sld xmlns:a="http://schemas.openxmlformats.org/drawingml/2006/main" xmlns:r="http://schemas.openxmlformats.org/officeDocument/2006/relationships" xmlns:p="http://schemas.openxmlformats.org/presentationml/2006/main">
+  <p:cSld>
+    <p:spTree>
+      <p:nvGrpSpPr>
+        <p:cNvPr id="1" name=""/>
+        <p:cNvGrpSpPr/>
+        <p:nvPr/>
+      </p:nvGrpSpPr>
+      <p:grpSpPr>
+        <a:xfrm>
+          <a:off x="0" y="0"/>
+          <a:ext cx="0" cy="0"/>
+          <a:chOff x="0" y="0"/>
+          <a:chExt cx="0" cy="0"/>
+        </a:xfrm>
+      </p:grpSpPr>
+      <p:sp>
+        <p:nvSpPr>
+          <p:cNvPr id="2" name="Title 1"/>
+          <p:cNvSpPr>
+            <a:spLocks noGrp="1"/>
+          </p:cNvSpPr>
+          <p:nvPr>
+            <p:ph type="title"/>
+          </p:nvPr>
+        </p:nvSpPr>
+        <p:spPr/>
+        <p:txBody>
+          <a:bodyPr/>
+          <a:lstStyle/>
+          <a:p>
+            <a:r>
+              <a:rPr lang="en-US" dirty="0" smtClean="0"/>
+              <a:t>Future Work</a:t>
+            </a:r>
+            <a:endParaRPr lang="en-US" dirty="0"/>
+          </a:p>
+        </p:txBody>
+      </p:sp>
+      <p:sp>
+        <p:nvSpPr>
+          <p:cNvPr id="3" name="Content Placeholder 2"/>
+          <p:cNvSpPr>
+            <a:spLocks noGrp="1"/>
+          </p:cNvSpPr>
+          <p:nvPr>
+            <p:ph idx="1"/>
+          </p:nvPr>
+        </p:nvSpPr>
+        <p:spPr/>
+        <p:txBody>
+          <a:bodyPr>
+            <a:normAutofit/>
+          </a:bodyPr>
+          <a:lstStyle/>
+          <a:p>
             <a:r>
               <a:rPr lang="en-US" sz="2800" dirty="0" smtClean="0"/>
-              <a:t>We only focused on one assumed factor of Cardiovascular Disease.</a:t>
-            </a:r>
+              <a:t>We could focus on more than just one type of Cardiovascular Disease.</a:t>
+            </a:r>
+          </a:p>
+          <a:p>
+            <a:pPr marL="0" indent="0">
+              <a:buNone/>
+            </a:pPr>
+            <a:endParaRPr lang="en-US" sz="2800" dirty="0" smtClean="0"/>
           </a:p>
           <a:p>
             <a:r>
               <a:rPr lang="en-US" sz="2800" dirty="0" smtClean="0"/>
-              <a:t>It is clear that other factors come into play. (Age, Exercise, Insurance, </a:t>
+              <a:t>We could incorporate other ‘common sense’ factors of Cardiovascular mortality. (Age, Exercise, Insurance, </a:t>
             </a:r>
             <a:r>
               <a:rPr lang="en-US" sz="2800" dirty="0" err="1" smtClean="0"/>
@@ -7717,13 +9550,6 @@
               <a:rPr lang="en-US" sz="2800" dirty="0" smtClean="0"/>
               <a:t>)</a:t>
             </a:r>
-          </a:p>
-          <a:p>
-            <a:r>
-              <a:rPr lang="en-US" sz="2800" dirty="0" smtClean="0"/>
-              <a:t>After teasing out the multicollinearity, it would be interesting to see if our conclusion would change.</a:t>
-            </a:r>
-            <a:endParaRPr lang="en-US" sz="2800" dirty="0"/>
           </a:p>
         </p:txBody>
       </p:sp>
@@ -7798,14 +9624,12 @@
           <a:lstStyle/>
           <a:p>
             <a:r>
+              <a:rPr lang="en-US" sz="2400" dirty="0"/>
+              <a:t>C</a:t>
+            </a:r>
+            <a:r>
               <a:rPr lang="en-US" sz="2400" dirty="0" smtClean="0"/>
-              <a:t>Rising healthcare costs are a worldwide problem.</a:t>
-            </a:r>
-          </a:p>
-          <a:p>
-            <a:r>
-              <a:rPr lang="en-US" sz="2400" dirty="0" smtClean="0"/>
-              <a:t>In 2015, the US spent ~3 times on healthcare as compared to the average of other countries with comparable incomes. (Source: Organization for Economic Co-operation and Development)</a:t>
+              <a:t>ompared to the average of other countries with comparable incomes, healthcare costs in the US exceed the average by a multiple of 3. (Source: Organization for Economic Co-operation and Development)</a:t>
             </a:r>
           </a:p>
           <a:p>
@@ -7915,7 +9739,7 @@
             </a:r>
             <a:r>
               <a:rPr lang="en-US" sz="3600" b="1" dirty="0" smtClean="0"/>
-              <a:t>an we satisfactorily predict Cardiovascular Mortality rates in the US, simply by using the poverty rate?</a:t>
+              <a:t>an we predict cardiovascular mortality rates in the United States using the factors of poverty?</a:t>
             </a:r>
           </a:p>
         </p:txBody>
@@ -8004,7 +9828,7 @@
           <a:p>
             <a:r>
               <a:rPr lang="en-US" sz="2400" dirty="0" smtClean="0"/>
-              <a:t>If we can accurately predict what the important factors of Cardiovascular mortality are, we can focus the majority of resources into improving those factors.</a:t>
+              <a:t>If we can accurately predict the Cardiovascular mortality rates using these factors, then we can focus our limited resources on one general theme rather than multiple themes.</a:t>
             </a:r>
             <a:endParaRPr lang="en-US" sz="2400" dirty="0"/>
           </a:p>
@@ -8076,14 +9900,15 @@
         <p:spPr/>
         <p:txBody>
           <a:bodyPr anchor="t">
-            <a:normAutofit fontScale="92500"/>
+            <a:normAutofit lnSpcReduction="10000"/>
           </a:bodyPr>
           <a:lstStyle/>
           <a:p>
             <a:r>
               <a:rPr lang="en-US" sz="2400" dirty="0" smtClean="0"/>
-              <a:t>We are curious to see the predictive power of poverty rates in regards to cardiovascular mortality rates.</a:t>
-            </a:r>
+              <a:t>The realities of the US political climate.</a:t>
+            </a:r>
+            <a:endParaRPr lang="en-US" sz="2400" dirty="0"/>
           </a:p>
           <a:p>
             <a:pPr marL="0" indent="0">
@@ -8094,21 +9919,26 @@
           <a:p>
             <a:r>
               <a:rPr lang="en-US" sz="2400" dirty="0" smtClean="0"/>
-              <a:t>If poverty rate can satisfactorily predict cardiovascular mortality rate, we could justify spending more time and effort on reducing the poverty rate.</a:t>
-            </a:r>
-          </a:p>
-          <a:p>
-            <a:pPr marL="0" indent="0">
-              <a:buNone/>
-            </a:pPr>
-            <a:endParaRPr lang="en-US" sz="2400" dirty="0" smtClean="0"/>
+              <a:t>Other common sense factors (Education, Health Insurance Coverage) currently encounter heavy partisan bickering.</a:t>
+            </a:r>
+          </a:p>
+          <a:p>
+            <a:endParaRPr lang="en-US" sz="2400" dirty="0"/>
           </a:p>
           <a:p>
             <a:r>
               <a:rPr lang="en-US" sz="2400" dirty="0" smtClean="0"/>
-              <a:t>Of course, this would depend on the ease of reducing the poverty rate and the predictive power of other possible factors.</a:t>
-            </a:r>
+              <a:t>Luckily, reducing poverty still has bipartisan support.</a:t>
+            </a:r>
+          </a:p>
+          <a:p>
             <a:endParaRPr lang="en-US" sz="2400" dirty="0"/>
+          </a:p>
+          <a:p>
+            <a:r>
+              <a:rPr lang="en-US" sz="2400" dirty="0" smtClean="0"/>
+              <a:t>We could use the limited political capital on reducing poverty instead of fighting.</a:t>
+            </a:r>
           </a:p>
         </p:txBody>
       </p:sp>
@@ -8159,7 +9989,7 @@
           <a:p>
             <a:r>
               <a:rPr lang="en-US" dirty="0" smtClean="0"/>
-              <a:t>Dataset</a:t>
+              <a:t>Master Dataset</a:t>
             </a:r>
             <a:endParaRPr lang="en-US" dirty="0"/>
           </a:p>
@@ -8178,7 +10008,7 @@
         <p:spPr/>
         <p:txBody>
           <a:bodyPr>
-            <a:normAutofit/>
+            <a:normAutofit fontScale="85000" lnSpcReduction="20000"/>
           </a:bodyPr>
           <a:lstStyle/>
           <a:p>
@@ -8197,14 +10027,44 @@
             <a:pPr lvl="1"/>
             <a:r>
               <a:rPr lang="en-US" sz="2400" dirty="0" smtClean="0"/>
-              <a:t>US Census Poverty Rate Dataset</a:t>
-            </a:r>
-          </a:p>
-          <a:p>
-            <a:pPr marL="457200" lvl="1" indent="0">
-              <a:buNone/>
-            </a:pPr>
-            <a:endParaRPr lang="en-US" sz="2400" dirty="0" smtClean="0"/>
+              <a:t>US Census Poverty Rates 1980-2016</a:t>
+            </a:r>
+          </a:p>
+          <a:p>
+            <a:pPr lvl="1"/>
+            <a:r>
+              <a:rPr lang="en-US" sz="2400" dirty="0" smtClean="0"/>
+              <a:t>Information and Accountability Transparency Dataset</a:t>
+            </a:r>
+          </a:p>
+          <a:p>
+            <a:pPr lvl="1"/>
+            <a:r>
+              <a:rPr lang="en-US" sz="2400" dirty="0" smtClean="0"/>
+              <a:t>Bureau of Economic Analysis US GDP 1980-2017</a:t>
+            </a:r>
+          </a:p>
+          <a:p>
+            <a:pPr lvl="1"/>
+            <a:r>
+              <a:rPr lang="en-US" sz="2400" dirty="0" smtClean="0"/>
+              <a:t>Overall US </a:t>
+            </a:r>
+            <a:r>
+              <a:rPr lang="en-US" sz="2400" dirty="0" err="1" smtClean="0"/>
+              <a:t>Labour</a:t>
+            </a:r>
+            <a:r>
+              <a:rPr lang="en-US" sz="2400" dirty="0" smtClean="0"/>
+              <a:t> Productivity 1970-2016 from the Bureau of Labor Statistics</a:t>
+            </a:r>
+          </a:p>
+          <a:p>
+            <a:pPr lvl="1"/>
+            <a:r>
+              <a:rPr lang="en-US" sz="2400" dirty="0" smtClean="0"/>
+              <a:t>Average Annual Unemployment Rates by State from the US Bureau of Labor Statistics</a:t>
+            </a:r>
           </a:p>
           <a:p>
             <a:pPr lvl="1"/>
@@ -8313,28 +10173,22 @@
       </p:sp>
       <p:pic>
         <p:nvPicPr>
-          <p:cNvPr id="8" name="Picture 7"/>
+          <p:cNvPr id="3" name="Picture 2"/>
           <p:cNvPicPr>
             <a:picLocks noChangeAspect="1"/>
           </p:cNvPicPr>
           <p:nvPr/>
         </p:nvPicPr>
         <p:blipFill>
-          <a:blip r:embed="rId2">
-            <a:extLst>
-              <a:ext uri="{28A0092B-C50C-407E-A947-70E740481C1C}">
-                <a14:useLocalDpi xmlns:a14="http://schemas.microsoft.com/office/drawing/2010/main" val="0"/>
-              </a:ext>
-            </a:extLst>
-          </a:blip>
+          <a:blip r:embed="rId2"/>
           <a:stretch>
             <a:fillRect/>
           </a:stretch>
         </p:blipFill>
         <p:spPr>
           <a:xfrm>
-            <a:off x="677334" y="1930400"/>
-            <a:ext cx="8596668" cy="4927600"/>
+            <a:off x="460375" y="1930401"/>
+            <a:ext cx="8813627" cy="4815456"/>
           </a:xfrm>
           <a:prstGeom prst="rect">
             <a:avLst/>
@@ -8442,13 +10296,7 @@
           <p:nvPr/>
         </p:nvPicPr>
         <p:blipFill>
-          <a:blip r:embed="rId2">
-            <a:extLst>
-              <a:ext uri="{28A0092B-C50C-407E-A947-70E740481C1C}">
-                <a14:useLocalDpi xmlns:a14="http://schemas.microsoft.com/office/drawing/2010/main" val="0"/>
-              </a:ext>
-            </a:extLst>
-          </a:blip>
+          <a:blip r:embed="rId2"/>
           <a:stretch>
             <a:fillRect/>
           </a:stretch>
@@ -8456,7 +10304,7 @@
         <p:spPr>
           <a:xfrm>
             <a:off x="677334" y="1930400"/>
-            <a:ext cx="8596668" cy="4927600"/>
+            <a:ext cx="8596668" cy="4858589"/>
           </a:xfrm>
           <a:prstGeom prst="rect">
             <a:avLst/>
@@ -8466,7 +10314,7 @@
     </p:spTree>
     <p:extLst>
       <p:ext uri="{BB962C8B-B14F-4D97-AF65-F5344CB8AC3E}">
-        <p14:creationId xmlns:p14="http://schemas.microsoft.com/office/powerpoint/2010/main" val="4272210979"/>
+        <p14:creationId xmlns:p14="http://schemas.microsoft.com/office/powerpoint/2010/main" val="681111099"/>
       </p:ext>
     </p:extLst>
   </p:cSld>
@@ -8503,72 +10351,28 @@
             <p:ph type="title"/>
           </p:nvPr>
         </p:nvSpPr>
-        <p:spPr>
-          <a:xfrm>
-            <a:off x="677334" y="609600"/>
-            <a:ext cx="8596668" cy="609600"/>
-          </a:xfrm>
-        </p:spPr>
-        <p:txBody>
-          <a:bodyPr>
-            <a:normAutofit fontScale="90000"/>
-          </a:bodyPr>
+        <p:spPr/>
+        <p:txBody>
+          <a:bodyPr/>
           <a:lstStyle/>
           <a:p>
             <a:r>
               <a:rPr lang="en-US" dirty="0" smtClean="0"/>
-              <a:t>Exploratory Data Analysis</a:t>
+              <a:t>What are the statistically significant variables?</a:t>
             </a:r>
             <a:endParaRPr lang="en-US" dirty="0"/>
-          </a:p>
-        </p:txBody>
-      </p:sp>
-      <p:sp>
-        <p:nvSpPr>
-          <p:cNvPr id="7" name="AutoShape 8" descr="http://localhost:8888/files/Documents/GitHub/Springboard-Capstone-1/test.png"/>
-          <p:cNvSpPr>
-            <a:spLocks noChangeAspect="1" noChangeArrowheads="1"/>
-          </p:cNvSpPr>
-          <p:nvPr/>
-        </p:nvSpPr>
-        <p:spPr bwMode="auto">
-          <a:xfrm>
-            <a:off x="155575" y="-144463"/>
-            <a:ext cx="304800" cy="304801"/>
-          </a:xfrm>
-          <a:prstGeom prst="rect">
-            <a:avLst/>
-          </a:prstGeom>
-          <a:noFill/>
-          <a:extLst>
-            <a:ext uri="{909E8E84-426E-40DD-AFC4-6F175D3DCCD1}">
-              <a14:hiddenFill xmlns:a14="http://schemas.microsoft.com/office/drawing/2010/main">
-                <a:solidFill>
-                  <a:srgbClr val="FFFFFF"/>
-                </a:solidFill>
-              </a14:hiddenFill>
-            </a:ext>
-          </a:extLst>
-        </p:spPr>
-        <p:txBody>
-          <a:bodyPr vert="horz" wrap="square" lIns="91440" tIns="45720" rIns="91440" bIns="45720" numCol="1" anchor="t" anchorCtr="0" compatLnSpc="1">
-            <a:prstTxWarp prst="textNoShape">
-              <a:avLst/>
-            </a:prstTxWarp>
-          </a:bodyPr>
-          <a:lstStyle/>
-          <a:p>
-            <a:endParaRPr lang="en-US"/>
           </a:p>
         </p:txBody>
       </p:sp>
       <p:pic>
         <p:nvPicPr>
-          <p:cNvPr id="4" name="Picture 3"/>
+          <p:cNvPr id="4" name="Content Placeholder 3"/>
           <p:cNvPicPr>
-            <a:picLocks noChangeAspect="1"/>
+            <a:picLocks noGrp="1"/>
           </p:cNvPicPr>
-          <p:nvPr/>
+          <p:nvPr>
+            <p:ph idx="1"/>
+          </p:nvPr>
         </p:nvPicPr>
         <p:blipFill>
           <a:blip r:embed="rId2">
@@ -8584,8 +10388,8 @@
         </p:blipFill>
         <p:spPr>
           <a:xfrm>
-            <a:off x="460376" y="1219200"/>
-            <a:ext cx="8813626" cy="5638800"/>
+            <a:off x="677334" y="1930400"/>
+            <a:ext cx="8596668" cy="4677434"/>
           </a:xfrm>
           <a:prstGeom prst="rect">
             <a:avLst/>
@@ -8595,7 +10399,7 @@
     </p:spTree>
     <p:extLst>
       <p:ext uri="{BB962C8B-B14F-4D97-AF65-F5344CB8AC3E}">
-        <p14:creationId xmlns:p14="http://schemas.microsoft.com/office/powerpoint/2010/main" val="4038100537"/>
+        <p14:creationId xmlns:p14="http://schemas.microsoft.com/office/powerpoint/2010/main" val="26716013"/>
       </p:ext>
     </p:extLst>
   </p:cSld>
